--- a/2021182010 노다정, 2021182019 양경원 - 스크립트언어 팀프로젝트 중간발표.pptx
+++ b/2021182010 노다정, 2021182019 양경원 - 스크립트언어 팀프로젝트 중간발표.pptx
@@ -8,25 +8,24 @@
     <p:sldId id="257" r:id="rId2"/>
     <p:sldId id="258" r:id="rId3"/>
     <p:sldId id="265" r:id="rId4"/>
-    <p:sldId id="266" r:id="rId5"/>
-    <p:sldId id="260" r:id="rId6"/>
-    <p:sldId id="259" r:id="rId7"/>
+    <p:sldId id="260" r:id="rId5"/>
+    <p:sldId id="259" r:id="rId6"/>
   </p:sldIdLst>
   <p:sldSz cx="12192000" cy="6858000"/>
   <p:notesSz cx="6858000" cy="9144000"/>
   <p:embeddedFontLst>
     <p:embeddedFont>
       <p:font typeface="12롯데마트드림Bold" panose="02020603020101020101" pitchFamily="18" charset="-127"/>
-      <p:regular r:id="rId8"/>
+      <p:regular r:id="rId7"/>
     </p:embeddedFont>
     <p:embeddedFont>
       <p:font typeface="맑은 고딕" panose="020B0503020000020004" pitchFamily="50" charset="-127"/>
-      <p:regular r:id="rId9"/>
-      <p:bold r:id="rId10"/>
+      <p:regular r:id="rId8"/>
+      <p:bold r:id="rId9"/>
     </p:embeddedFont>
     <p:embeddedFont>
       <p:font typeface="야놀자 야체 B" panose="02020603020101020101" pitchFamily="18" charset="-127"/>
-      <p:bold r:id="rId11"/>
+      <p:bold r:id="rId10"/>
     </p:embeddedFont>
   </p:embeddedFontLst>
   <p:defaultTextStyle>
@@ -286,7 +285,7 @@
                 </a:solidFill>
               </a:rPr>
               <a:pPr/>
-              <a:t>2024-05-28</a:t>
+              <a:t>2024-05-29</a:t>
             </a:fld>
             <a:endParaRPr lang="ko-KR" altLang="en-US">
               <a:solidFill>
@@ -516,7 +515,7 @@
                 </a:solidFill>
               </a:rPr>
               <a:pPr/>
-              <a:t>2024-05-28</a:t>
+              <a:t>2024-05-29</a:t>
             </a:fld>
             <a:endParaRPr lang="ko-KR" altLang="en-US">
               <a:solidFill>
@@ -756,7 +755,7 @@
                 </a:solidFill>
               </a:rPr>
               <a:pPr/>
-              <a:t>2024-05-28</a:t>
+              <a:t>2024-05-29</a:t>
             </a:fld>
             <a:endParaRPr lang="ko-KR" altLang="en-US">
               <a:solidFill>
@@ -986,7 +985,7 @@
                 </a:solidFill>
               </a:rPr>
               <a:pPr/>
-              <a:t>2024-05-28</a:t>
+              <a:t>2024-05-29</a:t>
             </a:fld>
             <a:endParaRPr lang="ko-KR" altLang="en-US">
               <a:solidFill>
@@ -1293,7 +1292,7 @@
                 </a:solidFill>
               </a:rPr>
               <a:pPr/>
-              <a:t>2024-05-28</a:t>
+              <a:t>2024-05-29</a:t>
             </a:fld>
             <a:endParaRPr lang="ko-KR" altLang="en-US">
               <a:solidFill>
@@ -1590,7 +1589,7 @@
                 </a:solidFill>
               </a:rPr>
               <a:pPr/>
-              <a:t>2024-05-28</a:t>
+              <a:t>2024-05-29</a:t>
             </a:fld>
             <a:endParaRPr lang="ko-KR" altLang="en-US">
               <a:solidFill>
@@ -2034,7 +2033,7 @@
                 </a:solidFill>
               </a:rPr>
               <a:pPr/>
-              <a:t>2024-05-28</a:t>
+              <a:t>2024-05-29</a:t>
             </a:fld>
             <a:endParaRPr lang="ko-KR" altLang="en-US">
               <a:solidFill>
@@ -2207,7 +2206,7 @@
                 </a:solidFill>
               </a:rPr>
               <a:pPr/>
-              <a:t>2024-05-28</a:t>
+              <a:t>2024-05-29</a:t>
             </a:fld>
             <a:endParaRPr lang="ko-KR" altLang="en-US">
               <a:solidFill>
@@ -2352,7 +2351,7 @@
                 </a:solidFill>
               </a:rPr>
               <a:pPr/>
-              <a:t>2024-05-28</a:t>
+              <a:t>2024-05-29</a:t>
             </a:fld>
             <a:endParaRPr lang="ko-KR" altLang="en-US">
               <a:solidFill>
@@ -2695,7 +2694,7 @@
                 </a:solidFill>
               </a:rPr>
               <a:pPr/>
-              <a:t>2024-05-28</a:t>
+              <a:t>2024-05-29</a:t>
             </a:fld>
             <a:endParaRPr lang="ko-KR" altLang="en-US">
               <a:solidFill>
@@ -3015,7 +3014,7 @@
                 </a:solidFill>
               </a:rPr>
               <a:pPr/>
-              <a:t>2024-05-28</a:t>
+              <a:t>2024-05-29</a:t>
             </a:fld>
             <a:endParaRPr lang="ko-KR" altLang="en-US">
               <a:solidFill>
@@ -3288,7 +3287,7 @@
                 </a:solidFill>
               </a:rPr>
               <a:pPr/>
-              <a:t>2024-05-28</a:t>
+              <a:t>2024-05-29</a:t>
             </a:fld>
             <a:endParaRPr lang="ko-KR" altLang="en-US">
               <a:solidFill>
@@ -22152,10 +22151,10 @@
       </p:grpSp>
       <p:sp>
         <p:nvSpPr>
-          <p:cNvPr id="18" name="TextBox 17">
+          <p:cNvPr id="19" name="TextBox 18">
             <a:extLst>
               <a:ext uri="{FF2B5EF4-FFF2-40B4-BE49-F238E27FC236}">
-                <a16:creationId xmlns:a16="http://schemas.microsoft.com/office/drawing/2014/main" id="{33D4113E-E65A-18D3-FF11-6C30E728DE84}"/>
+                <a16:creationId xmlns:a16="http://schemas.microsoft.com/office/drawing/2014/main" id="{07AC8CEF-AF9A-4C3D-9E01-950CE5D16EC3}"/>
               </a:ext>
             </a:extLst>
           </p:cNvPr>
@@ -22164,8 +22163,8 @@
         </p:nvSpPr>
         <p:spPr>
           <a:xfrm>
-            <a:off x="618001" y="1484230"/>
-            <a:ext cx="11080013" cy="2932278"/>
+            <a:off x="606073" y="1372239"/>
+            <a:ext cx="4452927" cy="4598246"/>
           </a:xfrm>
           <a:prstGeom prst="rect">
             <a:avLst/>
@@ -22178,7 +22177,7 @@
           </a:bodyPr>
           <a:lstStyle/>
           <a:p>
-            <a:pPr marL="571500" marR="0" lvl="0" indent="-571500" algn="l" defTabSz="914400" rtl="0" eaLnBrk="1" fontAlgn="auto" latinLnBrk="1" hangingPunct="1">
+            <a:pPr marR="0" lvl="0" algn="l" defTabSz="914400" rtl="0" eaLnBrk="1" fontAlgn="auto" latinLnBrk="1" hangingPunct="1">
               <a:lnSpc>
                 <a:spcPct val="150000"/>
               </a:lnSpc>
@@ -22190,49 +22189,11 @@
               </a:spcAft>
               <a:buClrTx/>
               <a:buSzTx/>
-              <a:buFontTx/>
-              <a:buChar char="-"/>
               <a:tabLst/>
               <a:defRPr/>
             </a:pPr>
             <a:r>
-              <a:rPr lang="ko-KR" altLang="en-US" sz="3200" dirty="0">
-                <a:solidFill>
-                  <a:prstClr val="black"/>
-                </a:solidFill>
-                <a:latin typeface="12롯데마트드림Bold" panose="02020603020101020101" pitchFamily="18" charset="-127"/>
-                <a:ea typeface="12롯데마트드림Bold" panose="02020603020101020101" pitchFamily="18" charset="-127"/>
-              </a:rPr>
-              <a:t>지역코드 읽어서 조회</a:t>
-            </a:r>
-            <a:endParaRPr lang="en-US" altLang="ko-KR" sz="3200" dirty="0">
-              <a:solidFill>
-                <a:prstClr val="black"/>
-              </a:solidFill>
-              <a:latin typeface="12롯데마트드림Bold" panose="02020603020101020101" pitchFamily="18" charset="-127"/>
-              <a:ea typeface="12롯데마트드림Bold" panose="02020603020101020101" pitchFamily="18" charset="-127"/>
-            </a:endParaRPr>
-          </a:p>
-          <a:p>
-            <a:pPr marL="571500" marR="0" lvl="0" indent="-571500" algn="l" defTabSz="914400" rtl="0" eaLnBrk="1" fontAlgn="auto" latinLnBrk="1" hangingPunct="1">
-              <a:lnSpc>
-                <a:spcPct val="150000"/>
-              </a:lnSpc>
-              <a:spcBef>
-                <a:spcPts val="0"/>
-              </a:spcBef>
-              <a:spcAft>
-                <a:spcPts val="0"/>
-              </a:spcAft>
-              <a:buClrTx/>
-              <a:buSzTx/>
-              <a:buFontTx/>
-              <a:buChar char="-"/>
-              <a:tabLst/>
-              <a:defRPr/>
-            </a:pPr>
-            <a:r>
-              <a:rPr kumimoji="0" lang="ko-KR" altLang="en-US" sz="3200" b="0" i="0" u="none" strike="noStrike" kern="1200" cap="none" spc="0" normalizeH="0" baseline="0" noProof="0" dirty="0">
+              <a:rPr kumimoji="0" lang="ko-KR" altLang="en-US" sz="1800" b="0" i="0" u="none" strike="noStrike" kern="1200" cap="none" spc="0" normalizeH="0" baseline="0" noProof="0" dirty="0">
                 <a:ln>
                   <a:noFill/>
                 </a:ln>
@@ -22246,9 +22207,9 @@
                 <a:ea typeface="12롯데마트드림Bold" panose="02020603020101020101" pitchFamily="18" charset="-127"/>
                 <a:cs typeface="+mn-cs"/>
               </a:rPr>
-              <a:t>설명</a:t>
+              <a:t>구현한 기능</a:t>
             </a:r>
-            <a:endParaRPr kumimoji="0" lang="en-US" altLang="ko-KR" sz="3200" b="0" i="0" u="none" strike="noStrike" kern="1200" cap="none" spc="0" normalizeH="0" baseline="0" noProof="0" dirty="0">
+            <a:endParaRPr kumimoji="0" lang="en-US" altLang="ko-KR" sz="1800" b="0" i="0" u="none" strike="noStrike" kern="1200" cap="none" spc="0" normalizeH="0" baseline="0" noProof="0" dirty="0">
               <a:ln>
                 <a:noFill/>
               </a:ln>
@@ -22264,7 +22225,7 @@
             </a:endParaRPr>
           </a:p>
           <a:p>
-            <a:pPr marL="571500" marR="0" lvl="0" indent="-571500" algn="l" defTabSz="914400" rtl="0" eaLnBrk="1" fontAlgn="auto" latinLnBrk="1" hangingPunct="1">
+            <a:pPr marL="342900" marR="0" lvl="0" indent="-342900" algn="l" defTabSz="914400" rtl="0" eaLnBrk="1" fontAlgn="auto" latinLnBrk="1" hangingPunct="1">
               <a:lnSpc>
                 <a:spcPct val="150000"/>
               </a:lnSpc>
@@ -22276,49 +22237,12 @@
               </a:spcAft>
               <a:buClrTx/>
               <a:buSzTx/>
-              <a:buFontTx/>
-              <a:buChar char="-"/>
+              <a:buAutoNum type="arabicPeriod"/>
               <a:tabLst/>
               <a:defRPr/>
             </a:pPr>
             <a:r>
-              <a:rPr lang="ko-KR" altLang="en-US" sz="3200" dirty="0">
-                <a:solidFill>
-                  <a:prstClr val="black"/>
-                </a:solidFill>
-                <a:latin typeface="12롯데마트드림Bold" panose="02020603020101020101" pitchFamily="18" charset="-127"/>
-                <a:ea typeface="12롯데마트드림Bold" panose="02020603020101020101" pitchFamily="18" charset="-127"/>
-              </a:rPr>
-              <a:t>설명</a:t>
-            </a:r>
-            <a:endParaRPr lang="en-US" altLang="ko-KR" sz="3200" dirty="0">
-              <a:solidFill>
-                <a:prstClr val="black"/>
-              </a:solidFill>
-              <a:latin typeface="12롯데마트드림Bold" panose="02020603020101020101" pitchFamily="18" charset="-127"/>
-              <a:ea typeface="12롯데마트드림Bold" panose="02020603020101020101" pitchFamily="18" charset="-127"/>
-            </a:endParaRPr>
-          </a:p>
-          <a:p>
-            <a:pPr marL="571500" marR="0" lvl="0" indent="-571500" algn="l" defTabSz="914400" rtl="0" eaLnBrk="1" fontAlgn="auto" latinLnBrk="1" hangingPunct="1">
-              <a:lnSpc>
-                <a:spcPct val="150000"/>
-              </a:lnSpc>
-              <a:spcBef>
-                <a:spcPts val="0"/>
-              </a:spcBef>
-              <a:spcAft>
-                <a:spcPts val="0"/>
-              </a:spcAft>
-              <a:buClrTx/>
-              <a:buSzTx/>
-              <a:buFontTx/>
-              <a:buChar char="-"/>
-              <a:tabLst/>
-              <a:defRPr/>
-            </a:pPr>
-            <a:r>
-              <a:rPr kumimoji="0" lang="ko-KR" altLang="en-US" sz="3200" b="0" i="0" u="none" strike="noStrike" kern="1200" cap="none" spc="0" normalizeH="0" baseline="0" noProof="0" dirty="0">
+              <a:rPr kumimoji="0" lang="ko-KR" altLang="en-US" sz="1800" b="0" i="0" u="none" strike="noStrike" kern="1200" cap="none" spc="0" normalizeH="0" baseline="0" noProof="0" dirty="0">
                 <a:ln>
                   <a:noFill/>
                 </a:ln>
@@ -22332,11 +22256,424 @@
                 <a:ea typeface="12롯데마트드림Bold" panose="02020603020101020101" pitchFamily="18" charset="-127"/>
                 <a:cs typeface="+mn-cs"/>
               </a:rPr>
-              <a:t>설명</a:t>
+              <a:t>버튼을 눌러 각 리스트 출력</a:t>
             </a:r>
+            <a:endParaRPr kumimoji="0" lang="en-US" altLang="ko-KR" sz="1800" b="0" i="0" u="none" strike="noStrike" kern="1200" cap="none" spc="0" normalizeH="0" baseline="0" noProof="0" dirty="0">
+              <a:ln>
+                <a:noFill/>
+              </a:ln>
+              <a:solidFill>
+                <a:prstClr val="black"/>
+              </a:solidFill>
+              <a:effectLst/>
+              <a:uLnTx/>
+              <a:uFillTx/>
+              <a:latin typeface="12롯데마트드림Bold" panose="02020603020101020101" pitchFamily="18" charset="-127"/>
+              <a:ea typeface="12롯데마트드림Bold" panose="02020603020101020101" pitchFamily="18" charset="-127"/>
+              <a:cs typeface="+mn-cs"/>
+            </a:endParaRPr>
+          </a:p>
+          <a:p>
+            <a:pPr marL="342900" marR="0" lvl="0" indent="-342900" algn="l" defTabSz="914400" rtl="0" eaLnBrk="1" fontAlgn="auto" latinLnBrk="1" hangingPunct="1">
+              <a:lnSpc>
+                <a:spcPct val="150000"/>
+              </a:lnSpc>
+              <a:spcBef>
+                <a:spcPts val="0"/>
+              </a:spcBef>
+              <a:spcAft>
+                <a:spcPts val="0"/>
+              </a:spcAft>
+              <a:buClrTx/>
+              <a:buSzTx/>
+              <a:buAutoNum type="arabicPeriod"/>
+              <a:tabLst/>
+              <a:defRPr/>
+            </a:pPr>
+            <a:r>
+              <a:rPr lang="en-US" altLang="ko-KR" dirty="0">
+                <a:solidFill>
+                  <a:prstClr val="black"/>
+                </a:solidFill>
+                <a:latin typeface="12롯데마트드림Bold" panose="02020603020101020101" pitchFamily="18" charset="-127"/>
+                <a:ea typeface="12롯데마트드림Bold" panose="02020603020101020101" pitchFamily="18" charset="-127"/>
+              </a:rPr>
+              <a:t>TIP</a:t>
+            </a:r>
+            <a:r>
+              <a:rPr lang="ko-KR" altLang="en-US" dirty="0">
+                <a:solidFill>
+                  <a:prstClr val="black"/>
+                </a:solidFill>
+                <a:latin typeface="12롯데마트드림Bold" panose="02020603020101020101" pitchFamily="18" charset="-127"/>
+                <a:ea typeface="12롯데마트드림Bold" panose="02020603020101020101" pitchFamily="18" charset="-127"/>
+              </a:rPr>
+              <a:t>을 눌러 관련 정보 획득 가능</a:t>
+            </a:r>
+            <a:endParaRPr lang="en-US" altLang="ko-KR" dirty="0">
+              <a:solidFill>
+                <a:prstClr val="black"/>
+              </a:solidFill>
+              <a:latin typeface="12롯데마트드림Bold" panose="02020603020101020101" pitchFamily="18" charset="-127"/>
+              <a:ea typeface="12롯데마트드림Bold" panose="02020603020101020101" pitchFamily="18" charset="-127"/>
+            </a:endParaRPr>
+          </a:p>
+          <a:p>
+            <a:pPr marL="342900" marR="0" lvl="0" indent="-342900" algn="l" defTabSz="914400" rtl="0" eaLnBrk="1" fontAlgn="auto" latinLnBrk="1" hangingPunct="1">
+              <a:lnSpc>
+                <a:spcPct val="150000"/>
+              </a:lnSpc>
+              <a:spcBef>
+                <a:spcPts val="0"/>
+              </a:spcBef>
+              <a:spcAft>
+                <a:spcPts val="0"/>
+              </a:spcAft>
+              <a:buClrTx/>
+              <a:buSzTx/>
+              <a:buAutoNum type="arabicPeriod"/>
+              <a:tabLst/>
+              <a:defRPr/>
+            </a:pPr>
+            <a:r>
+              <a:rPr lang="ko-KR" altLang="en-US" dirty="0">
+                <a:solidFill>
+                  <a:prstClr val="black"/>
+                </a:solidFill>
+                <a:latin typeface="12롯데마트드림Bold" panose="02020603020101020101" pitchFamily="18" charset="-127"/>
+                <a:ea typeface="12롯데마트드림Bold" panose="02020603020101020101" pitchFamily="18" charset="-127"/>
+              </a:rPr>
+              <a:t>사이드에 동물 보호와 관련된 번호 삽입</a:t>
+            </a:r>
+            <a:endParaRPr lang="en-US" altLang="ko-KR" dirty="0">
+              <a:solidFill>
+                <a:prstClr val="black"/>
+              </a:solidFill>
+              <a:latin typeface="12롯데마트드림Bold" panose="02020603020101020101" pitchFamily="18" charset="-127"/>
+              <a:ea typeface="12롯데마트드림Bold" panose="02020603020101020101" pitchFamily="18" charset="-127"/>
+            </a:endParaRPr>
+          </a:p>
+          <a:p>
+            <a:pPr marL="342900" marR="0" lvl="0" indent="-342900" algn="l" defTabSz="914400" rtl="0" eaLnBrk="1" fontAlgn="auto" latinLnBrk="1" hangingPunct="1">
+              <a:lnSpc>
+                <a:spcPct val="150000"/>
+              </a:lnSpc>
+              <a:spcBef>
+                <a:spcPts val="0"/>
+              </a:spcBef>
+              <a:spcAft>
+                <a:spcPts val="0"/>
+              </a:spcAft>
+              <a:buClrTx/>
+              <a:buSzTx/>
+              <a:buAutoNum type="arabicPeriod"/>
+              <a:tabLst/>
+              <a:defRPr/>
+            </a:pPr>
+            <a:r>
+              <a:rPr lang="ko-KR" altLang="en-US" dirty="0">
+                <a:solidFill>
+                  <a:prstClr val="black"/>
+                </a:solidFill>
+                <a:latin typeface="12롯데마트드림Bold" panose="02020603020101020101" pitchFamily="18" charset="-127"/>
+                <a:ea typeface="12롯데마트드림Bold" panose="02020603020101020101" pitchFamily="18" charset="-127"/>
+              </a:rPr>
+              <a:t>현재 날짜 및 시간</a:t>
+            </a:r>
+            <a:endParaRPr lang="en-US" altLang="ko-KR" dirty="0">
+              <a:solidFill>
+                <a:prstClr val="black"/>
+              </a:solidFill>
+              <a:latin typeface="12롯데마트드림Bold" panose="02020603020101020101" pitchFamily="18" charset="-127"/>
+              <a:ea typeface="12롯데마트드림Bold" panose="02020603020101020101" pitchFamily="18" charset="-127"/>
+            </a:endParaRPr>
+          </a:p>
+          <a:p>
+            <a:pPr marL="342900" marR="0" lvl="0" indent="-342900" algn="l" defTabSz="914400" rtl="0" eaLnBrk="1" fontAlgn="auto" latinLnBrk="1" hangingPunct="1">
+              <a:lnSpc>
+                <a:spcPct val="150000"/>
+              </a:lnSpc>
+              <a:spcBef>
+                <a:spcPts val="0"/>
+              </a:spcBef>
+              <a:spcAft>
+                <a:spcPts val="0"/>
+              </a:spcAft>
+              <a:buClrTx/>
+              <a:buSzTx/>
+              <a:buAutoNum type="arabicPeriod"/>
+              <a:tabLst/>
+              <a:defRPr/>
+            </a:pPr>
+            <a:endParaRPr kumimoji="0" lang="en-US" altLang="ko-KR" sz="1800" b="0" i="0" u="none" strike="noStrike" kern="1200" cap="none" spc="0" normalizeH="0" baseline="0" noProof="0" dirty="0">
+              <a:ln>
+                <a:noFill/>
+              </a:ln>
+              <a:solidFill>
+                <a:prstClr val="black"/>
+              </a:solidFill>
+              <a:effectLst/>
+              <a:uLnTx/>
+              <a:uFillTx/>
+              <a:latin typeface="12롯데마트드림Bold" panose="02020603020101020101" pitchFamily="18" charset="-127"/>
+              <a:ea typeface="12롯데마트드림Bold" panose="02020603020101020101" pitchFamily="18" charset="-127"/>
+              <a:cs typeface="+mn-cs"/>
+            </a:endParaRPr>
+          </a:p>
+          <a:p>
+            <a:pPr marL="342900" marR="0" lvl="0" indent="-342900" algn="l" defTabSz="914400" rtl="0" eaLnBrk="1" fontAlgn="auto" latinLnBrk="1" hangingPunct="1">
+              <a:lnSpc>
+                <a:spcPct val="150000"/>
+              </a:lnSpc>
+              <a:spcBef>
+                <a:spcPts val="0"/>
+              </a:spcBef>
+              <a:spcAft>
+                <a:spcPts val="0"/>
+              </a:spcAft>
+              <a:buClrTx/>
+              <a:buSzTx/>
+              <a:buAutoNum type="arabicPeriod"/>
+              <a:tabLst/>
+              <a:defRPr/>
+            </a:pPr>
+            <a:endParaRPr lang="en-US" altLang="ko-KR" dirty="0">
+              <a:solidFill>
+                <a:prstClr val="black"/>
+              </a:solidFill>
+              <a:latin typeface="12롯데마트드림Bold" panose="02020603020101020101" pitchFamily="18" charset="-127"/>
+              <a:ea typeface="12롯데마트드림Bold" panose="02020603020101020101" pitchFamily="18" charset="-127"/>
+            </a:endParaRPr>
+          </a:p>
+          <a:p>
+            <a:pPr marR="0" lvl="0" algn="l" defTabSz="914400" rtl="0" eaLnBrk="1" fontAlgn="auto" latinLnBrk="1" hangingPunct="1">
+              <a:lnSpc>
+                <a:spcPct val="150000"/>
+              </a:lnSpc>
+              <a:spcBef>
+                <a:spcPts val="0"/>
+              </a:spcBef>
+              <a:spcAft>
+                <a:spcPts val="0"/>
+              </a:spcAft>
+              <a:buClrTx/>
+              <a:buSzTx/>
+              <a:tabLst/>
+              <a:defRPr/>
+            </a:pPr>
+            <a:r>
+              <a:rPr kumimoji="0" lang="ko-KR" altLang="en-US" sz="1800" b="0" i="0" u="none" strike="noStrike" kern="1200" cap="none" spc="0" normalizeH="0" baseline="0" noProof="0" dirty="0">
+                <a:ln>
+                  <a:noFill/>
+                </a:ln>
+                <a:solidFill>
+                  <a:prstClr val="black"/>
+                </a:solidFill>
+                <a:effectLst/>
+                <a:uLnTx/>
+                <a:uFillTx/>
+                <a:latin typeface="12롯데마트드림Bold" panose="02020603020101020101" pitchFamily="18" charset="-127"/>
+                <a:ea typeface="12롯데마트드림Bold" panose="02020603020101020101" pitchFamily="18" charset="-127"/>
+                <a:cs typeface="+mn-cs"/>
+              </a:rPr>
+              <a:t>구현하지 못한 기능 </a:t>
+            </a:r>
+            <a:r>
+              <a:rPr kumimoji="0" lang="en-US" altLang="ko-KR" sz="1800" b="0" i="0" u="none" strike="noStrike" kern="1200" cap="none" spc="0" normalizeH="0" baseline="0" noProof="0" dirty="0">
+                <a:ln>
+                  <a:noFill/>
+                </a:ln>
+                <a:solidFill>
+                  <a:prstClr val="black"/>
+                </a:solidFill>
+                <a:effectLst/>
+                <a:uLnTx/>
+                <a:uFillTx/>
+                <a:latin typeface="12롯데마트드림Bold" panose="02020603020101020101" pitchFamily="18" charset="-127"/>
+                <a:ea typeface="12롯데마트드림Bold" panose="02020603020101020101" pitchFamily="18" charset="-127"/>
+                <a:cs typeface="+mn-cs"/>
+              </a:rPr>
+              <a:t>(</a:t>
+            </a:r>
+            <a:r>
+              <a:rPr kumimoji="0" lang="ko-KR" altLang="en-US" sz="1800" b="0" i="0" u="none" strike="noStrike" kern="1200" cap="none" spc="0" normalizeH="0" baseline="0" noProof="0" dirty="0">
+                <a:ln>
+                  <a:noFill/>
+                </a:ln>
+                <a:solidFill>
+                  <a:prstClr val="black"/>
+                </a:solidFill>
+                <a:effectLst/>
+                <a:uLnTx/>
+                <a:uFillTx/>
+                <a:latin typeface="12롯데마트드림Bold" panose="02020603020101020101" pitchFamily="18" charset="-127"/>
+                <a:ea typeface="12롯데마트드림Bold" panose="02020603020101020101" pitchFamily="18" charset="-127"/>
+                <a:cs typeface="+mn-cs"/>
+              </a:rPr>
+              <a:t>추후 추가할 기능</a:t>
+            </a:r>
+            <a:r>
+              <a:rPr kumimoji="0" lang="en-US" altLang="ko-KR" sz="1800" b="0" i="0" u="none" strike="noStrike" kern="1200" cap="none" spc="0" normalizeH="0" baseline="0" noProof="0" dirty="0">
+                <a:ln>
+                  <a:noFill/>
+                </a:ln>
+                <a:solidFill>
+                  <a:prstClr val="black"/>
+                </a:solidFill>
+                <a:effectLst/>
+                <a:uLnTx/>
+                <a:uFillTx/>
+                <a:latin typeface="12롯데마트드림Bold" panose="02020603020101020101" pitchFamily="18" charset="-127"/>
+                <a:ea typeface="12롯데마트드림Bold" panose="02020603020101020101" pitchFamily="18" charset="-127"/>
+                <a:cs typeface="+mn-cs"/>
+              </a:rPr>
+              <a:t>)</a:t>
+            </a:r>
+          </a:p>
+          <a:p>
+            <a:pPr marL="342900" marR="0" lvl="0" indent="-342900" algn="l" defTabSz="914400" rtl="0" eaLnBrk="1" fontAlgn="auto" latinLnBrk="1" hangingPunct="1">
+              <a:lnSpc>
+                <a:spcPct val="150000"/>
+              </a:lnSpc>
+              <a:spcBef>
+                <a:spcPts val="0"/>
+              </a:spcBef>
+              <a:spcAft>
+                <a:spcPts val="0"/>
+              </a:spcAft>
+              <a:buClrTx/>
+              <a:buSzTx/>
+              <a:buAutoNum type="arabicPeriod"/>
+              <a:tabLst/>
+              <a:defRPr/>
+            </a:pPr>
+            <a:r>
+              <a:rPr lang="ko-KR" altLang="en-US" dirty="0" err="1">
+                <a:solidFill>
+                  <a:prstClr val="black"/>
+                </a:solidFill>
+                <a:latin typeface="12롯데마트드림Bold" panose="02020603020101020101" pitchFamily="18" charset="-127"/>
+                <a:ea typeface="12롯데마트드림Bold" panose="02020603020101020101" pitchFamily="18" charset="-127"/>
+              </a:rPr>
+              <a:t>검색창</a:t>
+            </a:r>
+            <a:endParaRPr lang="en-US" altLang="ko-KR" dirty="0">
+              <a:solidFill>
+                <a:prstClr val="black"/>
+              </a:solidFill>
+              <a:latin typeface="12롯데마트드림Bold" panose="02020603020101020101" pitchFamily="18" charset="-127"/>
+              <a:ea typeface="12롯데마트드림Bold" panose="02020603020101020101" pitchFamily="18" charset="-127"/>
+            </a:endParaRPr>
+          </a:p>
+          <a:p>
+            <a:pPr marL="342900" marR="0" lvl="0" indent="-342900" algn="l" defTabSz="914400" rtl="0" eaLnBrk="1" fontAlgn="auto" latinLnBrk="1" hangingPunct="1">
+              <a:lnSpc>
+                <a:spcPct val="150000"/>
+              </a:lnSpc>
+              <a:spcBef>
+                <a:spcPts val="0"/>
+              </a:spcBef>
+              <a:spcAft>
+                <a:spcPts val="0"/>
+              </a:spcAft>
+              <a:buClrTx/>
+              <a:buSzTx/>
+              <a:buAutoNum type="arabicPeriod"/>
+              <a:tabLst/>
+              <a:defRPr/>
+            </a:pPr>
+            <a:r>
+              <a:rPr lang="ko-KR" altLang="en-US" dirty="0">
+                <a:solidFill>
+                  <a:prstClr val="black"/>
+                </a:solidFill>
+                <a:latin typeface="12롯데마트드림Bold" panose="02020603020101020101" pitchFamily="18" charset="-127"/>
+                <a:ea typeface="12롯데마트드림Bold" panose="02020603020101020101" pitchFamily="18" charset="-127"/>
+              </a:rPr>
+              <a:t>맵 연동하여 띄우기</a:t>
+            </a:r>
+            <a:endParaRPr lang="en-US" altLang="ko-KR" dirty="0">
+              <a:solidFill>
+                <a:prstClr val="black"/>
+              </a:solidFill>
+              <a:latin typeface="12롯데마트드림Bold" panose="02020603020101020101" pitchFamily="18" charset="-127"/>
+              <a:ea typeface="12롯데마트드림Bold" panose="02020603020101020101" pitchFamily="18" charset="-127"/>
+            </a:endParaRPr>
+          </a:p>
+          <a:p>
+            <a:pPr marL="342900" marR="0" lvl="0" indent="-342900" algn="l" defTabSz="914400" rtl="0" eaLnBrk="1" fontAlgn="auto" latinLnBrk="1" hangingPunct="1">
+              <a:lnSpc>
+                <a:spcPct val="150000"/>
+              </a:lnSpc>
+              <a:spcBef>
+                <a:spcPts val="0"/>
+              </a:spcBef>
+              <a:spcAft>
+                <a:spcPts val="0"/>
+              </a:spcAft>
+              <a:buClrTx/>
+              <a:buSzTx/>
+              <a:buAutoNum type="arabicPeriod"/>
+              <a:tabLst/>
+              <a:defRPr/>
+            </a:pPr>
+            <a:r>
+              <a:rPr lang="ko-KR" altLang="en-US" dirty="0">
+                <a:solidFill>
+                  <a:prstClr val="black"/>
+                </a:solidFill>
+                <a:latin typeface="12롯데마트드림Bold" panose="02020603020101020101" pitchFamily="18" charset="-127"/>
+                <a:ea typeface="12롯데마트드림Bold" panose="02020603020101020101" pitchFamily="18" charset="-127"/>
+              </a:rPr>
+              <a:t>그림 삽입 및 메일 연동</a:t>
+            </a:r>
+            <a:endParaRPr kumimoji="0" lang="ko-KR" altLang="en-US" sz="1800" b="0" i="0" u="none" strike="noStrike" kern="1200" cap="none" spc="0" normalizeH="0" baseline="0" noProof="0" dirty="0">
+              <a:ln>
+                <a:noFill/>
+              </a:ln>
+              <a:solidFill>
+                <a:prstClr val="black"/>
+              </a:solidFill>
+              <a:effectLst/>
+              <a:uLnTx/>
+              <a:uFillTx/>
+              <a:latin typeface="12롯데마트드림Bold" panose="02020603020101020101" pitchFamily="18" charset="-127"/>
+              <a:ea typeface="12롯데마트드림Bold" panose="02020603020101020101" pitchFamily="18" charset="-127"/>
+              <a:cs typeface="+mn-cs"/>
+            </a:endParaRPr>
           </a:p>
         </p:txBody>
       </p:sp>
+      <p:pic>
+        <p:nvPicPr>
+          <p:cNvPr id="41" name="그림 40">
+            <a:extLst>
+              <a:ext uri="{FF2B5EF4-FFF2-40B4-BE49-F238E27FC236}">
+                <a16:creationId xmlns:a16="http://schemas.microsoft.com/office/drawing/2014/main" id="{57057F53-D3A3-DC12-3C16-A44B069F2607}"/>
+              </a:ext>
+            </a:extLst>
+          </p:cNvPr>
+          <p:cNvPicPr>
+            <a:picLocks noChangeAspect="1"/>
+          </p:cNvPicPr>
+          <p:nvPr/>
+        </p:nvPicPr>
+        <p:blipFill>
+          <a:blip r:embed="rId2"/>
+          <a:stretch>
+            <a:fillRect/>
+          </a:stretch>
+        </p:blipFill>
+        <p:spPr>
+          <a:xfrm>
+            <a:off x="5441370" y="1273288"/>
+            <a:ext cx="6144557" cy="4844511"/>
+          </a:xfrm>
+          <a:prstGeom prst="rect">
+            <a:avLst/>
+          </a:prstGeom>
+        </p:spPr>
+      </p:pic>
     </p:spTree>
     <p:extLst>
       <p:ext uri="{BB962C8B-B14F-4D97-AF65-F5344CB8AC3E}">
@@ -22351,6143 +22688,6 @@
 </file>
 
 <file path=ppt/slides/slide4.xml><?xml version="1.0" encoding="utf-8"?>
-<p:sld xmlns:a="http://schemas.openxmlformats.org/drawingml/2006/main" xmlns:r="http://schemas.openxmlformats.org/officeDocument/2006/relationships" xmlns:p="http://schemas.openxmlformats.org/presentationml/2006/main">
-  <p:cSld>
-    <p:bg>
-      <p:bgPr>
-        <a:solidFill>
-          <a:srgbClr val="F7E5CD"/>
-        </a:solidFill>
-        <a:effectLst/>
-      </p:bgPr>
-    </p:bg>
-    <p:spTree>
-      <p:nvGrpSpPr>
-        <p:cNvPr id="1" name=""/>
-        <p:cNvGrpSpPr/>
-        <p:nvPr/>
-      </p:nvGrpSpPr>
-      <p:grpSpPr>
-        <a:xfrm>
-          <a:off x="0" y="0"/>
-          <a:ext cx="0" cy="0"/>
-          <a:chOff x="0" y="0"/>
-          <a:chExt cx="0" cy="0"/>
-        </a:xfrm>
-      </p:grpSpPr>
-      <p:sp>
-        <p:nvSpPr>
-          <p:cNvPr id="2" name="직사각형 1"/>
-          <p:cNvSpPr/>
-          <p:nvPr/>
-        </p:nvSpPr>
-        <p:spPr>
-          <a:xfrm>
-            <a:off x="247559" y="740200"/>
-            <a:ext cx="11707374" cy="5897666"/>
-          </a:xfrm>
-          <a:prstGeom prst="rect">
-            <a:avLst/>
-          </a:prstGeom>
-          <a:solidFill>
-            <a:schemeClr val="bg1"/>
-          </a:solidFill>
-          <a:ln w="41275">
-            <a:solidFill>
-              <a:srgbClr val="D9936F"/>
-            </a:solidFill>
-          </a:ln>
-        </p:spPr>
-        <p:style>
-          <a:lnRef idx="2">
-            <a:schemeClr val="accent1">
-              <a:shade val="50000"/>
-            </a:schemeClr>
-          </a:lnRef>
-          <a:fillRef idx="1">
-            <a:schemeClr val="accent1"/>
-          </a:fillRef>
-          <a:effectRef idx="0">
-            <a:schemeClr val="accent1"/>
-          </a:effectRef>
-          <a:fontRef idx="minor">
-            <a:schemeClr val="lt1"/>
-          </a:fontRef>
-        </p:style>
-        <p:txBody>
-          <a:bodyPr rtlCol="0" anchor="ctr"/>
-          <a:lstStyle/>
-          <a:p>
-            <a:pPr algn="ctr"/>
-            <a:endParaRPr lang="ko-KR" altLang="en-US">
-              <a:solidFill>
-                <a:prstClr val="white"/>
-              </a:solidFill>
-            </a:endParaRPr>
-          </a:p>
-        </p:txBody>
-      </p:sp>
-      <p:sp>
-        <p:nvSpPr>
-          <p:cNvPr id="4" name="직사각형 3"/>
-          <p:cNvSpPr/>
-          <p:nvPr/>
-        </p:nvSpPr>
-        <p:spPr>
-          <a:xfrm>
-            <a:off x="2339103" y="102938"/>
-            <a:ext cx="6580930" cy="584775"/>
-          </a:xfrm>
-          <a:prstGeom prst="rect">
-            <a:avLst/>
-          </a:prstGeom>
-        </p:spPr>
-        <p:txBody>
-          <a:bodyPr wrap="square">
-            <a:spAutoFit/>
-          </a:bodyPr>
-          <a:lstStyle/>
-          <a:p>
-            <a:pPr latinLnBrk="0">
-              <a:defRPr/>
-            </a:pPr>
-            <a:r>
-              <a:rPr lang="ko-KR" altLang="en-US" sz="3200" b="1" kern="0" dirty="0">
-                <a:solidFill>
-                  <a:prstClr val="black">
-                    <a:lumMod val="75000"/>
-                    <a:lumOff val="25000"/>
-                  </a:prstClr>
-                </a:solidFill>
-                <a:latin typeface="야놀자 야체 B" panose="02020603020101020101" pitchFamily="18" charset="-127"/>
-                <a:ea typeface="야놀자 야체 B" panose="02020603020101020101" pitchFamily="18" charset="-127"/>
-              </a:rPr>
-              <a:t>구현 기능</a:t>
-            </a:r>
-            <a:endParaRPr lang="ko-KR" altLang="en-US" sz="4800" kern="0" dirty="0">
-              <a:solidFill>
-                <a:prstClr val="black">
-                  <a:lumMod val="75000"/>
-                  <a:lumOff val="25000"/>
-                </a:prstClr>
-              </a:solidFill>
-            </a:endParaRPr>
-          </a:p>
-        </p:txBody>
-      </p:sp>
-      <p:grpSp>
-        <p:nvGrpSpPr>
-          <p:cNvPr id="6" name="Group 4"/>
-          <p:cNvGrpSpPr>
-            <a:grpSpLocks noChangeAspect="1"/>
-          </p:cNvGrpSpPr>
-          <p:nvPr/>
-        </p:nvGrpSpPr>
-        <p:grpSpPr bwMode="auto">
-          <a:xfrm>
-            <a:off x="788367" y="145506"/>
-            <a:ext cx="1346375" cy="853171"/>
-            <a:chOff x="2350" y="1586"/>
-            <a:chExt cx="2981" cy="1889"/>
-          </a:xfrm>
-          <a:effectLst>
-            <a:outerShdw blurRad="152400" dist="38100" dir="5400000" algn="t" rotWithShape="0">
-              <a:prstClr val="black">
-                <a:alpha val="19000"/>
-              </a:prstClr>
-            </a:outerShdw>
-          </a:effectLst>
-        </p:grpSpPr>
-        <p:sp>
-          <p:nvSpPr>
-            <p:cNvPr id="8" name="Freeform 5"/>
-            <p:cNvSpPr>
-              <a:spLocks/>
-            </p:cNvSpPr>
-            <p:nvPr/>
-          </p:nvSpPr>
-          <p:spPr bwMode="auto">
-            <a:xfrm>
-              <a:off x="2667" y="1845"/>
-              <a:ext cx="2347" cy="1058"/>
-            </a:xfrm>
-            <a:custGeom>
-              <a:avLst/>
-              <a:gdLst>
-                <a:gd name="T0" fmla="*/ 7025 w 7040"/>
-                <a:gd name="T1" fmla="*/ 2908 h 3175"/>
-                <a:gd name="T2" fmla="*/ 6953 w 7040"/>
-                <a:gd name="T3" fmla="*/ 2599 h 3175"/>
-                <a:gd name="T4" fmla="*/ 6854 w 7040"/>
-                <a:gd name="T5" fmla="*/ 2299 h 3175"/>
-                <a:gd name="T6" fmla="*/ 6730 w 7040"/>
-                <a:gd name="T7" fmla="*/ 2013 h 3175"/>
-                <a:gd name="T8" fmla="*/ 6543 w 7040"/>
-                <a:gd name="T9" fmla="*/ 1673 h 3175"/>
-                <a:gd name="T10" fmla="*/ 6171 w 7040"/>
-                <a:gd name="T11" fmla="*/ 1180 h 3175"/>
-                <a:gd name="T12" fmla="*/ 5722 w 7040"/>
-                <a:gd name="T13" fmla="*/ 759 h 3175"/>
-                <a:gd name="T14" fmla="*/ 5272 w 7040"/>
-                <a:gd name="T15" fmla="*/ 460 h 3175"/>
-                <a:gd name="T16" fmla="*/ 4996 w 7040"/>
-                <a:gd name="T17" fmla="*/ 319 h 3175"/>
-                <a:gd name="T18" fmla="*/ 4705 w 7040"/>
-                <a:gd name="T19" fmla="*/ 201 h 3175"/>
-                <a:gd name="T20" fmla="*/ 4403 w 7040"/>
-                <a:gd name="T21" fmla="*/ 110 h 3175"/>
-                <a:gd name="T22" fmla="*/ 4090 w 7040"/>
-                <a:gd name="T23" fmla="*/ 45 h 3175"/>
-                <a:gd name="T24" fmla="*/ 3767 w 7040"/>
-                <a:gd name="T25" fmla="*/ 8 h 3175"/>
-                <a:gd name="T26" fmla="*/ 3520 w 7040"/>
-                <a:gd name="T27" fmla="*/ 0 h 3175"/>
-                <a:gd name="T28" fmla="*/ 3272 w 7040"/>
-                <a:gd name="T29" fmla="*/ 8 h 3175"/>
-                <a:gd name="T30" fmla="*/ 2949 w 7040"/>
-                <a:gd name="T31" fmla="*/ 45 h 3175"/>
-                <a:gd name="T32" fmla="*/ 2637 w 7040"/>
-                <a:gd name="T33" fmla="*/ 110 h 3175"/>
-                <a:gd name="T34" fmla="*/ 2334 w 7040"/>
-                <a:gd name="T35" fmla="*/ 201 h 3175"/>
-                <a:gd name="T36" fmla="*/ 2043 w 7040"/>
-                <a:gd name="T37" fmla="*/ 319 h 3175"/>
-                <a:gd name="T38" fmla="*/ 1767 w 7040"/>
-                <a:gd name="T39" fmla="*/ 460 h 3175"/>
-                <a:gd name="T40" fmla="*/ 1318 w 7040"/>
-                <a:gd name="T41" fmla="*/ 759 h 3175"/>
-                <a:gd name="T42" fmla="*/ 868 w 7040"/>
-                <a:gd name="T43" fmla="*/ 1180 h 3175"/>
-                <a:gd name="T44" fmla="*/ 497 w 7040"/>
-                <a:gd name="T45" fmla="*/ 1673 h 3175"/>
-                <a:gd name="T46" fmla="*/ 308 w 7040"/>
-                <a:gd name="T47" fmla="*/ 2013 h 3175"/>
-                <a:gd name="T48" fmla="*/ 186 w 7040"/>
-                <a:gd name="T49" fmla="*/ 2299 h 3175"/>
-                <a:gd name="T50" fmla="*/ 86 w 7040"/>
-                <a:gd name="T51" fmla="*/ 2599 h 3175"/>
-                <a:gd name="T52" fmla="*/ 14 w 7040"/>
-                <a:gd name="T53" fmla="*/ 2908 h 3175"/>
-                <a:gd name="T54" fmla="*/ 0 w 7040"/>
-                <a:gd name="T55" fmla="*/ 3175 h 3175"/>
-                <a:gd name="T56" fmla="*/ 1596 w 7040"/>
-                <a:gd name="T57" fmla="*/ 2417 h 3175"/>
-                <a:gd name="T58" fmla="*/ 1692 w 7040"/>
-                <a:gd name="T59" fmla="*/ 2208 h 3175"/>
-                <a:gd name="T60" fmla="*/ 1855 w 7040"/>
-                <a:gd name="T61" fmla="*/ 1952 h 3175"/>
-                <a:gd name="T62" fmla="*/ 2054 w 7040"/>
-                <a:gd name="T63" fmla="*/ 1722 h 3175"/>
-                <a:gd name="T64" fmla="*/ 2283 w 7040"/>
-                <a:gd name="T65" fmla="*/ 1523 h 3175"/>
-                <a:gd name="T66" fmla="*/ 2539 w 7040"/>
-                <a:gd name="T67" fmla="*/ 1359 h 3175"/>
-                <a:gd name="T68" fmla="*/ 2820 w 7040"/>
-                <a:gd name="T69" fmla="*/ 1235 h 3175"/>
-                <a:gd name="T70" fmla="*/ 3121 w 7040"/>
-                <a:gd name="T71" fmla="*/ 1151 h 3175"/>
-                <a:gd name="T72" fmla="*/ 3438 w 7040"/>
-                <a:gd name="T73" fmla="*/ 1114 h 3175"/>
-                <a:gd name="T74" fmla="*/ 3602 w 7040"/>
-                <a:gd name="T75" fmla="*/ 1114 h 3175"/>
-                <a:gd name="T76" fmla="*/ 3919 w 7040"/>
-                <a:gd name="T77" fmla="*/ 1151 h 3175"/>
-                <a:gd name="T78" fmla="*/ 4220 w 7040"/>
-                <a:gd name="T79" fmla="*/ 1235 h 3175"/>
-                <a:gd name="T80" fmla="*/ 4501 w 7040"/>
-                <a:gd name="T81" fmla="*/ 1359 h 3175"/>
-                <a:gd name="T82" fmla="*/ 4757 w 7040"/>
-                <a:gd name="T83" fmla="*/ 1523 h 3175"/>
-                <a:gd name="T84" fmla="*/ 4986 w 7040"/>
-                <a:gd name="T85" fmla="*/ 1722 h 3175"/>
-                <a:gd name="T86" fmla="*/ 5185 w 7040"/>
-                <a:gd name="T87" fmla="*/ 1952 h 3175"/>
-                <a:gd name="T88" fmla="*/ 5347 w 7040"/>
-                <a:gd name="T89" fmla="*/ 2208 h 3175"/>
-                <a:gd name="T90" fmla="*/ 5444 w 7040"/>
-                <a:gd name="T91" fmla="*/ 2417 h 3175"/>
-                <a:gd name="T92" fmla="*/ 7040 w 7040"/>
-                <a:gd name="T93" fmla="*/ 3175 h 3175"/>
-              </a:gdLst>
-              <a:ahLst/>
-              <a:cxnLst>
-                <a:cxn ang="0">
-                  <a:pos x="T0" y="T1"/>
-                </a:cxn>
-                <a:cxn ang="0">
-                  <a:pos x="T2" y="T3"/>
-                </a:cxn>
-                <a:cxn ang="0">
-                  <a:pos x="T4" y="T5"/>
-                </a:cxn>
-                <a:cxn ang="0">
-                  <a:pos x="T6" y="T7"/>
-                </a:cxn>
-                <a:cxn ang="0">
-                  <a:pos x="T8" y="T9"/>
-                </a:cxn>
-                <a:cxn ang="0">
-                  <a:pos x="T10" y="T11"/>
-                </a:cxn>
-                <a:cxn ang="0">
-                  <a:pos x="T12" y="T13"/>
-                </a:cxn>
-                <a:cxn ang="0">
-                  <a:pos x="T14" y="T15"/>
-                </a:cxn>
-                <a:cxn ang="0">
-                  <a:pos x="T16" y="T17"/>
-                </a:cxn>
-                <a:cxn ang="0">
-                  <a:pos x="T18" y="T19"/>
-                </a:cxn>
-                <a:cxn ang="0">
-                  <a:pos x="T20" y="T21"/>
-                </a:cxn>
-                <a:cxn ang="0">
-                  <a:pos x="T22" y="T23"/>
-                </a:cxn>
-                <a:cxn ang="0">
-                  <a:pos x="T24" y="T25"/>
-                </a:cxn>
-                <a:cxn ang="0">
-                  <a:pos x="T26" y="T27"/>
-                </a:cxn>
-                <a:cxn ang="0">
-                  <a:pos x="T28" y="T29"/>
-                </a:cxn>
-                <a:cxn ang="0">
-                  <a:pos x="T30" y="T31"/>
-                </a:cxn>
-                <a:cxn ang="0">
-                  <a:pos x="T32" y="T33"/>
-                </a:cxn>
-                <a:cxn ang="0">
-                  <a:pos x="T34" y="T35"/>
-                </a:cxn>
-                <a:cxn ang="0">
-                  <a:pos x="T36" y="T37"/>
-                </a:cxn>
-                <a:cxn ang="0">
-                  <a:pos x="T38" y="T39"/>
-                </a:cxn>
-                <a:cxn ang="0">
-                  <a:pos x="T40" y="T41"/>
-                </a:cxn>
-                <a:cxn ang="0">
-                  <a:pos x="T42" y="T43"/>
-                </a:cxn>
-                <a:cxn ang="0">
-                  <a:pos x="T44" y="T45"/>
-                </a:cxn>
-                <a:cxn ang="0">
-                  <a:pos x="T46" y="T47"/>
-                </a:cxn>
-                <a:cxn ang="0">
-                  <a:pos x="T48" y="T49"/>
-                </a:cxn>
-                <a:cxn ang="0">
-                  <a:pos x="T50" y="T51"/>
-                </a:cxn>
-                <a:cxn ang="0">
-                  <a:pos x="T52" y="T53"/>
-                </a:cxn>
-                <a:cxn ang="0">
-                  <a:pos x="T54" y="T55"/>
-                </a:cxn>
-                <a:cxn ang="0">
-                  <a:pos x="T56" y="T57"/>
-                </a:cxn>
-                <a:cxn ang="0">
-                  <a:pos x="T58" y="T59"/>
-                </a:cxn>
-                <a:cxn ang="0">
-                  <a:pos x="T60" y="T61"/>
-                </a:cxn>
-                <a:cxn ang="0">
-                  <a:pos x="T62" y="T63"/>
-                </a:cxn>
-                <a:cxn ang="0">
-                  <a:pos x="T64" y="T65"/>
-                </a:cxn>
-                <a:cxn ang="0">
-                  <a:pos x="T66" y="T67"/>
-                </a:cxn>
-                <a:cxn ang="0">
-                  <a:pos x="T68" y="T69"/>
-                </a:cxn>
-                <a:cxn ang="0">
-                  <a:pos x="T70" y="T71"/>
-                </a:cxn>
-                <a:cxn ang="0">
-                  <a:pos x="T72" y="T73"/>
-                </a:cxn>
-                <a:cxn ang="0">
-                  <a:pos x="T74" y="T75"/>
-                </a:cxn>
-                <a:cxn ang="0">
-                  <a:pos x="T76" y="T77"/>
-                </a:cxn>
-                <a:cxn ang="0">
-                  <a:pos x="T78" y="T79"/>
-                </a:cxn>
-                <a:cxn ang="0">
-                  <a:pos x="T80" y="T81"/>
-                </a:cxn>
-                <a:cxn ang="0">
-                  <a:pos x="T82" y="T83"/>
-                </a:cxn>
-                <a:cxn ang="0">
-                  <a:pos x="T84" y="T85"/>
-                </a:cxn>
-                <a:cxn ang="0">
-                  <a:pos x="T86" y="T87"/>
-                </a:cxn>
-                <a:cxn ang="0">
-                  <a:pos x="T88" y="T89"/>
-                </a:cxn>
-                <a:cxn ang="0">
-                  <a:pos x="T90" y="T91"/>
-                </a:cxn>
-                <a:cxn ang="0">
-                  <a:pos x="T92" y="T93"/>
-                </a:cxn>
-              </a:cxnLst>
-              <a:rect l="0" t="0" r="r" b="b"/>
-              <a:pathLst>
-                <a:path w="7040" h="3175">
-                  <a:moveTo>
-                    <a:pt x="7040" y="2988"/>
-                  </a:moveTo>
-                  <a:lnTo>
-                    <a:pt x="7025" y="2908"/>
-                  </a:lnTo>
-                  <a:lnTo>
-                    <a:pt x="6994" y="2751"/>
-                  </a:lnTo>
-                  <a:lnTo>
-                    <a:pt x="6953" y="2599"/>
-                  </a:lnTo>
-                  <a:lnTo>
-                    <a:pt x="6907" y="2447"/>
-                  </a:lnTo>
-                  <a:lnTo>
-                    <a:pt x="6854" y="2299"/>
-                  </a:lnTo>
-                  <a:lnTo>
-                    <a:pt x="6796" y="2154"/>
-                  </a:lnTo>
-                  <a:lnTo>
-                    <a:pt x="6730" y="2013"/>
-                  </a:lnTo>
-                  <a:lnTo>
-                    <a:pt x="6659" y="1874"/>
-                  </a:lnTo>
-                  <a:lnTo>
-                    <a:pt x="6543" y="1673"/>
-                  </a:lnTo>
-                  <a:lnTo>
-                    <a:pt x="6368" y="1418"/>
-                  </a:lnTo>
-                  <a:lnTo>
-                    <a:pt x="6171" y="1180"/>
-                  </a:lnTo>
-                  <a:lnTo>
-                    <a:pt x="5957" y="960"/>
-                  </a:lnTo>
-                  <a:lnTo>
-                    <a:pt x="5722" y="759"/>
-                  </a:lnTo>
-                  <a:lnTo>
-                    <a:pt x="5471" y="579"/>
-                  </a:lnTo>
-                  <a:lnTo>
-                    <a:pt x="5272" y="460"/>
-                  </a:lnTo>
-                  <a:lnTo>
-                    <a:pt x="5136" y="386"/>
-                  </a:lnTo>
-                  <a:lnTo>
-                    <a:pt x="4996" y="319"/>
-                  </a:lnTo>
-                  <a:lnTo>
-                    <a:pt x="4852" y="257"/>
-                  </a:lnTo>
-                  <a:lnTo>
-                    <a:pt x="4705" y="201"/>
-                  </a:lnTo>
-                  <a:lnTo>
-                    <a:pt x="4555" y="152"/>
-                  </a:lnTo>
-                  <a:lnTo>
-                    <a:pt x="4403" y="110"/>
-                  </a:lnTo>
-                  <a:lnTo>
-                    <a:pt x="4247" y="74"/>
-                  </a:lnTo>
-                  <a:lnTo>
-                    <a:pt x="4090" y="45"/>
-                  </a:lnTo>
-                  <a:lnTo>
-                    <a:pt x="3929" y="24"/>
-                  </a:lnTo>
-                  <a:lnTo>
-                    <a:pt x="3767" y="8"/>
-                  </a:lnTo>
-                  <a:lnTo>
-                    <a:pt x="3603" y="0"/>
-                  </a:lnTo>
-                  <a:lnTo>
-                    <a:pt x="3520" y="0"/>
-                  </a:lnTo>
-                  <a:lnTo>
-                    <a:pt x="3436" y="0"/>
-                  </a:lnTo>
-                  <a:lnTo>
-                    <a:pt x="3272" y="8"/>
-                  </a:lnTo>
-                  <a:lnTo>
-                    <a:pt x="3111" y="24"/>
-                  </a:lnTo>
-                  <a:lnTo>
-                    <a:pt x="2949" y="45"/>
-                  </a:lnTo>
-                  <a:lnTo>
-                    <a:pt x="2792" y="74"/>
-                  </a:lnTo>
-                  <a:lnTo>
-                    <a:pt x="2637" y="110"/>
-                  </a:lnTo>
-                  <a:lnTo>
-                    <a:pt x="2484" y="152"/>
-                  </a:lnTo>
-                  <a:lnTo>
-                    <a:pt x="2334" y="201"/>
-                  </a:lnTo>
-                  <a:lnTo>
-                    <a:pt x="2188" y="257"/>
-                  </a:lnTo>
-                  <a:lnTo>
-                    <a:pt x="2043" y="319"/>
-                  </a:lnTo>
-                  <a:lnTo>
-                    <a:pt x="1904" y="386"/>
-                  </a:lnTo>
-                  <a:lnTo>
-                    <a:pt x="1767" y="460"/>
-                  </a:lnTo>
-                  <a:lnTo>
-                    <a:pt x="1568" y="579"/>
-                  </a:lnTo>
-                  <a:lnTo>
-                    <a:pt x="1318" y="759"/>
-                  </a:lnTo>
-                  <a:lnTo>
-                    <a:pt x="1083" y="960"/>
-                  </a:lnTo>
-                  <a:lnTo>
-                    <a:pt x="868" y="1180"/>
-                  </a:lnTo>
-                  <a:lnTo>
-                    <a:pt x="671" y="1418"/>
-                  </a:lnTo>
-                  <a:lnTo>
-                    <a:pt x="497" y="1673"/>
-                  </a:lnTo>
-                  <a:lnTo>
-                    <a:pt x="380" y="1874"/>
-                  </a:lnTo>
-                  <a:lnTo>
-                    <a:pt x="308" y="2013"/>
-                  </a:lnTo>
-                  <a:lnTo>
-                    <a:pt x="243" y="2154"/>
-                  </a:lnTo>
-                  <a:lnTo>
-                    <a:pt x="186" y="2299"/>
-                  </a:lnTo>
-                  <a:lnTo>
-                    <a:pt x="132" y="2447"/>
-                  </a:lnTo>
-                  <a:lnTo>
-                    <a:pt x="86" y="2599"/>
-                  </a:lnTo>
-                  <a:lnTo>
-                    <a:pt x="46" y="2751"/>
-                  </a:lnTo>
-                  <a:lnTo>
-                    <a:pt x="14" y="2908"/>
-                  </a:lnTo>
-                  <a:lnTo>
-                    <a:pt x="0" y="2988"/>
-                  </a:lnTo>
-                  <a:lnTo>
-                    <a:pt x="0" y="3175"/>
-                  </a:lnTo>
-                  <a:lnTo>
-                    <a:pt x="1596" y="3175"/>
-                  </a:lnTo>
-                  <a:lnTo>
-                    <a:pt x="1596" y="2417"/>
-                  </a:lnTo>
-                  <a:lnTo>
-                    <a:pt x="1624" y="2347"/>
-                  </a:lnTo>
-                  <a:lnTo>
-                    <a:pt x="1692" y="2208"/>
-                  </a:lnTo>
-                  <a:lnTo>
-                    <a:pt x="1768" y="2077"/>
-                  </a:lnTo>
-                  <a:lnTo>
-                    <a:pt x="1855" y="1952"/>
-                  </a:lnTo>
-                  <a:lnTo>
-                    <a:pt x="1950" y="1832"/>
-                  </a:lnTo>
-                  <a:lnTo>
-                    <a:pt x="2054" y="1722"/>
-                  </a:lnTo>
-                  <a:lnTo>
-                    <a:pt x="2164" y="1618"/>
-                  </a:lnTo>
-                  <a:lnTo>
-                    <a:pt x="2283" y="1523"/>
-                  </a:lnTo>
-                  <a:lnTo>
-                    <a:pt x="2408" y="1436"/>
-                  </a:lnTo>
-                  <a:lnTo>
-                    <a:pt x="2539" y="1359"/>
-                  </a:lnTo>
-                  <a:lnTo>
-                    <a:pt x="2677" y="1291"/>
-                  </a:lnTo>
-                  <a:lnTo>
-                    <a:pt x="2820" y="1235"/>
-                  </a:lnTo>
-                  <a:lnTo>
-                    <a:pt x="2968" y="1187"/>
-                  </a:lnTo>
-                  <a:lnTo>
-                    <a:pt x="3121" y="1151"/>
-                  </a:lnTo>
-                  <a:lnTo>
-                    <a:pt x="3278" y="1127"/>
-                  </a:lnTo>
-                  <a:lnTo>
-                    <a:pt x="3438" y="1114"/>
-                  </a:lnTo>
-                  <a:lnTo>
-                    <a:pt x="3520" y="1114"/>
-                  </a:lnTo>
-                  <a:lnTo>
-                    <a:pt x="3602" y="1114"/>
-                  </a:lnTo>
-                  <a:lnTo>
-                    <a:pt x="3762" y="1127"/>
-                  </a:lnTo>
-                  <a:lnTo>
-                    <a:pt x="3919" y="1151"/>
-                  </a:lnTo>
-                  <a:lnTo>
-                    <a:pt x="4071" y="1187"/>
-                  </a:lnTo>
-                  <a:lnTo>
-                    <a:pt x="4220" y="1235"/>
-                  </a:lnTo>
-                  <a:lnTo>
-                    <a:pt x="4362" y="1291"/>
-                  </a:lnTo>
-                  <a:lnTo>
-                    <a:pt x="4501" y="1359"/>
-                  </a:lnTo>
-                  <a:lnTo>
-                    <a:pt x="4632" y="1436"/>
-                  </a:lnTo>
-                  <a:lnTo>
-                    <a:pt x="4757" y="1523"/>
-                  </a:lnTo>
-                  <a:lnTo>
-                    <a:pt x="4875" y="1618"/>
-                  </a:lnTo>
-                  <a:lnTo>
-                    <a:pt x="4986" y="1722"/>
-                  </a:lnTo>
-                  <a:lnTo>
-                    <a:pt x="5090" y="1832"/>
-                  </a:lnTo>
-                  <a:lnTo>
-                    <a:pt x="5185" y="1952"/>
-                  </a:lnTo>
-                  <a:lnTo>
-                    <a:pt x="5271" y="2077"/>
-                  </a:lnTo>
-                  <a:lnTo>
-                    <a:pt x="5347" y="2208"/>
-                  </a:lnTo>
-                  <a:lnTo>
-                    <a:pt x="5415" y="2347"/>
-                  </a:lnTo>
-                  <a:lnTo>
-                    <a:pt x="5444" y="2417"/>
-                  </a:lnTo>
-                  <a:lnTo>
-                    <a:pt x="5444" y="3175"/>
-                  </a:lnTo>
-                  <a:lnTo>
-                    <a:pt x="7040" y="3175"/>
-                  </a:lnTo>
-                  <a:lnTo>
-                    <a:pt x="7040" y="2988"/>
-                  </a:lnTo>
-                  <a:close/>
-                </a:path>
-              </a:pathLst>
-            </a:custGeom>
-            <a:solidFill>
-              <a:srgbClr val="FFE07D"/>
-            </a:solidFill>
-            <a:ln>
-              <a:noFill/>
-            </a:ln>
-            <a:extLst>
-              <a:ext uri="{91240B29-F687-4F45-9708-019B960494DF}">
-                <a14:hiddenLine xmlns:a14="http://schemas.microsoft.com/office/drawing/2010/main" w="9525">
-                  <a:solidFill>
-                    <a:srgbClr val="000000"/>
-                  </a:solidFill>
-                  <a:round/>
-                  <a:headEnd/>
-                  <a:tailEnd/>
-                </a14:hiddenLine>
-              </a:ext>
-            </a:extLst>
-          </p:spPr>
-          <p:txBody>
-            <a:bodyPr vert="horz" wrap="square" lIns="91440" tIns="45720" rIns="91440" bIns="45720" numCol="1" anchor="t" anchorCtr="0" compatLnSpc="1">
-              <a:prstTxWarp prst="textNoShape">
-                <a:avLst/>
-              </a:prstTxWarp>
-            </a:bodyPr>
-            <a:lstStyle/>
-            <a:p>
-              <a:endParaRPr lang="ko-KR" altLang="en-US">
-                <a:solidFill>
-                  <a:prstClr val="black"/>
-                </a:solidFill>
-              </a:endParaRPr>
-            </a:p>
-          </p:txBody>
-        </p:sp>
-        <p:sp>
-          <p:nvSpPr>
-            <p:cNvPr id="9" name="Freeform 6"/>
-            <p:cNvSpPr>
-              <a:spLocks/>
-            </p:cNvSpPr>
-            <p:nvPr/>
-          </p:nvSpPr>
-          <p:spPr bwMode="auto">
-            <a:xfrm>
-              <a:off x="2449" y="1586"/>
-              <a:ext cx="2783" cy="1369"/>
-            </a:xfrm>
-            <a:custGeom>
-              <a:avLst/>
-              <a:gdLst>
-                <a:gd name="T0" fmla="*/ 8347 w 8350"/>
-                <a:gd name="T1" fmla="*/ 4001 h 4108"/>
-                <a:gd name="T2" fmla="*/ 8308 w 8350"/>
-                <a:gd name="T3" fmla="*/ 3584 h 4108"/>
-                <a:gd name="T4" fmla="*/ 8230 w 8350"/>
-                <a:gd name="T5" fmla="*/ 3177 h 4108"/>
-                <a:gd name="T6" fmla="*/ 8114 w 8350"/>
-                <a:gd name="T7" fmla="*/ 2787 h 4108"/>
-                <a:gd name="T8" fmla="*/ 7963 w 8350"/>
-                <a:gd name="T9" fmla="*/ 2414 h 4108"/>
-                <a:gd name="T10" fmla="*/ 7775 w 8350"/>
-                <a:gd name="T11" fmla="*/ 2060 h 4108"/>
-                <a:gd name="T12" fmla="*/ 7558 w 8350"/>
-                <a:gd name="T13" fmla="*/ 1727 h 4108"/>
-                <a:gd name="T14" fmla="*/ 7309 w 8350"/>
-                <a:gd name="T15" fmla="*/ 1417 h 4108"/>
-                <a:gd name="T16" fmla="*/ 7034 w 8350"/>
-                <a:gd name="T17" fmla="*/ 1132 h 4108"/>
-                <a:gd name="T18" fmla="*/ 6731 w 8350"/>
-                <a:gd name="T19" fmla="*/ 874 h 4108"/>
-                <a:gd name="T20" fmla="*/ 6406 w 8350"/>
-                <a:gd name="T21" fmla="*/ 645 h 4108"/>
-                <a:gd name="T22" fmla="*/ 6059 w 8350"/>
-                <a:gd name="T23" fmla="*/ 448 h 4108"/>
-                <a:gd name="T24" fmla="*/ 5691 w 8350"/>
-                <a:gd name="T25" fmla="*/ 284 h 4108"/>
-                <a:gd name="T26" fmla="*/ 5307 w 8350"/>
-                <a:gd name="T27" fmla="*/ 156 h 4108"/>
-                <a:gd name="T28" fmla="*/ 4906 w 8350"/>
-                <a:gd name="T29" fmla="*/ 64 h 4108"/>
-                <a:gd name="T30" fmla="*/ 4493 w 8350"/>
-                <a:gd name="T31" fmla="*/ 12 h 4108"/>
-                <a:gd name="T32" fmla="*/ 4175 w 8350"/>
-                <a:gd name="T33" fmla="*/ 0 h 4108"/>
-                <a:gd name="T34" fmla="*/ 3856 w 8350"/>
-                <a:gd name="T35" fmla="*/ 12 h 4108"/>
-                <a:gd name="T36" fmla="*/ 3443 w 8350"/>
-                <a:gd name="T37" fmla="*/ 64 h 4108"/>
-                <a:gd name="T38" fmla="*/ 3043 w 8350"/>
-                <a:gd name="T39" fmla="*/ 156 h 4108"/>
-                <a:gd name="T40" fmla="*/ 2658 w 8350"/>
-                <a:gd name="T41" fmla="*/ 284 h 4108"/>
-                <a:gd name="T42" fmla="*/ 2291 w 8350"/>
-                <a:gd name="T43" fmla="*/ 448 h 4108"/>
-                <a:gd name="T44" fmla="*/ 1944 w 8350"/>
-                <a:gd name="T45" fmla="*/ 645 h 4108"/>
-                <a:gd name="T46" fmla="*/ 1618 w 8350"/>
-                <a:gd name="T47" fmla="*/ 874 h 4108"/>
-                <a:gd name="T48" fmla="*/ 1316 w 8350"/>
-                <a:gd name="T49" fmla="*/ 1132 h 4108"/>
-                <a:gd name="T50" fmla="*/ 1039 w 8350"/>
-                <a:gd name="T51" fmla="*/ 1417 h 4108"/>
-                <a:gd name="T52" fmla="*/ 792 w 8350"/>
-                <a:gd name="T53" fmla="*/ 1727 h 4108"/>
-                <a:gd name="T54" fmla="*/ 574 w 8350"/>
-                <a:gd name="T55" fmla="*/ 2061 h 4108"/>
-                <a:gd name="T56" fmla="*/ 387 w 8350"/>
-                <a:gd name="T57" fmla="*/ 2415 h 4108"/>
-                <a:gd name="T58" fmla="*/ 236 w 8350"/>
-                <a:gd name="T59" fmla="*/ 2789 h 4108"/>
-                <a:gd name="T60" fmla="*/ 119 w 8350"/>
-                <a:gd name="T61" fmla="*/ 3179 h 4108"/>
-                <a:gd name="T62" fmla="*/ 41 w 8350"/>
-                <a:gd name="T63" fmla="*/ 3584 h 4108"/>
-                <a:gd name="T64" fmla="*/ 2 w 8350"/>
-                <a:gd name="T65" fmla="*/ 4001 h 4108"/>
-                <a:gd name="T66" fmla="*/ 937 w 8350"/>
-                <a:gd name="T67" fmla="*/ 4108 h 4108"/>
-                <a:gd name="T68" fmla="*/ 963 w 8350"/>
-                <a:gd name="T69" fmla="*/ 3499 h 4108"/>
-                <a:gd name="T70" fmla="*/ 1133 w 8350"/>
-                <a:gd name="T71" fmla="*/ 2943 h 4108"/>
-                <a:gd name="T72" fmla="*/ 1394 w 8350"/>
-                <a:gd name="T73" fmla="*/ 2434 h 4108"/>
-                <a:gd name="T74" fmla="*/ 1735 w 8350"/>
-                <a:gd name="T75" fmla="*/ 1982 h 4108"/>
-                <a:gd name="T76" fmla="*/ 2148 w 8350"/>
-                <a:gd name="T77" fmla="*/ 1595 h 4108"/>
-                <a:gd name="T78" fmla="*/ 2625 w 8350"/>
-                <a:gd name="T79" fmla="*/ 1283 h 4108"/>
-                <a:gd name="T80" fmla="*/ 3152 w 8350"/>
-                <a:gd name="T81" fmla="*/ 1057 h 4108"/>
-                <a:gd name="T82" fmla="*/ 3724 w 8350"/>
-                <a:gd name="T83" fmla="*/ 925 h 4108"/>
-                <a:gd name="T84" fmla="*/ 4098 w 8350"/>
-                <a:gd name="T85" fmla="*/ 896 h 4108"/>
-                <a:gd name="T86" fmla="*/ 4251 w 8350"/>
-                <a:gd name="T87" fmla="*/ 896 h 4108"/>
-                <a:gd name="T88" fmla="*/ 4626 w 8350"/>
-                <a:gd name="T89" fmla="*/ 925 h 4108"/>
-                <a:gd name="T90" fmla="*/ 5197 w 8350"/>
-                <a:gd name="T91" fmla="*/ 1057 h 4108"/>
-                <a:gd name="T92" fmla="*/ 5724 w 8350"/>
-                <a:gd name="T93" fmla="*/ 1283 h 4108"/>
-                <a:gd name="T94" fmla="*/ 6201 w 8350"/>
-                <a:gd name="T95" fmla="*/ 1595 h 4108"/>
-                <a:gd name="T96" fmla="*/ 6614 w 8350"/>
-                <a:gd name="T97" fmla="*/ 1982 h 4108"/>
-                <a:gd name="T98" fmla="*/ 6956 w 8350"/>
-                <a:gd name="T99" fmla="*/ 2434 h 4108"/>
-                <a:gd name="T100" fmla="*/ 7216 w 8350"/>
-                <a:gd name="T101" fmla="*/ 2943 h 4108"/>
-                <a:gd name="T102" fmla="*/ 7386 w 8350"/>
-                <a:gd name="T103" fmla="*/ 3499 h 4108"/>
-                <a:gd name="T104" fmla="*/ 7412 w 8350"/>
-                <a:gd name="T105" fmla="*/ 4108 h 4108"/>
-              </a:gdLst>
-              <a:ahLst/>
-              <a:cxnLst>
-                <a:cxn ang="0">
-                  <a:pos x="T0" y="T1"/>
-                </a:cxn>
-                <a:cxn ang="0">
-                  <a:pos x="T2" y="T3"/>
-                </a:cxn>
-                <a:cxn ang="0">
-                  <a:pos x="T4" y="T5"/>
-                </a:cxn>
-                <a:cxn ang="0">
-                  <a:pos x="T6" y="T7"/>
-                </a:cxn>
-                <a:cxn ang="0">
-                  <a:pos x="T8" y="T9"/>
-                </a:cxn>
-                <a:cxn ang="0">
-                  <a:pos x="T10" y="T11"/>
-                </a:cxn>
-                <a:cxn ang="0">
-                  <a:pos x="T12" y="T13"/>
-                </a:cxn>
-                <a:cxn ang="0">
-                  <a:pos x="T14" y="T15"/>
-                </a:cxn>
-                <a:cxn ang="0">
-                  <a:pos x="T16" y="T17"/>
-                </a:cxn>
-                <a:cxn ang="0">
-                  <a:pos x="T18" y="T19"/>
-                </a:cxn>
-                <a:cxn ang="0">
-                  <a:pos x="T20" y="T21"/>
-                </a:cxn>
-                <a:cxn ang="0">
-                  <a:pos x="T22" y="T23"/>
-                </a:cxn>
-                <a:cxn ang="0">
-                  <a:pos x="T24" y="T25"/>
-                </a:cxn>
-                <a:cxn ang="0">
-                  <a:pos x="T26" y="T27"/>
-                </a:cxn>
-                <a:cxn ang="0">
-                  <a:pos x="T28" y="T29"/>
-                </a:cxn>
-                <a:cxn ang="0">
-                  <a:pos x="T30" y="T31"/>
-                </a:cxn>
-                <a:cxn ang="0">
-                  <a:pos x="T32" y="T33"/>
-                </a:cxn>
-                <a:cxn ang="0">
-                  <a:pos x="T34" y="T35"/>
-                </a:cxn>
-                <a:cxn ang="0">
-                  <a:pos x="T36" y="T37"/>
-                </a:cxn>
-                <a:cxn ang="0">
-                  <a:pos x="T38" y="T39"/>
-                </a:cxn>
-                <a:cxn ang="0">
-                  <a:pos x="T40" y="T41"/>
-                </a:cxn>
-                <a:cxn ang="0">
-                  <a:pos x="T42" y="T43"/>
-                </a:cxn>
-                <a:cxn ang="0">
-                  <a:pos x="T44" y="T45"/>
-                </a:cxn>
-                <a:cxn ang="0">
-                  <a:pos x="T46" y="T47"/>
-                </a:cxn>
-                <a:cxn ang="0">
-                  <a:pos x="T48" y="T49"/>
-                </a:cxn>
-                <a:cxn ang="0">
-                  <a:pos x="T50" y="T51"/>
-                </a:cxn>
-                <a:cxn ang="0">
-                  <a:pos x="T52" y="T53"/>
-                </a:cxn>
-                <a:cxn ang="0">
-                  <a:pos x="T54" y="T55"/>
-                </a:cxn>
-                <a:cxn ang="0">
-                  <a:pos x="T56" y="T57"/>
-                </a:cxn>
-                <a:cxn ang="0">
-                  <a:pos x="T58" y="T59"/>
-                </a:cxn>
-                <a:cxn ang="0">
-                  <a:pos x="T60" y="T61"/>
-                </a:cxn>
-                <a:cxn ang="0">
-                  <a:pos x="T62" y="T63"/>
-                </a:cxn>
-                <a:cxn ang="0">
-                  <a:pos x="T64" y="T65"/>
-                </a:cxn>
-                <a:cxn ang="0">
-                  <a:pos x="T66" y="T67"/>
-                </a:cxn>
-                <a:cxn ang="0">
-                  <a:pos x="T68" y="T69"/>
-                </a:cxn>
-                <a:cxn ang="0">
-                  <a:pos x="T70" y="T71"/>
-                </a:cxn>
-                <a:cxn ang="0">
-                  <a:pos x="T72" y="T73"/>
-                </a:cxn>
-                <a:cxn ang="0">
-                  <a:pos x="T74" y="T75"/>
-                </a:cxn>
-                <a:cxn ang="0">
-                  <a:pos x="T76" y="T77"/>
-                </a:cxn>
-                <a:cxn ang="0">
-                  <a:pos x="T78" y="T79"/>
-                </a:cxn>
-                <a:cxn ang="0">
-                  <a:pos x="T80" y="T81"/>
-                </a:cxn>
-                <a:cxn ang="0">
-                  <a:pos x="T82" y="T83"/>
-                </a:cxn>
-                <a:cxn ang="0">
-                  <a:pos x="T84" y="T85"/>
-                </a:cxn>
-                <a:cxn ang="0">
-                  <a:pos x="T86" y="T87"/>
-                </a:cxn>
-                <a:cxn ang="0">
-                  <a:pos x="T88" y="T89"/>
-                </a:cxn>
-                <a:cxn ang="0">
-                  <a:pos x="T90" y="T91"/>
-                </a:cxn>
-                <a:cxn ang="0">
-                  <a:pos x="T92" y="T93"/>
-                </a:cxn>
-                <a:cxn ang="0">
-                  <a:pos x="T94" y="T95"/>
-                </a:cxn>
-                <a:cxn ang="0">
-                  <a:pos x="T96" y="T97"/>
-                </a:cxn>
-                <a:cxn ang="0">
-                  <a:pos x="T98" y="T99"/>
-                </a:cxn>
-                <a:cxn ang="0">
-                  <a:pos x="T100" y="T101"/>
-                </a:cxn>
-                <a:cxn ang="0">
-                  <a:pos x="T102" y="T103"/>
-                </a:cxn>
-                <a:cxn ang="0">
-                  <a:pos x="T104" y="T105"/>
-                </a:cxn>
-              </a:cxnLst>
-              <a:rect l="0" t="0" r="r" b="b"/>
-              <a:pathLst>
-                <a:path w="8350" h="4108">
-                  <a:moveTo>
-                    <a:pt x="8350" y="4108"/>
-                  </a:moveTo>
-                  <a:lnTo>
-                    <a:pt x="8347" y="4001"/>
-                  </a:lnTo>
-                  <a:lnTo>
-                    <a:pt x="8333" y="3791"/>
-                  </a:lnTo>
-                  <a:lnTo>
-                    <a:pt x="8308" y="3584"/>
-                  </a:lnTo>
-                  <a:lnTo>
-                    <a:pt x="8275" y="3379"/>
-                  </a:lnTo>
-                  <a:lnTo>
-                    <a:pt x="8230" y="3177"/>
-                  </a:lnTo>
-                  <a:lnTo>
-                    <a:pt x="8177" y="2980"/>
-                  </a:lnTo>
-                  <a:lnTo>
-                    <a:pt x="8114" y="2787"/>
-                  </a:lnTo>
-                  <a:lnTo>
-                    <a:pt x="8042" y="2598"/>
-                  </a:lnTo>
-                  <a:lnTo>
-                    <a:pt x="7963" y="2414"/>
-                  </a:lnTo>
-                  <a:lnTo>
-                    <a:pt x="7873" y="2235"/>
-                  </a:lnTo>
-                  <a:lnTo>
-                    <a:pt x="7775" y="2060"/>
-                  </a:lnTo>
-                  <a:lnTo>
-                    <a:pt x="7670" y="1891"/>
-                  </a:lnTo>
-                  <a:lnTo>
-                    <a:pt x="7558" y="1727"/>
-                  </a:lnTo>
-                  <a:lnTo>
-                    <a:pt x="7437" y="1569"/>
-                  </a:lnTo>
-                  <a:lnTo>
-                    <a:pt x="7309" y="1417"/>
-                  </a:lnTo>
-                  <a:lnTo>
-                    <a:pt x="7175" y="1272"/>
-                  </a:lnTo>
-                  <a:lnTo>
-                    <a:pt x="7034" y="1132"/>
-                  </a:lnTo>
-                  <a:lnTo>
-                    <a:pt x="6885" y="1000"/>
-                  </a:lnTo>
-                  <a:lnTo>
-                    <a:pt x="6731" y="874"/>
-                  </a:lnTo>
-                  <a:lnTo>
-                    <a:pt x="6571" y="756"/>
-                  </a:lnTo>
-                  <a:lnTo>
-                    <a:pt x="6406" y="645"/>
-                  </a:lnTo>
-                  <a:lnTo>
-                    <a:pt x="6236" y="543"/>
-                  </a:lnTo>
-                  <a:lnTo>
-                    <a:pt x="6059" y="448"/>
-                  </a:lnTo>
-                  <a:lnTo>
-                    <a:pt x="5877" y="362"/>
-                  </a:lnTo>
-                  <a:lnTo>
-                    <a:pt x="5691" y="284"/>
-                  </a:lnTo>
-                  <a:lnTo>
-                    <a:pt x="5501" y="215"/>
-                  </a:lnTo>
-                  <a:lnTo>
-                    <a:pt x="5307" y="156"/>
-                  </a:lnTo>
-                  <a:lnTo>
-                    <a:pt x="5109" y="105"/>
-                  </a:lnTo>
-                  <a:lnTo>
-                    <a:pt x="4906" y="64"/>
-                  </a:lnTo>
-                  <a:lnTo>
-                    <a:pt x="4702" y="33"/>
-                  </a:lnTo>
-                  <a:lnTo>
-                    <a:pt x="4493" y="12"/>
-                  </a:lnTo>
-                  <a:lnTo>
-                    <a:pt x="4281" y="2"/>
-                  </a:lnTo>
-                  <a:lnTo>
-                    <a:pt x="4175" y="0"/>
-                  </a:lnTo>
-                  <a:lnTo>
-                    <a:pt x="4068" y="2"/>
-                  </a:lnTo>
-                  <a:lnTo>
-                    <a:pt x="3856" y="12"/>
-                  </a:lnTo>
-                  <a:lnTo>
-                    <a:pt x="3648" y="33"/>
-                  </a:lnTo>
-                  <a:lnTo>
-                    <a:pt x="3443" y="64"/>
-                  </a:lnTo>
-                  <a:lnTo>
-                    <a:pt x="3240" y="105"/>
-                  </a:lnTo>
-                  <a:lnTo>
-                    <a:pt x="3043" y="156"/>
-                  </a:lnTo>
-                  <a:lnTo>
-                    <a:pt x="2848" y="216"/>
-                  </a:lnTo>
-                  <a:lnTo>
-                    <a:pt x="2658" y="284"/>
-                  </a:lnTo>
-                  <a:lnTo>
-                    <a:pt x="2472" y="362"/>
-                  </a:lnTo>
-                  <a:lnTo>
-                    <a:pt x="2291" y="448"/>
-                  </a:lnTo>
-                  <a:lnTo>
-                    <a:pt x="2114" y="543"/>
-                  </a:lnTo>
-                  <a:lnTo>
-                    <a:pt x="1944" y="645"/>
-                  </a:lnTo>
-                  <a:lnTo>
-                    <a:pt x="1778" y="756"/>
-                  </a:lnTo>
-                  <a:lnTo>
-                    <a:pt x="1618" y="874"/>
-                  </a:lnTo>
-                  <a:lnTo>
-                    <a:pt x="1464" y="1000"/>
-                  </a:lnTo>
-                  <a:lnTo>
-                    <a:pt x="1316" y="1132"/>
-                  </a:lnTo>
-                  <a:lnTo>
-                    <a:pt x="1175" y="1272"/>
-                  </a:lnTo>
-                  <a:lnTo>
-                    <a:pt x="1039" y="1417"/>
-                  </a:lnTo>
-                  <a:lnTo>
-                    <a:pt x="913" y="1569"/>
-                  </a:lnTo>
-                  <a:lnTo>
-                    <a:pt x="792" y="1727"/>
-                  </a:lnTo>
-                  <a:lnTo>
-                    <a:pt x="679" y="1891"/>
-                  </a:lnTo>
-                  <a:lnTo>
-                    <a:pt x="574" y="2061"/>
-                  </a:lnTo>
-                  <a:lnTo>
-                    <a:pt x="476" y="2235"/>
-                  </a:lnTo>
-                  <a:lnTo>
-                    <a:pt x="387" y="2415"/>
-                  </a:lnTo>
-                  <a:lnTo>
-                    <a:pt x="306" y="2600"/>
-                  </a:lnTo>
-                  <a:lnTo>
-                    <a:pt x="236" y="2789"/>
-                  </a:lnTo>
-                  <a:lnTo>
-                    <a:pt x="172" y="2982"/>
-                  </a:lnTo>
-                  <a:lnTo>
-                    <a:pt x="119" y="3179"/>
-                  </a:lnTo>
-                  <a:lnTo>
-                    <a:pt x="74" y="3379"/>
-                  </a:lnTo>
-                  <a:lnTo>
-                    <a:pt x="41" y="3584"/>
-                  </a:lnTo>
-                  <a:lnTo>
-                    <a:pt x="17" y="3791"/>
-                  </a:lnTo>
-                  <a:lnTo>
-                    <a:pt x="2" y="4001"/>
-                  </a:lnTo>
-                  <a:lnTo>
-                    <a:pt x="0" y="4108"/>
-                  </a:lnTo>
-                  <a:lnTo>
-                    <a:pt x="937" y="4108"/>
-                  </a:lnTo>
-                  <a:lnTo>
-                    <a:pt x="937" y="3644"/>
-                  </a:lnTo>
-                  <a:lnTo>
-                    <a:pt x="963" y="3499"/>
-                  </a:lnTo>
-                  <a:lnTo>
-                    <a:pt x="1036" y="3215"/>
-                  </a:lnTo>
-                  <a:lnTo>
-                    <a:pt x="1133" y="2943"/>
-                  </a:lnTo>
-                  <a:lnTo>
-                    <a:pt x="1253" y="2682"/>
-                  </a:lnTo>
-                  <a:lnTo>
-                    <a:pt x="1394" y="2434"/>
-                  </a:lnTo>
-                  <a:lnTo>
-                    <a:pt x="1555" y="2199"/>
-                  </a:lnTo>
-                  <a:lnTo>
-                    <a:pt x="1735" y="1982"/>
-                  </a:lnTo>
-                  <a:lnTo>
-                    <a:pt x="1934" y="1779"/>
-                  </a:lnTo>
-                  <a:lnTo>
-                    <a:pt x="2148" y="1595"/>
-                  </a:lnTo>
-                  <a:lnTo>
-                    <a:pt x="2379" y="1429"/>
-                  </a:lnTo>
-                  <a:lnTo>
-                    <a:pt x="2625" y="1283"/>
-                  </a:lnTo>
-                  <a:lnTo>
-                    <a:pt x="2883" y="1158"/>
-                  </a:lnTo>
-                  <a:lnTo>
-                    <a:pt x="3152" y="1057"/>
-                  </a:lnTo>
-                  <a:lnTo>
-                    <a:pt x="3433" y="978"/>
-                  </a:lnTo>
-                  <a:lnTo>
-                    <a:pt x="3724" y="925"/>
-                  </a:lnTo>
-                  <a:lnTo>
-                    <a:pt x="3947" y="903"/>
-                  </a:lnTo>
-                  <a:lnTo>
-                    <a:pt x="4098" y="896"/>
-                  </a:lnTo>
-                  <a:lnTo>
-                    <a:pt x="4175" y="896"/>
-                  </a:lnTo>
-                  <a:lnTo>
-                    <a:pt x="4251" y="896"/>
-                  </a:lnTo>
-                  <a:lnTo>
-                    <a:pt x="4402" y="903"/>
-                  </a:lnTo>
-                  <a:lnTo>
-                    <a:pt x="4626" y="925"/>
-                  </a:lnTo>
-                  <a:lnTo>
-                    <a:pt x="4916" y="978"/>
-                  </a:lnTo>
-                  <a:lnTo>
-                    <a:pt x="5197" y="1057"/>
-                  </a:lnTo>
-                  <a:lnTo>
-                    <a:pt x="5467" y="1158"/>
-                  </a:lnTo>
-                  <a:lnTo>
-                    <a:pt x="5724" y="1283"/>
-                  </a:lnTo>
-                  <a:lnTo>
-                    <a:pt x="5971" y="1429"/>
-                  </a:lnTo>
-                  <a:lnTo>
-                    <a:pt x="6201" y="1595"/>
-                  </a:lnTo>
-                  <a:lnTo>
-                    <a:pt x="6416" y="1779"/>
-                  </a:lnTo>
-                  <a:lnTo>
-                    <a:pt x="6614" y="1982"/>
-                  </a:lnTo>
-                  <a:lnTo>
-                    <a:pt x="6794" y="2199"/>
-                  </a:lnTo>
-                  <a:lnTo>
-                    <a:pt x="6956" y="2434"/>
-                  </a:lnTo>
-                  <a:lnTo>
-                    <a:pt x="7097" y="2682"/>
-                  </a:lnTo>
-                  <a:lnTo>
-                    <a:pt x="7216" y="2943"/>
-                  </a:lnTo>
-                  <a:lnTo>
-                    <a:pt x="7313" y="3215"/>
-                  </a:lnTo>
-                  <a:lnTo>
-                    <a:pt x="7386" y="3499"/>
-                  </a:lnTo>
-                  <a:lnTo>
-                    <a:pt x="7412" y="3644"/>
-                  </a:lnTo>
-                  <a:lnTo>
-                    <a:pt x="7412" y="4108"/>
-                  </a:lnTo>
-                  <a:lnTo>
-                    <a:pt x="8350" y="4108"/>
-                  </a:lnTo>
-                  <a:close/>
-                </a:path>
-              </a:pathLst>
-            </a:custGeom>
-            <a:solidFill>
-              <a:srgbClr val="FF8086"/>
-            </a:solidFill>
-            <a:ln>
-              <a:noFill/>
-            </a:ln>
-            <a:extLst>
-              <a:ext uri="{91240B29-F687-4F45-9708-019B960494DF}">
-                <a14:hiddenLine xmlns:a14="http://schemas.microsoft.com/office/drawing/2010/main" w="9525">
-                  <a:solidFill>
-                    <a:srgbClr val="000000"/>
-                  </a:solidFill>
-                  <a:round/>
-                  <a:headEnd/>
-                  <a:tailEnd/>
-                </a14:hiddenLine>
-              </a:ext>
-            </a:extLst>
-          </p:spPr>
-          <p:txBody>
-            <a:bodyPr vert="horz" wrap="square" lIns="91440" tIns="45720" rIns="91440" bIns="45720" numCol="1" anchor="t" anchorCtr="0" compatLnSpc="1">
-              <a:prstTxWarp prst="textNoShape">
-                <a:avLst/>
-              </a:prstTxWarp>
-            </a:bodyPr>
-            <a:lstStyle/>
-            <a:p>
-              <a:endParaRPr lang="ko-KR" altLang="en-US">
-                <a:solidFill>
-                  <a:prstClr val="black"/>
-                </a:solidFill>
-              </a:endParaRPr>
-            </a:p>
-          </p:txBody>
-        </p:sp>
-        <p:sp>
-          <p:nvSpPr>
-            <p:cNvPr id="10" name="Freeform 7"/>
-            <p:cNvSpPr>
-              <a:spLocks/>
-            </p:cNvSpPr>
-            <p:nvPr/>
-          </p:nvSpPr>
-          <p:spPr bwMode="auto">
-            <a:xfrm>
-              <a:off x="3771" y="1586"/>
-              <a:ext cx="1461" cy="1369"/>
-            </a:xfrm>
-            <a:custGeom>
-              <a:avLst/>
-              <a:gdLst>
-                <a:gd name="T0" fmla="*/ 104 w 4383"/>
-                <a:gd name="T1" fmla="*/ 2 h 4108"/>
-                <a:gd name="T2" fmla="*/ 103 w 4383"/>
-                <a:gd name="T3" fmla="*/ 12 h 4108"/>
-                <a:gd name="T4" fmla="*/ 504 w 4383"/>
-                <a:gd name="T5" fmla="*/ 61 h 4108"/>
-                <a:gd name="T6" fmla="*/ 895 w 4383"/>
-                <a:gd name="T7" fmla="*/ 147 h 4108"/>
-                <a:gd name="T8" fmla="*/ 1269 w 4383"/>
-                <a:gd name="T9" fmla="*/ 268 h 4108"/>
-                <a:gd name="T10" fmla="*/ 1626 w 4383"/>
-                <a:gd name="T11" fmla="*/ 424 h 4108"/>
-                <a:gd name="T12" fmla="*/ 1966 w 4383"/>
-                <a:gd name="T13" fmla="*/ 609 h 4108"/>
-                <a:gd name="T14" fmla="*/ 2286 w 4383"/>
-                <a:gd name="T15" fmla="*/ 825 h 4108"/>
-                <a:gd name="T16" fmla="*/ 2584 w 4383"/>
-                <a:gd name="T17" fmla="*/ 1069 h 4108"/>
-                <a:gd name="T18" fmla="*/ 2858 w 4383"/>
-                <a:gd name="T19" fmla="*/ 1340 h 4108"/>
-                <a:gd name="T20" fmla="*/ 3107 w 4383"/>
-                <a:gd name="T21" fmla="*/ 1633 h 4108"/>
-                <a:gd name="T22" fmla="*/ 3327 w 4383"/>
-                <a:gd name="T23" fmla="*/ 1949 h 4108"/>
-                <a:gd name="T24" fmla="*/ 3519 w 4383"/>
-                <a:gd name="T25" fmla="*/ 2286 h 4108"/>
-                <a:gd name="T26" fmla="*/ 3679 w 4383"/>
-                <a:gd name="T27" fmla="*/ 2642 h 4108"/>
-                <a:gd name="T28" fmla="*/ 3805 w 4383"/>
-                <a:gd name="T29" fmla="*/ 3013 h 4108"/>
-                <a:gd name="T30" fmla="*/ 3898 w 4383"/>
-                <a:gd name="T31" fmla="*/ 3401 h 4108"/>
-                <a:gd name="T32" fmla="*/ 3954 w 4383"/>
-                <a:gd name="T33" fmla="*/ 3800 h 4108"/>
-                <a:gd name="T34" fmla="*/ 3970 w 4383"/>
-                <a:gd name="T35" fmla="*/ 4108 h 4108"/>
-                <a:gd name="T36" fmla="*/ 3445 w 4383"/>
-                <a:gd name="T37" fmla="*/ 4108 h 4108"/>
-                <a:gd name="T38" fmla="*/ 4380 w 4383"/>
-                <a:gd name="T39" fmla="*/ 4001 h 4108"/>
-                <a:gd name="T40" fmla="*/ 4341 w 4383"/>
-                <a:gd name="T41" fmla="*/ 3584 h 4108"/>
-                <a:gd name="T42" fmla="*/ 4263 w 4383"/>
-                <a:gd name="T43" fmla="*/ 3177 h 4108"/>
-                <a:gd name="T44" fmla="*/ 4147 w 4383"/>
-                <a:gd name="T45" fmla="*/ 2787 h 4108"/>
-                <a:gd name="T46" fmla="*/ 3996 w 4383"/>
-                <a:gd name="T47" fmla="*/ 2414 h 4108"/>
-                <a:gd name="T48" fmla="*/ 3808 w 4383"/>
-                <a:gd name="T49" fmla="*/ 2060 h 4108"/>
-                <a:gd name="T50" fmla="*/ 3591 w 4383"/>
-                <a:gd name="T51" fmla="*/ 1727 h 4108"/>
-                <a:gd name="T52" fmla="*/ 3342 w 4383"/>
-                <a:gd name="T53" fmla="*/ 1417 h 4108"/>
-                <a:gd name="T54" fmla="*/ 3067 w 4383"/>
-                <a:gd name="T55" fmla="*/ 1132 h 4108"/>
-                <a:gd name="T56" fmla="*/ 2764 w 4383"/>
-                <a:gd name="T57" fmla="*/ 874 h 4108"/>
-                <a:gd name="T58" fmla="*/ 2439 w 4383"/>
-                <a:gd name="T59" fmla="*/ 645 h 4108"/>
-                <a:gd name="T60" fmla="*/ 2092 w 4383"/>
-                <a:gd name="T61" fmla="*/ 448 h 4108"/>
-                <a:gd name="T62" fmla="*/ 1724 w 4383"/>
-                <a:gd name="T63" fmla="*/ 284 h 4108"/>
-                <a:gd name="T64" fmla="*/ 1340 w 4383"/>
-                <a:gd name="T65" fmla="*/ 156 h 4108"/>
-                <a:gd name="T66" fmla="*/ 939 w 4383"/>
-                <a:gd name="T67" fmla="*/ 64 h 4108"/>
-                <a:gd name="T68" fmla="*/ 526 w 4383"/>
-                <a:gd name="T69" fmla="*/ 12 h 4108"/>
-                <a:gd name="T70" fmla="*/ 208 w 4383"/>
-                <a:gd name="T71" fmla="*/ 0 h 4108"/>
-              </a:gdLst>
-              <a:ahLst/>
-              <a:cxnLst>
-                <a:cxn ang="0">
-                  <a:pos x="T0" y="T1"/>
-                </a:cxn>
-                <a:cxn ang="0">
-                  <a:pos x="T2" y="T3"/>
-                </a:cxn>
-                <a:cxn ang="0">
-                  <a:pos x="T4" y="T5"/>
-                </a:cxn>
-                <a:cxn ang="0">
-                  <a:pos x="T6" y="T7"/>
-                </a:cxn>
-                <a:cxn ang="0">
-                  <a:pos x="T8" y="T9"/>
-                </a:cxn>
-                <a:cxn ang="0">
-                  <a:pos x="T10" y="T11"/>
-                </a:cxn>
-                <a:cxn ang="0">
-                  <a:pos x="T12" y="T13"/>
-                </a:cxn>
-                <a:cxn ang="0">
-                  <a:pos x="T14" y="T15"/>
-                </a:cxn>
-                <a:cxn ang="0">
-                  <a:pos x="T16" y="T17"/>
-                </a:cxn>
-                <a:cxn ang="0">
-                  <a:pos x="T18" y="T19"/>
-                </a:cxn>
-                <a:cxn ang="0">
-                  <a:pos x="T20" y="T21"/>
-                </a:cxn>
-                <a:cxn ang="0">
-                  <a:pos x="T22" y="T23"/>
-                </a:cxn>
-                <a:cxn ang="0">
-                  <a:pos x="T24" y="T25"/>
-                </a:cxn>
-                <a:cxn ang="0">
-                  <a:pos x="T26" y="T27"/>
-                </a:cxn>
-                <a:cxn ang="0">
-                  <a:pos x="T28" y="T29"/>
-                </a:cxn>
-                <a:cxn ang="0">
-                  <a:pos x="T30" y="T31"/>
-                </a:cxn>
-                <a:cxn ang="0">
-                  <a:pos x="T32" y="T33"/>
-                </a:cxn>
-                <a:cxn ang="0">
-                  <a:pos x="T34" y="T35"/>
-                </a:cxn>
-                <a:cxn ang="0">
-                  <a:pos x="T36" y="T37"/>
-                </a:cxn>
-                <a:cxn ang="0">
-                  <a:pos x="T38" y="T39"/>
-                </a:cxn>
-                <a:cxn ang="0">
-                  <a:pos x="T40" y="T41"/>
-                </a:cxn>
-                <a:cxn ang="0">
-                  <a:pos x="T42" y="T43"/>
-                </a:cxn>
-                <a:cxn ang="0">
-                  <a:pos x="T44" y="T45"/>
-                </a:cxn>
-                <a:cxn ang="0">
-                  <a:pos x="T46" y="T47"/>
-                </a:cxn>
-                <a:cxn ang="0">
-                  <a:pos x="T48" y="T49"/>
-                </a:cxn>
-                <a:cxn ang="0">
-                  <a:pos x="T50" y="T51"/>
-                </a:cxn>
-                <a:cxn ang="0">
-                  <a:pos x="T52" y="T53"/>
-                </a:cxn>
-                <a:cxn ang="0">
-                  <a:pos x="T54" y="T55"/>
-                </a:cxn>
-                <a:cxn ang="0">
-                  <a:pos x="T56" y="T57"/>
-                </a:cxn>
-                <a:cxn ang="0">
-                  <a:pos x="T58" y="T59"/>
-                </a:cxn>
-                <a:cxn ang="0">
-                  <a:pos x="T60" y="T61"/>
-                </a:cxn>
-                <a:cxn ang="0">
-                  <a:pos x="T62" y="T63"/>
-                </a:cxn>
-                <a:cxn ang="0">
-                  <a:pos x="T64" y="T65"/>
-                </a:cxn>
-                <a:cxn ang="0">
-                  <a:pos x="T66" y="T67"/>
-                </a:cxn>
-                <a:cxn ang="0">
-                  <a:pos x="T68" y="T69"/>
-                </a:cxn>
-                <a:cxn ang="0">
-                  <a:pos x="T70" y="T71"/>
-                </a:cxn>
-              </a:cxnLst>
-              <a:rect l="0" t="0" r="r" b="b"/>
-              <a:pathLst>
-                <a:path w="4383" h="4108">
-                  <a:moveTo>
-                    <a:pt x="208" y="0"/>
-                  </a:moveTo>
-                  <a:lnTo>
-                    <a:pt x="104" y="2"/>
-                  </a:lnTo>
-                  <a:lnTo>
-                    <a:pt x="0" y="6"/>
-                  </a:lnTo>
-                  <a:lnTo>
-                    <a:pt x="103" y="12"/>
-                  </a:lnTo>
-                  <a:lnTo>
-                    <a:pt x="306" y="32"/>
-                  </a:lnTo>
-                  <a:lnTo>
-                    <a:pt x="504" y="61"/>
-                  </a:lnTo>
-                  <a:lnTo>
-                    <a:pt x="702" y="100"/>
-                  </a:lnTo>
-                  <a:lnTo>
-                    <a:pt x="895" y="147"/>
-                  </a:lnTo>
-                  <a:lnTo>
-                    <a:pt x="1083" y="203"/>
-                  </a:lnTo>
-                  <a:lnTo>
-                    <a:pt x="1269" y="268"/>
-                  </a:lnTo>
-                  <a:lnTo>
-                    <a:pt x="1449" y="342"/>
-                  </a:lnTo>
-                  <a:lnTo>
-                    <a:pt x="1626" y="424"/>
-                  </a:lnTo>
-                  <a:lnTo>
-                    <a:pt x="1799" y="513"/>
-                  </a:lnTo>
-                  <a:lnTo>
-                    <a:pt x="1966" y="609"/>
-                  </a:lnTo>
-                  <a:lnTo>
-                    <a:pt x="2129" y="713"/>
-                  </a:lnTo>
-                  <a:lnTo>
-                    <a:pt x="2286" y="825"/>
-                  </a:lnTo>
-                  <a:lnTo>
-                    <a:pt x="2439" y="944"/>
-                  </a:lnTo>
-                  <a:lnTo>
-                    <a:pt x="2584" y="1069"/>
-                  </a:lnTo>
-                  <a:lnTo>
-                    <a:pt x="2724" y="1201"/>
-                  </a:lnTo>
-                  <a:lnTo>
-                    <a:pt x="2858" y="1340"/>
-                  </a:lnTo>
-                  <a:lnTo>
-                    <a:pt x="2986" y="1484"/>
-                  </a:lnTo>
-                  <a:lnTo>
-                    <a:pt x="3107" y="1633"/>
-                  </a:lnTo>
-                  <a:lnTo>
-                    <a:pt x="3221" y="1789"/>
-                  </a:lnTo>
-                  <a:lnTo>
-                    <a:pt x="3327" y="1949"/>
-                  </a:lnTo>
-                  <a:lnTo>
-                    <a:pt x="3427" y="2116"/>
-                  </a:lnTo>
-                  <a:lnTo>
-                    <a:pt x="3519" y="2286"/>
-                  </a:lnTo>
-                  <a:lnTo>
-                    <a:pt x="3602" y="2462"/>
-                  </a:lnTo>
-                  <a:lnTo>
-                    <a:pt x="3679" y="2642"/>
-                  </a:lnTo>
-                  <a:lnTo>
-                    <a:pt x="3746" y="2826"/>
-                  </a:lnTo>
-                  <a:lnTo>
-                    <a:pt x="3805" y="3013"/>
-                  </a:lnTo>
-                  <a:lnTo>
-                    <a:pt x="3856" y="3205"/>
-                  </a:lnTo>
-                  <a:lnTo>
-                    <a:pt x="3898" y="3401"/>
-                  </a:lnTo>
-                  <a:lnTo>
-                    <a:pt x="3931" y="3598"/>
-                  </a:lnTo>
-                  <a:lnTo>
-                    <a:pt x="3954" y="3800"/>
-                  </a:lnTo>
-                  <a:lnTo>
-                    <a:pt x="3967" y="4004"/>
-                  </a:lnTo>
-                  <a:lnTo>
-                    <a:pt x="3970" y="4108"/>
-                  </a:lnTo>
-                  <a:lnTo>
-                    <a:pt x="3445" y="4108"/>
-                  </a:lnTo>
-                  <a:lnTo>
-                    <a:pt x="3445" y="4108"/>
-                  </a:lnTo>
-                  <a:lnTo>
-                    <a:pt x="4383" y="4108"/>
-                  </a:lnTo>
-                  <a:lnTo>
-                    <a:pt x="4380" y="4001"/>
-                  </a:lnTo>
-                  <a:lnTo>
-                    <a:pt x="4366" y="3791"/>
-                  </a:lnTo>
-                  <a:lnTo>
-                    <a:pt x="4341" y="3584"/>
-                  </a:lnTo>
-                  <a:lnTo>
-                    <a:pt x="4308" y="3379"/>
-                  </a:lnTo>
-                  <a:lnTo>
-                    <a:pt x="4263" y="3177"/>
-                  </a:lnTo>
-                  <a:lnTo>
-                    <a:pt x="4210" y="2980"/>
-                  </a:lnTo>
-                  <a:lnTo>
-                    <a:pt x="4147" y="2787"/>
-                  </a:lnTo>
-                  <a:lnTo>
-                    <a:pt x="4075" y="2598"/>
-                  </a:lnTo>
-                  <a:lnTo>
-                    <a:pt x="3996" y="2414"/>
-                  </a:lnTo>
-                  <a:lnTo>
-                    <a:pt x="3906" y="2235"/>
-                  </a:lnTo>
-                  <a:lnTo>
-                    <a:pt x="3808" y="2060"/>
-                  </a:lnTo>
-                  <a:lnTo>
-                    <a:pt x="3703" y="1891"/>
-                  </a:lnTo>
-                  <a:lnTo>
-                    <a:pt x="3591" y="1727"/>
-                  </a:lnTo>
-                  <a:lnTo>
-                    <a:pt x="3470" y="1569"/>
-                  </a:lnTo>
-                  <a:lnTo>
-                    <a:pt x="3342" y="1417"/>
-                  </a:lnTo>
-                  <a:lnTo>
-                    <a:pt x="3208" y="1272"/>
-                  </a:lnTo>
-                  <a:lnTo>
-                    <a:pt x="3067" y="1132"/>
-                  </a:lnTo>
-                  <a:lnTo>
-                    <a:pt x="2918" y="1000"/>
-                  </a:lnTo>
-                  <a:lnTo>
-                    <a:pt x="2764" y="874"/>
-                  </a:lnTo>
-                  <a:lnTo>
-                    <a:pt x="2604" y="756"/>
-                  </a:lnTo>
-                  <a:lnTo>
-                    <a:pt x="2439" y="645"/>
-                  </a:lnTo>
-                  <a:lnTo>
-                    <a:pt x="2269" y="543"/>
-                  </a:lnTo>
-                  <a:lnTo>
-                    <a:pt x="2092" y="448"/>
-                  </a:lnTo>
-                  <a:lnTo>
-                    <a:pt x="1910" y="362"/>
-                  </a:lnTo>
-                  <a:lnTo>
-                    <a:pt x="1724" y="284"/>
-                  </a:lnTo>
-                  <a:lnTo>
-                    <a:pt x="1534" y="215"/>
-                  </a:lnTo>
-                  <a:lnTo>
-                    <a:pt x="1340" y="156"/>
-                  </a:lnTo>
-                  <a:lnTo>
-                    <a:pt x="1142" y="105"/>
-                  </a:lnTo>
-                  <a:lnTo>
-                    <a:pt x="939" y="64"/>
-                  </a:lnTo>
-                  <a:lnTo>
-                    <a:pt x="735" y="33"/>
-                  </a:lnTo>
-                  <a:lnTo>
-                    <a:pt x="526" y="12"/>
-                  </a:lnTo>
-                  <a:lnTo>
-                    <a:pt x="314" y="2"/>
-                  </a:lnTo>
-                  <a:lnTo>
-                    <a:pt x="208" y="0"/>
-                  </a:lnTo>
-                  <a:close/>
-                </a:path>
-              </a:pathLst>
-            </a:custGeom>
-            <a:solidFill>
-              <a:srgbClr val="E5646E"/>
-            </a:solidFill>
-            <a:ln>
-              <a:noFill/>
-            </a:ln>
-            <a:extLst>
-              <a:ext uri="{91240B29-F687-4F45-9708-019B960494DF}">
-                <a14:hiddenLine xmlns:a14="http://schemas.microsoft.com/office/drawing/2010/main" w="9525">
-                  <a:solidFill>
-                    <a:srgbClr val="000000"/>
-                  </a:solidFill>
-                  <a:round/>
-                  <a:headEnd/>
-                  <a:tailEnd/>
-                </a14:hiddenLine>
-              </a:ext>
-            </a:extLst>
-          </p:spPr>
-          <p:txBody>
-            <a:bodyPr vert="horz" wrap="square" lIns="91440" tIns="45720" rIns="91440" bIns="45720" numCol="1" anchor="t" anchorCtr="0" compatLnSpc="1">
-              <a:prstTxWarp prst="textNoShape">
-                <a:avLst/>
-              </a:prstTxWarp>
-            </a:bodyPr>
-            <a:lstStyle/>
-            <a:p>
-              <a:endParaRPr lang="ko-KR" altLang="en-US">
-                <a:solidFill>
-                  <a:prstClr val="black"/>
-                </a:solidFill>
-              </a:endParaRPr>
-            </a:p>
-          </p:txBody>
-        </p:sp>
-        <p:sp>
-          <p:nvSpPr>
-            <p:cNvPr id="11" name="Freeform 8"/>
-            <p:cNvSpPr>
-              <a:spLocks/>
-            </p:cNvSpPr>
-            <p:nvPr/>
-          </p:nvSpPr>
-          <p:spPr bwMode="auto">
-            <a:xfrm>
-              <a:off x="3101" y="2183"/>
-              <a:ext cx="1479" cy="656"/>
-            </a:xfrm>
-            <a:custGeom>
-              <a:avLst/>
-              <a:gdLst>
-                <a:gd name="T0" fmla="*/ 4400 w 4435"/>
-                <a:gd name="T1" fmla="*/ 1421 h 1969"/>
-                <a:gd name="T2" fmla="*/ 4234 w 4435"/>
-                <a:gd name="T3" fmla="*/ 1111 h 1969"/>
-                <a:gd name="T4" fmla="*/ 4026 w 4435"/>
-                <a:gd name="T5" fmla="*/ 829 h 1969"/>
-                <a:gd name="T6" fmla="*/ 3779 w 4435"/>
-                <a:gd name="T7" fmla="*/ 582 h 1969"/>
-                <a:gd name="T8" fmla="*/ 3499 w 4435"/>
-                <a:gd name="T9" fmla="*/ 372 h 1969"/>
-                <a:gd name="T10" fmla="*/ 3187 w 4435"/>
-                <a:gd name="T11" fmla="*/ 205 h 1969"/>
-                <a:gd name="T12" fmla="*/ 2852 w 4435"/>
-                <a:gd name="T13" fmla="*/ 85 h 1969"/>
-                <a:gd name="T14" fmla="*/ 2496 w 4435"/>
-                <a:gd name="T15" fmla="*/ 16 h 1969"/>
-                <a:gd name="T16" fmla="*/ 2217 w 4435"/>
-                <a:gd name="T17" fmla="*/ 0 h 1969"/>
-                <a:gd name="T18" fmla="*/ 1937 w 4435"/>
-                <a:gd name="T19" fmla="*/ 16 h 1969"/>
-                <a:gd name="T20" fmla="*/ 1582 w 4435"/>
-                <a:gd name="T21" fmla="*/ 85 h 1969"/>
-                <a:gd name="T22" fmla="*/ 1246 w 4435"/>
-                <a:gd name="T23" fmla="*/ 205 h 1969"/>
-                <a:gd name="T24" fmla="*/ 935 w 4435"/>
-                <a:gd name="T25" fmla="*/ 372 h 1969"/>
-                <a:gd name="T26" fmla="*/ 656 w 4435"/>
-                <a:gd name="T27" fmla="*/ 582 h 1969"/>
-                <a:gd name="T28" fmla="*/ 408 w 4435"/>
-                <a:gd name="T29" fmla="*/ 829 h 1969"/>
-                <a:gd name="T30" fmla="*/ 199 w 4435"/>
-                <a:gd name="T31" fmla="*/ 1111 h 1969"/>
-                <a:gd name="T32" fmla="*/ 33 w 4435"/>
-                <a:gd name="T33" fmla="*/ 1421 h 1969"/>
-                <a:gd name="T34" fmla="*/ 0 w 4435"/>
-                <a:gd name="T35" fmla="*/ 1969 h 1969"/>
-                <a:gd name="T36" fmla="*/ 802 w 4435"/>
-                <a:gd name="T37" fmla="*/ 1910 h 1969"/>
-                <a:gd name="T38" fmla="*/ 896 w 4435"/>
-                <a:gd name="T39" fmla="*/ 1691 h 1969"/>
-                <a:gd name="T40" fmla="*/ 1024 w 4435"/>
-                <a:gd name="T41" fmla="*/ 1491 h 1969"/>
-                <a:gd name="T42" fmla="*/ 1180 w 4435"/>
-                <a:gd name="T43" fmla="*/ 1314 h 1969"/>
-                <a:gd name="T44" fmla="*/ 1361 w 4435"/>
-                <a:gd name="T45" fmla="*/ 1164 h 1969"/>
-                <a:gd name="T46" fmla="*/ 1566 w 4435"/>
-                <a:gd name="T47" fmla="*/ 1043 h 1969"/>
-                <a:gd name="T48" fmla="*/ 1789 w 4435"/>
-                <a:gd name="T49" fmla="*/ 957 h 1969"/>
-                <a:gd name="T50" fmla="*/ 2028 w 4435"/>
-                <a:gd name="T51" fmla="*/ 906 h 1969"/>
-                <a:gd name="T52" fmla="*/ 2217 w 4435"/>
-                <a:gd name="T53" fmla="*/ 895 h 1969"/>
-                <a:gd name="T54" fmla="*/ 2405 w 4435"/>
-                <a:gd name="T55" fmla="*/ 906 h 1969"/>
-                <a:gd name="T56" fmla="*/ 2644 w 4435"/>
-                <a:gd name="T57" fmla="*/ 957 h 1969"/>
-                <a:gd name="T58" fmla="*/ 2868 w 4435"/>
-                <a:gd name="T59" fmla="*/ 1043 h 1969"/>
-                <a:gd name="T60" fmla="*/ 3072 w 4435"/>
-                <a:gd name="T61" fmla="*/ 1164 h 1969"/>
-                <a:gd name="T62" fmla="*/ 3254 w 4435"/>
-                <a:gd name="T63" fmla="*/ 1314 h 1969"/>
-                <a:gd name="T64" fmla="*/ 3409 w 4435"/>
-                <a:gd name="T65" fmla="*/ 1491 h 1969"/>
-                <a:gd name="T66" fmla="*/ 3537 w 4435"/>
-                <a:gd name="T67" fmla="*/ 1691 h 1969"/>
-                <a:gd name="T68" fmla="*/ 3631 w 4435"/>
-                <a:gd name="T69" fmla="*/ 1910 h 1969"/>
-                <a:gd name="T70" fmla="*/ 4433 w 4435"/>
-                <a:gd name="T71" fmla="*/ 1969 h 1969"/>
-                <a:gd name="T72" fmla="*/ 4435 w 4435"/>
-                <a:gd name="T73" fmla="*/ 1503 h 1969"/>
-              </a:gdLst>
-              <a:ahLst/>
-              <a:cxnLst>
-                <a:cxn ang="0">
-                  <a:pos x="T0" y="T1"/>
-                </a:cxn>
-                <a:cxn ang="0">
-                  <a:pos x="T2" y="T3"/>
-                </a:cxn>
-                <a:cxn ang="0">
-                  <a:pos x="T4" y="T5"/>
-                </a:cxn>
-                <a:cxn ang="0">
-                  <a:pos x="T6" y="T7"/>
-                </a:cxn>
-                <a:cxn ang="0">
-                  <a:pos x="T8" y="T9"/>
-                </a:cxn>
-                <a:cxn ang="0">
-                  <a:pos x="T10" y="T11"/>
-                </a:cxn>
-                <a:cxn ang="0">
-                  <a:pos x="T12" y="T13"/>
-                </a:cxn>
-                <a:cxn ang="0">
-                  <a:pos x="T14" y="T15"/>
-                </a:cxn>
-                <a:cxn ang="0">
-                  <a:pos x="T16" y="T17"/>
-                </a:cxn>
-                <a:cxn ang="0">
-                  <a:pos x="T18" y="T19"/>
-                </a:cxn>
-                <a:cxn ang="0">
-                  <a:pos x="T20" y="T21"/>
-                </a:cxn>
-                <a:cxn ang="0">
-                  <a:pos x="T22" y="T23"/>
-                </a:cxn>
-                <a:cxn ang="0">
-                  <a:pos x="T24" y="T25"/>
-                </a:cxn>
-                <a:cxn ang="0">
-                  <a:pos x="T26" y="T27"/>
-                </a:cxn>
-                <a:cxn ang="0">
-                  <a:pos x="T28" y="T29"/>
-                </a:cxn>
-                <a:cxn ang="0">
-                  <a:pos x="T30" y="T31"/>
-                </a:cxn>
-                <a:cxn ang="0">
-                  <a:pos x="T32" y="T33"/>
-                </a:cxn>
-                <a:cxn ang="0">
-                  <a:pos x="T34" y="T35"/>
-                </a:cxn>
-                <a:cxn ang="0">
-                  <a:pos x="T36" y="T37"/>
-                </a:cxn>
-                <a:cxn ang="0">
-                  <a:pos x="T38" y="T39"/>
-                </a:cxn>
-                <a:cxn ang="0">
-                  <a:pos x="T40" y="T41"/>
-                </a:cxn>
-                <a:cxn ang="0">
-                  <a:pos x="T42" y="T43"/>
-                </a:cxn>
-                <a:cxn ang="0">
-                  <a:pos x="T44" y="T45"/>
-                </a:cxn>
-                <a:cxn ang="0">
-                  <a:pos x="T46" y="T47"/>
-                </a:cxn>
-                <a:cxn ang="0">
-                  <a:pos x="T48" y="T49"/>
-                </a:cxn>
-                <a:cxn ang="0">
-                  <a:pos x="T50" y="T51"/>
-                </a:cxn>
-                <a:cxn ang="0">
-                  <a:pos x="T52" y="T53"/>
-                </a:cxn>
-                <a:cxn ang="0">
-                  <a:pos x="T54" y="T55"/>
-                </a:cxn>
-                <a:cxn ang="0">
-                  <a:pos x="T56" y="T57"/>
-                </a:cxn>
-                <a:cxn ang="0">
-                  <a:pos x="T58" y="T59"/>
-                </a:cxn>
-                <a:cxn ang="0">
-                  <a:pos x="T60" y="T61"/>
-                </a:cxn>
-                <a:cxn ang="0">
-                  <a:pos x="T62" y="T63"/>
-                </a:cxn>
-                <a:cxn ang="0">
-                  <a:pos x="T64" y="T65"/>
-                </a:cxn>
-                <a:cxn ang="0">
-                  <a:pos x="T66" y="T67"/>
-                </a:cxn>
-                <a:cxn ang="0">
-                  <a:pos x="T68" y="T69"/>
-                </a:cxn>
-                <a:cxn ang="0">
-                  <a:pos x="T70" y="T71"/>
-                </a:cxn>
-                <a:cxn ang="0">
-                  <a:pos x="T72" y="T73"/>
-                </a:cxn>
-              </a:cxnLst>
-              <a:rect l="0" t="0" r="r" b="b"/>
-              <a:pathLst>
-                <a:path w="4435" h="1969">
-                  <a:moveTo>
-                    <a:pt x="4435" y="1503"/>
-                  </a:moveTo>
-                  <a:lnTo>
-                    <a:pt x="4400" y="1421"/>
-                  </a:lnTo>
-                  <a:lnTo>
-                    <a:pt x="4322" y="1262"/>
-                  </a:lnTo>
-                  <a:lnTo>
-                    <a:pt x="4234" y="1111"/>
-                  </a:lnTo>
-                  <a:lnTo>
-                    <a:pt x="4135" y="965"/>
-                  </a:lnTo>
-                  <a:lnTo>
-                    <a:pt x="4026" y="829"/>
-                  </a:lnTo>
-                  <a:lnTo>
-                    <a:pt x="3906" y="700"/>
-                  </a:lnTo>
-                  <a:lnTo>
-                    <a:pt x="3779" y="582"/>
-                  </a:lnTo>
-                  <a:lnTo>
-                    <a:pt x="3643" y="473"/>
-                  </a:lnTo>
-                  <a:lnTo>
-                    <a:pt x="3499" y="372"/>
-                  </a:lnTo>
-                  <a:lnTo>
-                    <a:pt x="3346" y="284"/>
-                  </a:lnTo>
-                  <a:lnTo>
-                    <a:pt x="3187" y="205"/>
-                  </a:lnTo>
-                  <a:lnTo>
-                    <a:pt x="3023" y="139"/>
-                  </a:lnTo>
-                  <a:lnTo>
-                    <a:pt x="2852" y="85"/>
-                  </a:lnTo>
-                  <a:lnTo>
-                    <a:pt x="2676" y="44"/>
-                  </a:lnTo>
-                  <a:lnTo>
-                    <a:pt x="2496" y="16"/>
-                  </a:lnTo>
-                  <a:lnTo>
-                    <a:pt x="2310" y="2"/>
-                  </a:lnTo>
-                  <a:lnTo>
-                    <a:pt x="2217" y="0"/>
-                  </a:lnTo>
-                  <a:lnTo>
-                    <a:pt x="2123" y="2"/>
-                  </a:lnTo>
-                  <a:lnTo>
-                    <a:pt x="1937" y="16"/>
-                  </a:lnTo>
-                  <a:lnTo>
-                    <a:pt x="1757" y="44"/>
-                  </a:lnTo>
-                  <a:lnTo>
-                    <a:pt x="1582" y="85"/>
-                  </a:lnTo>
-                  <a:lnTo>
-                    <a:pt x="1410" y="139"/>
-                  </a:lnTo>
-                  <a:lnTo>
-                    <a:pt x="1246" y="205"/>
-                  </a:lnTo>
-                  <a:lnTo>
-                    <a:pt x="1088" y="284"/>
-                  </a:lnTo>
-                  <a:lnTo>
-                    <a:pt x="935" y="372"/>
-                  </a:lnTo>
-                  <a:lnTo>
-                    <a:pt x="791" y="471"/>
-                  </a:lnTo>
-                  <a:lnTo>
-                    <a:pt x="656" y="582"/>
-                  </a:lnTo>
-                  <a:lnTo>
-                    <a:pt x="527" y="700"/>
-                  </a:lnTo>
-                  <a:lnTo>
-                    <a:pt x="408" y="829"/>
-                  </a:lnTo>
-                  <a:lnTo>
-                    <a:pt x="298" y="965"/>
-                  </a:lnTo>
-                  <a:lnTo>
-                    <a:pt x="199" y="1111"/>
-                  </a:lnTo>
-                  <a:lnTo>
-                    <a:pt x="111" y="1262"/>
-                  </a:lnTo>
-                  <a:lnTo>
-                    <a:pt x="33" y="1421"/>
-                  </a:lnTo>
-                  <a:lnTo>
-                    <a:pt x="0" y="1503"/>
-                  </a:lnTo>
-                  <a:lnTo>
-                    <a:pt x="0" y="1969"/>
-                  </a:lnTo>
-                  <a:lnTo>
-                    <a:pt x="785" y="1969"/>
-                  </a:lnTo>
-                  <a:lnTo>
-                    <a:pt x="802" y="1910"/>
-                  </a:lnTo>
-                  <a:lnTo>
-                    <a:pt x="846" y="1799"/>
-                  </a:lnTo>
-                  <a:lnTo>
-                    <a:pt x="896" y="1691"/>
-                  </a:lnTo>
-                  <a:lnTo>
-                    <a:pt x="957" y="1588"/>
-                  </a:lnTo>
-                  <a:lnTo>
-                    <a:pt x="1024" y="1491"/>
-                  </a:lnTo>
-                  <a:lnTo>
-                    <a:pt x="1098" y="1399"/>
-                  </a:lnTo>
-                  <a:lnTo>
-                    <a:pt x="1180" y="1314"/>
-                  </a:lnTo>
-                  <a:lnTo>
-                    <a:pt x="1268" y="1236"/>
-                  </a:lnTo>
-                  <a:lnTo>
-                    <a:pt x="1361" y="1164"/>
-                  </a:lnTo>
-                  <a:lnTo>
-                    <a:pt x="1461" y="1099"/>
-                  </a:lnTo>
-                  <a:lnTo>
-                    <a:pt x="1566" y="1043"/>
-                  </a:lnTo>
-                  <a:lnTo>
-                    <a:pt x="1675" y="996"/>
-                  </a:lnTo>
-                  <a:lnTo>
-                    <a:pt x="1789" y="957"/>
-                  </a:lnTo>
-                  <a:lnTo>
-                    <a:pt x="1907" y="927"/>
-                  </a:lnTo>
-                  <a:lnTo>
-                    <a:pt x="2028" y="906"/>
-                  </a:lnTo>
-                  <a:lnTo>
-                    <a:pt x="2153" y="896"/>
-                  </a:lnTo>
-                  <a:lnTo>
-                    <a:pt x="2217" y="895"/>
-                  </a:lnTo>
-                  <a:lnTo>
-                    <a:pt x="2280" y="896"/>
-                  </a:lnTo>
-                  <a:lnTo>
-                    <a:pt x="2405" y="906"/>
-                  </a:lnTo>
-                  <a:lnTo>
-                    <a:pt x="2526" y="927"/>
-                  </a:lnTo>
-                  <a:lnTo>
-                    <a:pt x="2644" y="957"/>
-                  </a:lnTo>
-                  <a:lnTo>
-                    <a:pt x="2758" y="996"/>
-                  </a:lnTo>
-                  <a:lnTo>
-                    <a:pt x="2868" y="1043"/>
-                  </a:lnTo>
-                  <a:lnTo>
-                    <a:pt x="2973" y="1099"/>
-                  </a:lnTo>
-                  <a:lnTo>
-                    <a:pt x="3072" y="1164"/>
-                  </a:lnTo>
-                  <a:lnTo>
-                    <a:pt x="3166" y="1236"/>
-                  </a:lnTo>
-                  <a:lnTo>
-                    <a:pt x="3254" y="1314"/>
-                  </a:lnTo>
-                  <a:lnTo>
-                    <a:pt x="3336" y="1399"/>
-                  </a:lnTo>
-                  <a:lnTo>
-                    <a:pt x="3409" y="1491"/>
-                  </a:lnTo>
-                  <a:lnTo>
-                    <a:pt x="3477" y="1589"/>
-                  </a:lnTo>
-                  <a:lnTo>
-                    <a:pt x="3537" y="1691"/>
-                  </a:lnTo>
-                  <a:lnTo>
-                    <a:pt x="3588" y="1799"/>
-                  </a:lnTo>
-                  <a:lnTo>
-                    <a:pt x="3631" y="1910"/>
-                  </a:lnTo>
-                  <a:lnTo>
-                    <a:pt x="3648" y="1969"/>
-                  </a:lnTo>
-                  <a:lnTo>
-                    <a:pt x="4433" y="1969"/>
-                  </a:lnTo>
-                  <a:lnTo>
-                    <a:pt x="4433" y="1503"/>
-                  </a:lnTo>
-                  <a:lnTo>
-                    <a:pt x="4435" y="1503"/>
-                  </a:lnTo>
-                  <a:close/>
-                </a:path>
-              </a:pathLst>
-            </a:custGeom>
-            <a:solidFill>
-              <a:srgbClr val="B3E59F"/>
-            </a:solidFill>
-            <a:ln>
-              <a:noFill/>
-            </a:ln>
-            <a:extLst>
-              <a:ext uri="{91240B29-F687-4F45-9708-019B960494DF}">
-                <a14:hiddenLine xmlns:a14="http://schemas.microsoft.com/office/drawing/2010/main" w="9525">
-                  <a:solidFill>
-                    <a:srgbClr val="000000"/>
-                  </a:solidFill>
-                  <a:round/>
-                  <a:headEnd/>
-                  <a:tailEnd/>
-                </a14:hiddenLine>
-              </a:ext>
-            </a:extLst>
-          </p:spPr>
-          <p:txBody>
-            <a:bodyPr vert="horz" wrap="square" lIns="91440" tIns="45720" rIns="91440" bIns="45720" numCol="1" anchor="t" anchorCtr="0" compatLnSpc="1">
-              <a:prstTxWarp prst="textNoShape">
-                <a:avLst/>
-              </a:prstTxWarp>
-            </a:bodyPr>
-            <a:lstStyle/>
-            <a:p>
-              <a:endParaRPr lang="ko-KR" altLang="en-US">
-                <a:solidFill>
-                  <a:prstClr val="black"/>
-                </a:solidFill>
-              </a:endParaRPr>
-            </a:p>
-          </p:txBody>
-        </p:sp>
-        <p:sp>
-          <p:nvSpPr>
-            <p:cNvPr id="12" name="Freeform 9"/>
-            <p:cNvSpPr>
-              <a:spLocks/>
-            </p:cNvSpPr>
-            <p:nvPr/>
-          </p:nvSpPr>
-          <p:spPr bwMode="auto">
-            <a:xfrm>
-              <a:off x="3941" y="2680"/>
-              <a:ext cx="1390" cy="795"/>
-            </a:xfrm>
-            <a:custGeom>
-              <a:avLst/>
-              <a:gdLst>
-                <a:gd name="T0" fmla="*/ 703 w 4171"/>
-                <a:gd name="T1" fmla="*/ 2385 h 2387"/>
-                <a:gd name="T2" fmla="*/ 548 w 4171"/>
-                <a:gd name="T3" fmla="*/ 2361 h 2387"/>
-                <a:gd name="T4" fmla="*/ 407 w 4171"/>
-                <a:gd name="T5" fmla="*/ 2306 h 2387"/>
-                <a:gd name="T6" fmla="*/ 282 w 4171"/>
-                <a:gd name="T7" fmla="*/ 2225 h 2387"/>
-                <a:gd name="T8" fmla="*/ 174 w 4171"/>
-                <a:gd name="T9" fmla="*/ 2120 h 2387"/>
-                <a:gd name="T10" fmla="*/ 90 w 4171"/>
-                <a:gd name="T11" fmla="*/ 1996 h 2387"/>
-                <a:gd name="T12" fmla="*/ 31 w 4171"/>
-                <a:gd name="T13" fmla="*/ 1857 h 2387"/>
-                <a:gd name="T14" fmla="*/ 1 w 4171"/>
-                <a:gd name="T15" fmla="*/ 1704 h 2387"/>
-                <a:gd name="T16" fmla="*/ 1 w 4171"/>
-                <a:gd name="T17" fmla="*/ 1584 h 2387"/>
-                <a:gd name="T18" fmla="*/ 40 w 4171"/>
-                <a:gd name="T19" fmla="*/ 1391 h 2387"/>
-                <a:gd name="T20" fmla="*/ 167 w 4171"/>
-                <a:gd name="T21" fmla="*/ 1168 h 2387"/>
-                <a:gd name="T22" fmla="*/ 358 w 4171"/>
-                <a:gd name="T23" fmla="*/ 1001 h 2387"/>
-                <a:gd name="T24" fmla="*/ 599 w 4171"/>
-                <a:gd name="T25" fmla="*/ 907 h 2387"/>
-                <a:gd name="T26" fmla="*/ 703 w 4171"/>
-                <a:gd name="T27" fmla="*/ 896 h 2387"/>
-                <a:gd name="T28" fmla="*/ 812 w 4171"/>
-                <a:gd name="T29" fmla="*/ 899 h 2387"/>
-                <a:gd name="T30" fmla="*/ 883 w 4171"/>
-                <a:gd name="T31" fmla="*/ 887 h 2387"/>
-                <a:gd name="T32" fmla="*/ 950 w 4171"/>
-                <a:gd name="T33" fmla="*/ 824 h 2387"/>
-                <a:gd name="T34" fmla="*/ 975 w 4171"/>
-                <a:gd name="T35" fmla="*/ 758 h 2387"/>
-                <a:gd name="T36" fmla="*/ 1054 w 4171"/>
-                <a:gd name="T37" fmla="*/ 593 h 2387"/>
-                <a:gd name="T38" fmla="*/ 1156 w 4171"/>
-                <a:gd name="T39" fmla="*/ 444 h 2387"/>
-                <a:gd name="T40" fmla="*/ 1280 w 4171"/>
-                <a:gd name="T41" fmla="*/ 311 h 2387"/>
-                <a:gd name="T42" fmla="*/ 1423 w 4171"/>
-                <a:gd name="T43" fmla="*/ 200 h 2387"/>
-                <a:gd name="T44" fmla="*/ 1581 w 4171"/>
-                <a:gd name="T45" fmla="*/ 111 h 2387"/>
-                <a:gd name="T46" fmla="*/ 1754 w 4171"/>
-                <a:gd name="T47" fmla="*/ 46 h 2387"/>
-                <a:gd name="T48" fmla="*/ 1938 w 4171"/>
-                <a:gd name="T49" fmla="*/ 9 h 2387"/>
-                <a:gd name="T50" fmla="*/ 2082 w 4171"/>
-                <a:gd name="T51" fmla="*/ 0 h 2387"/>
-                <a:gd name="T52" fmla="*/ 2297 w 4171"/>
-                <a:gd name="T53" fmla="*/ 19 h 2387"/>
-                <a:gd name="T54" fmla="*/ 2563 w 4171"/>
-                <a:gd name="T55" fmla="*/ 101 h 2387"/>
-                <a:gd name="T56" fmla="*/ 2798 w 4171"/>
-                <a:gd name="T57" fmla="*/ 239 h 2387"/>
-                <a:gd name="T58" fmla="*/ 2994 w 4171"/>
-                <a:gd name="T59" fmla="*/ 426 h 2387"/>
-                <a:gd name="T60" fmla="*/ 3057 w 4171"/>
-                <a:gd name="T61" fmla="*/ 507 h 2387"/>
-                <a:gd name="T62" fmla="*/ 3170 w 4171"/>
-                <a:gd name="T63" fmla="*/ 581 h 2387"/>
-                <a:gd name="T64" fmla="*/ 3269 w 4171"/>
-                <a:gd name="T65" fmla="*/ 596 h 2387"/>
-                <a:gd name="T66" fmla="*/ 3322 w 4171"/>
-                <a:gd name="T67" fmla="*/ 598 h 2387"/>
-                <a:gd name="T68" fmla="*/ 3501 w 4171"/>
-                <a:gd name="T69" fmla="*/ 625 h 2387"/>
-                <a:gd name="T70" fmla="*/ 3667 w 4171"/>
-                <a:gd name="T71" fmla="*/ 687 h 2387"/>
-                <a:gd name="T72" fmla="*/ 3815 w 4171"/>
-                <a:gd name="T73" fmla="*/ 778 h 2387"/>
-                <a:gd name="T74" fmla="*/ 3943 w 4171"/>
-                <a:gd name="T75" fmla="*/ 896 h 2387"/>
-                <a:gd name="T76" fmla="*/ 4045 w 4171"/>
-                <a:gd name="T77" fmla="*/ 1036 h 2387"/>
-                <a:gd name="T78" fmla="*/ 4120 w 4171"/>
-                <a:gd name="T79" fmla="*/ 1194 h 2387"/>
-                <a:gd name="T80" fmla="*/ 4162 w 4171"/>
-                <a:gd name="T81" fmla="*/ 1368 h 2387"/>
-                <a:gd name="T82" fmla="*/ 4171 w 4171"/>
-                <a:gd name="T83" fmla="*/ 1507 h 2387"/>
-                <a:gd name="T84" fmla="*/ 4158 w 4171"/>
-                <a:gd name="T85" fmla="*/ 1642 h 2387"/>
-                <a:gd name="T86" fmla="*/ 4110 w 4171"/>
-                <a:gd name="T87" fmla="*/ 1812 h 2387"/>
-                <a:gd name="T88" fmla="*/ 4032 w 4171"/>
-                <a:gd name="T89" fmla="*/ 1966 h 2387"/>
-                <a:gd name="T90" fmla="*/ 3927 w 4171"/>
-                <a:gd name="T91" fmla="*/ 2100 h 2387"/>
-                <a:gd name="T92" fmla="*/ 3798 w 4171"/>
-                <a:gd name="T93" fmla="*/ 2214 h 2387"/>
-                <a:gd name="T94" fmla="*/ 3649 w 4171"/>
-                <a:gd name="T95" fmla="*/ 2302 h 2387"/>
-                <a:gd name="T96" fmla="*/ 3484 w 4171"/>
-                <a:gd name="T97" fmla="*/ 2359 h 2387"/>
-                <a:gd name="T98" fmla="*/ 3306 w 4171"/>
-                <a:gd name="T99" fmla="*/ 2385 h 2387"/>
-                <a:gd name="T100" fmla="*/ 743 w 4171"/>
-                <a:gd name="T101" fmla="*/ 2387 h 2387"/>
-              </a:gdLst>
-              <a:ahLst/>
-              <a:cxnLst>
-                <a:cxn ang="0">
-                  <a:pos x="T0" y="T1"/>
-                </a:cxn>
-                <a:cxn ang="0">
-                  <a:pos x="T2" y="T3"/>
-                </a:cxn>
-                <a:cxn ang="0">
-                  <a:pos x="T4" y="T5"/>
-                </a:cxn>
-                <a:cxn ang="0">
-                  <a:pos x="T6" y="T7"/>
-                </a:cxn>
-                <a:cxn ang="0">
-                  <a:pos x="T8" y="T9"/>
-                </a:cxn>
-                <a:cxn ang="0">
-                  <a:pos x="T10" y="T11"/>
-                </a:cxn>
-                <a:cxn ang="0">
-                  <a:pos x="T12" y="T13"/>
-                </a:cxn>
-                <a:cxn ang="0">
-                  <a:pos x="T14" y="T15"/>
-                </a:cxn>
-                <a:cxn ang="0">
-                  <a:pos x="T16" y="T17"/>
-                </a:cxn>
-                <a:cxn ang="0">
-                  <a:pos x="T18" y="T19"/>
-                </a:cxn>
-                <a:cxn ang="0">
-                  <a:pos x="T20" y="T21"/>
-                </a:cxn>
-                <a:cxn ang="0">
-                  <a:pos x="T22" y="T23"/>
-                </a:cxn>
-                <a:cxn ang="0">
-                  <a:pos x="T24" y="T25"/>
-                </a:cxn>
-                <a:cxn ang="0">
-                  <a:pos x="T26" y="T27"/>
-                </a:cxn>
-                <a:cxn ang="0">
-                  <a:pos x="T28" y="T29"/>
-                </a:cxn>
-                <a:cxn ang="0">
-                  <a:pos x="T30" y="T31"/>
-                </a:cxn>
-                <a:cxn ang="0">
-                  <a:pos x="T32" y="T33"/>
-                </a:cxn>
-                <a:cxn ang="0">
-                  <a:pos x="T34" y="T35"/>
-                </a:cxn>
-                <a:cxn ang="0">
-                  <a:pos x="T36" y="T37"/>
-                </a:cxn>
-                <a:cxn ang="0">
-                  <a:pos x="T38" y="T39"/>
-                </a:cxn>
-                <a:cxn ang="0">
-                  <a:pos x="T40" y="T41"/>
-                </a:cxn>
-                <a:cxn ang="0">
-                  <a:pos x="T42" y="T43"/>
-                </a:cxn>
-                <a:cxn ang="0">
-                  <a:pos x="T44" y="T45"/>
-                </a:cxn>
-                <a:cxn ang="0">
-                  <a:pos x="T46" y="T47"/>
-                </a:cxn>
-                <a:cxn ang="0">
-                  <a:pos x="T48" y="T49"/>
-                </a:cxn>
-                <a:cxn ang="0">
-                  <a:pos x="T50" y="T51"/>
-                </a:cxn>
-                <a:cxn ang="0">
-                  <a:pos x="T52" y="T53"/>
-                </a:cxn>
-                <a:cxn ang="0">
-                  <a:pos x="T54" y="T55"/>
-                </a:cxn>
-                <a:cxn ang="0">
-                  <a:pos x="T56" y="T57"/>
-                </a:cxn>
-                <a:cxn ang="0">
-                  <a:pos x="T58" y="T59"/>
-                </a:cxn>
-                <a:cxn ang="0">
-                  <a:pos x="T60" y="T61"/>
-                </a:cxn>
-                <a:cxn ang="0">
-                  <a:pos x="T62" y="T63"/>
-                </a:cxn>
-                <a:cxn ang="0">
-                  <a:pos x="T64" y="T65"/>
-                </a:cxn>
-                <a:cxn ang="0">
-                  <a:pos x="T66" y="T67"/>
-                </a:cxn>
-                <a:cxn ang="0">
-                  <a:pos x="T68" y="T69"/>
-                </a:cxn>
-                <a:cxn ang="0">
-                  <a:pos x="T70" y="T71"/>
-                </a:cxn>
-                <a:cxn ang="0">
-                  <a:pos x="T72" y="T73"/>
-                </a:cxn>
-                <a:cxn ang="0">
-                  <a:pos x="T74" y="T75"/>
-                </a:cxn>
-                <a:cxn ang="0">
-                  <a:pos x="T76" y="T77"/>
-                </a:cxn>
-                <a:cxn ang="0">
-                  <a:pos x="T78" y="T79"/>
-                </a:cxn>
-                <a:cxn ang="0">
-                  <a:pos x="T80" y="T81"/>
-                </a:cxn>
-                <a:cxn ang="0">
-                  <a:pos x="T82" y="T83"/>
-                </a:cxn>
-                <a:cxn ang="0">
-                  <a:pos x="T84" y="T85"/>
-                </a:cxn>
-                <a:cxn ang="0">
-                  <a:pos x="T86" y="T87"/>
-                </a:cxn>
-                <a:cxn ang="0">
-                  <a:pos x="T88" y="T89"/>
-                </a:cxn>
-                <a:cxn ang="0">
-                  <a:pos x="T90" y="T91"/>
-                </a:cxn>
-                <a:cxn ang="0">
-                  <a:pos x="T92" y="T93"/>
-                </a:cxn>
-                <a:cxn ang="0">
-                  <a:pos x="T94" y="T95"/>
-                </a:cxn>
-                <a:cxn ang="0">
-                  <a:pos x="T96" y="T97"/>
-                </a:cxn>
-                <a:cxn ang="0">
-                  <a:pos x="T98" y="T99"/>
-                </a:cxn>
-                <a:cxn ang="0">
-                  <a:pos x="T100" y="T101"/>
-                </a:cxn>
-              </a:cxnLst>
-              <a:rect l="0" t="0" r="r" b="b"/>
-              <a:pathLst>
-                <a:path w="4171" h="2387">
-                  <a:moveTo>
-                    <a:pt x="743" y="2387"/>
-                  </a:moveTo>
-                  <a:lnTo>
-                    <a:pt x="703" y="2385"/>
-                  </a:lnTo>
-                  <a:lnTo>
-                    <a:pt x="625" y="2378"/>
-                  </a:lnTo>
-                  <a:lnTo>
-                    <a:pt x="548" y="2361"/>
-                  </a:lnTo>
-                  <a:lnTo>
-                    <a:pt x="476" y="2338"/>
-                  </a:lnTo>
-                  <a:lnTo>
-                    <a:pt x="407" y="2306"/>
-                  </a:lnTo>
-                  <a:lnTo>
-                    <a:pt x="343" y="2268"/>
-                  </a:lnTo>
-                  <a:lnTo>
-                    <a:pt x="282" y="2225"/>
-                  </a:lnTo>
-                  <a:lnTo>
-                    <a:pt x="226" y="2175"/>
-                  </a:lnTo>
-                  <a:lnTo>
-                    <a:pt x="174" y="2120"/>
-                  </a:lnTo>
-                  <a:lnTo>
-                    <a:pt x="129" y="2061"/>
-                  </a:lnTo>
-                  <a:lnTo>
-                    <a:pt x="90" y="1996"/>
-                  </a:lnTo>
-                  <a:lnTo>
-                    <a:pt x="57" y="1929"/>
-                  </a:lnTo>
-                  <a:lnTo>
-                    <a:pt x="31" y="1857"/>
-                  </a:lnTo>
-                  <a:lnTo>
-                    <a:pt x="13" y="1782"/>
-                  </a:lnTo>
-                  <a:lnTo>
-                    <a:pt x="1" y="1704"/>
-                  </a:lnTo>
-                  <a:lnTo>
-                    <a:pt x="0" y="1625"/>
-                  </a:lnTo>
-                  <a:lnTo>
-                    <a:pt x="1" y="1584"/>
-                  </a:lnTo>
-                  <a:lnTo>
-                    <a:pt x="8" y="1518"/>
-                  </a:lnTo>
-                  <a:lnTo>
-                    <a:pt x="40" y="1391"/>
-                  </a:lnTo>
-                  <a:lnTo>
-                    <a:pt x="93" y="1275"/>
-                  </a:lnTo>
-                  <a:lnTo>
-                    <a:pt x="167" y="1168"/>
-                  </a:lnTo>
-                  <a:lnTo>
-                    <a:pt x="255" y="1077"/>
-                  </a:lnTo>
-                  <a:lnTo>
-                    <a:pt x="358" y="1001"/>
-                  </a:lnTo>
-                  <a:lnTo>
-                    <a:pt x="474" y="945"/>
-                  </a:lnTo>
-                  <a:lnTo>
-                    <a:pt x="599" y="907"/>
-                  </a:lnTo>
-                  <a:lnTo>
-                    <a:pt x="665" y="899"/>
-                  </a:lnTo>
-                  <a:lnTo>
-                    <a:pt x="703" y="896"/>
-                  </a:lnTo>
-                  <a:lnTo>
-                    <a:pt x="776" y="896"/>
-                  </a:lnTo>
-                  <a:lnTo>
-                    <a:pt x="812" y="899"/>
-                  </a:lnTo>
-                  <a:lnTo>
-                    <a:pt x="836" y="899"/>
-                  </a:lnTo>
-                  <a:lnTo>
-                    <a:pt x="883" y="887"/>
-                  </a:lnTo>
-                  <a:lnTo>
-                    <a:pt x="921" y="861"/>
-                  </a:lnTo>
-                  <a:lnTo>
-                    <a:pt x="950" y="824"/>
-                  </a:lnTo>
-                  <a:lnTo>
-                    <a:pt x="959" y="801"/>
-                  </a:lnTo>
-                  <a:lnTo>
-                    <a:pt x="975" y="758"/>
-                  </a:lnTo>
-                  <a:lnTo>
-                    <a:pt x="1011" y="674"/>
-                  </a:lnTo>
-                  <a:lnTo>
-                    <a:pt x="1054" y="593"/>
-                  </a:lnTo>
-                  <a:lnTo>
-                    <a:pt x="1103" y="516"/>
-                  </a:lnTo>
-                  <a:lnTo>
-                    <a:pt x="1156" y="444"/>
-                  </a:lnTo>
-                  <a:lnTo>
-                    <a:pt x="1217" y="376"/>
-                  </a:lnTo>
-                  <a:lnTo>
-                    <a:pt x="1280" y="311"/>
-                  </a:lnTo>
-                  <a:lnTo>
-                    <a:pt x="1349" y="254"/>
-                  </a:lnTo>
-                  <a:lnTo>
-                    <a:pt x="1423" y="200"/>
-                  </a:lnTo>
-                  <a:lnTo>
-                    <a:pt x="1500" y="153"/>
-                  </a:lnTo>
-                  <a:lnTo>
-                    <a:pt x="1581" y="111"/>
-                  </a:lnTo>
-                  <a:lnTo>
-                    <a:pt x="1666" y="75"/>
-                  </a:lnTo>
-                  <a:lnTo>
-                    <a:pt x="1754" y="46"/>
-                  </a:lnTo>
-                  <a:lnTo>
-                    <a:pt x="1845" y="25"/>
-                  </a:lnTo>
-                  <a:lnTo>
-                    <a:pt x="1938" y="9"/>
-                  </a:lnTo>
-                  <a:lnTo>
-                    <a:pt x="2033" y="2"/>
-                  </a:lnTo>
-                  <a:lnTo>
-                    <a:pt x="2082" y="0"/>
-                  </a:lnTo>
-                  <a:lnTo>
-                    <a:pt x="2156" y="2"/>
-                  </a:lnTo>
-                  <a:lnTo>
-                    <a:pt x="2297" y="19"/>
-                  </a:lnTo>
-                  <a:lnTo>
-                    <a:pt x="2434" y="52"/>
-                  </a:lnTo>
-                  <a:lnTo>
-                    <a:pt x="2563" y="101"/>
-                  </a:lnTo>
-                  <a:lnTo>
-                    <a:pt x="2684" y="164"/>
-                  </a:lnTo>
-                  <a:lnTo>
-                    <a:pt x="2798" y="239"/>
-                  </a:lnTo>
-                  <a:lnTo>
-                    <a:pt x="2902" y="327"/>
-                  </a:lnTo>
-                  <a:lnTo>
-                    <a:pt x="2994" y="426"/>
-                  </a:lnTo>
-                  <a:lnTo>
-                    <a:pt x="3036" y="480"/>
-                  </a:lnTo>
-                  <a:lnTo>
-                    <a:pt x="3057" y="507"/>
-                  </a:lnTo>
-                  <a:lnTo>
-                    <a:pt x="3109" y="550"/>
-                  </a:lnTo>
-                  <a:lnTo>
-                    <a:pt x="3170" y="581"/>
-                  </a:lnTo>
-                  <a:lnTo>
-                    <a:pt x="3236" y="596"/>
-                  </a:lnTo>
-                  <a:lnTo>
-                    <a:pt x="3269" y="596"/>
-                  </a:lnTo>
-                  <a:lnTo>
-                    <a:pt x="3275" y="596"/>
-                  </a:lnTo>
-                  <a:lnTo>
-                    <a:pt x="3322" y="598"/>
-                  </a:lnTo>
-                  <a:lnTo>
-                    <a:pt x="3413" y="608"/>
-                  </a:lnTo>
-                  <a:lnTo>
-                    <a:pt x="3501" y="625"/>
-                  </a:lnTo>
-                  <a:lnTo>
-                    <a:pt x="3586" y="653"/>
-                  </a:lnTo>
-                  <a:lnTo>
-                    <a:pt x="3667" y="687"/>
-                  </a:lnTo>
-                  <a:lnTo>
-                    <a:pt x="3744" y="729"/>
-                  </a:lnTo>
-                  <a:lnTo>
-                    <a:pt x="3815" y="778"/>
-                  </a:lnTo>
-                  <a:lnTo>
-                    <a:pt x="3883" y="834"/>
-                  </a:lnTo>
-                  <a:lnTo>
-                    <a:pt x="3943" y="896"/>
-                  </a:lnTo>
-                  <a:lnTo>
-                    <a:pt x="3998" y="964"/>
-                  </a:lnTo>
-                  <a:lnTo>
-                    <a:pt x="4045" y="1036"/>
-                  </a:lnTo>
-                  <a:lnTo>
-                    <a:pt x="4087" y="1113"/>
-                  </a:lnTo>
-                  <a:lnTo>
-                    <a:pt x="4120" y="1194"/>
-                  </a:lnTo>
-                  <a:lnTo>
-                    <a:pt x="4145" y="1280"/>
-                  </a:lnTo>
-                  <a:lnTo>
-                    <a:pt x="4162" y="1368"/>
-                  </a:lnTo>
-                  <a:lnTo>
-                    <a:pt x="4171" y="1461"/>
-                  </a:lnTo>
-                  <a:lnTo>
-                    <a:pt x="4171" y="1507"/>
-                  </a:lnTo>
-                  <a:lnTo>
-                    <a:pt x="4168" y="1553"/>
-                  </a:lnTo>
-                  <a:lnTo>
-                    <a:pt x="4158" y="1642"/>
-                  </a:lnTo>
-                  <a:lnTo>
-                    <a:pt x="4139" y="1728"/>
-                  </a:lnTo>
-                  <a:lnTo>
-                    <a:pt x="4110" y="1812"/>
-                  </a:lnTo>
-                  <a:lnTo>
-                    <a:pt x="4076" y="1891"/>
-                  </a:lnTo>
-                  <a:lnTo>
-                    <a:pt x="4032" y="1966"/>
-                  </a:lnTo>
-                  <a:lnTo>
-                    <a:pt x="3983" y="2035"/>
-                  </a:lnTo>
-                  <a:lnTo>
-                    <a:pt x="3927" y="2100"/>
-                  </a:lnTo>
-                  <a:lnTo>
-                    <a:pt x="3865" y="2160"/>
-                  </a:lnTo>
-                  <a:lnTo>
-                    <a:pt x="3798" y="2214"/>
-                  </a:lnTo>
-                  <a:lnTo>
-                    <a:pt x="3726" y="2261"/>
-                  </a:lnTo>
-                  <a:lnTo>
-                    <a:pt x="3649" y="2302"/>
-                  </a:lnTo>
-                  <a:lnTo>
-                    <a:pt x="3569" y="2335"/>
-                  </a:lnTo>
-                  <a:lnTo>
-                    <a:pt x="3484" y="2359"/>
-                  </a:lnTo>
-                  <a:lnTo>
-                    <a:pt x="3396" y="2377"/>
-                  </a:lnTo>
-                  <a:lnTo>
-                    <a:pt x="3306" y="2385"/>
-                  </a:lnTo>
-                  <a:lnTo>
-                    <a:pt x="3260" y="2387"/>
-                  </a:lnTo>
-                  <a:lnTo>
-                    <a:pt x="743" y="2387"/>
-                  </a:lnTo>
-                  <a:close/>
-                </a:path>
-              </a:pathLst>
-            </a:custGeom>
-            <a:solidFill>
-              <a:srgbClr val="ECF4FF"/>
-            </a:solidFill>
-            <a:ln>
-              <a:noFill/>
-            </a:ln>
-            <a:extLst>
-              <a:ext uri="{91240B29-F687-4F45-9708-019B960494DF}">
-                <a14:hiddenLine xmlns:a14="http://schemas.microsoft.com/office/drawing/2010/main" w="9525">
-                  <a:solidFill>
-                    <a:srgbClr val="000000"/>
-                  </a:solidFill>
-                  <a:round/>
-                  <a:headEnd/>
-                  <a:tailEnd/>
-                </a14:hiddenLine>
-              </a:ext>
-            </a:extLst>
-          </p:spPr>
-          <p:txBody>
-            <a:bodyPr vert="horz" wrap="square" lIns="91440" tIns="45720" rIns="91440" bIns="45720" numCol="1" anchor="t" anchorCtr="0" compatLnSpc="1">
-              <a:prstTxWarp prst="textNoShape">
-                <a:avLst/>
-              </a:prstTxWarp>
-            </a:bodyPr>
-            <a:lstStyle/>
-            <a:p>
-              <a:endParaRPr lang="ko-KR" altLang="en-US">
-                <a:solidFill>
-                  <a:prstClr val="black"/>
-                </a:solidFill>
-              </a:endParaRPr>
-            </a:p>
-          </p:txBody>
-        </p:sp>
-        <p:sp>
-          <p:nvSpPr>
-            <p:cNvPr id="13" name="Freeform 10"/>
-            <p:cNvSpPr>
-              <a:spLocks/>
-            </p:cNvSpPr>
-            <p:nvPr/>
-          </p:nvSpPr>
-          <p:spPr bwMode="auto">
-            <a:xfrm>
-              <a:off x="2350" y="2680"/>
-              <a:ext cx="1390" cy="795"/>
-            </a:xfrm>
-            <a:custGeom>
-              <a:avLst/>
-              <a:gdLst>
-                <a:gd name="T0" fmla="*/ 3468 w 4171"/>
-                <a:gd name="T1" fmla="*/ 2385 h 2387"/>
-                <a:gd name="T2" fmla="*/ 3622 w 4171"/>
-                <a:gd name="T3" fmla="*/ 2361 h 2387"/>
-                <a:gd name="T4" fmla="*/ 3763 w 4171"/>
-                <a:gd name="T5" fmla="*/ 2306 h 2387"/>
-                <a:gd name="T6" fmla="*/ 3888 w 4171"/>
-                <a:gd name="T7" fmla="*/ 2225 h 2387"/>
-                <a:gd name="T8" fmla="*/ 3996 w 4171"/>
-                <a:gd name="T9" fmla="*/ 2120 h 2387"/>
-                <a:gd name="T10" fmla="*/ 4080 w 4171"/>
-                <a:gd name="T11" fmla="*/ 1996 h 2387"/>
-                <a:gd name="T12" fmla="*/ 4139 w 4171"/>
-                <a:gd name="T13" fmla="*/ 1857 h 2387"/>
-                <a:gd name="T14" fmla="*/ 4169 w 4171"/>
-                <a:gd name="T15" fmla="*/ 1704 h 2387"/>
-                <a:gd name="T16" fmla="*/ 4169 w 4171"/>
-                <a:gd name="T17" fmla="*/ 1584 h 2387"/>
-                <a:gd name="T18" fmla="*/ 4130 w 4171"/>
-                <a:gd name="T19" fmla="*/ 1391 h 2387"/>
-                <a:gd name="T20" fmla="*/ 4004 w 4171"/>
-                <a:gd name="T21" fmla="*/ 1168 h 2387"/>
-                <a:gd name="T22" fmla="*/ 3812 w 4171"/>
-                <a:gd name="T23" fmla="*/ 1001 h 2387"/>
-                <a:gd name="T24" fmla="*/ 3572 w 4171"/>
-                <a:gd name="T25" fmla="*/ 907 h 2387"/>
-                <a:gd name="T26" fmla="*/ 3468 w 4171"/>
-                <a:gd name="T27" fmla="*/ 896 h 2387"/>
-                <a:gd name="T28" fmla="*/ 3358 w 4171"/>
-                <a:gd name="T29" fmla="*/ 899 h 2387"/>
-                <a:gd name="T30" fmla="*/ 3288 w 4171"/>
-                <a:gd name="T31" fmla="*/ 887 h 2387"/>
-                <a:gd name="T32" fmla="*/ 3220 w 4171"/>
-                <a:gd name="T33" fmla="*/ 824 h 2387"/>
-                <a:gd name="T34" fmla="*/ 3196 w 4171"/>
-                <a:gd name="T35" fmla="*/ 758 h 2387"/>
-                <a:gd name="T36" fmla="*/ 3116 w 4171"/>
-                <a:gd name="T37" fmla="*/ 593 h 2387"/>
-                <a:gd name="T38" fmla="*/ 3014 w 4171"/>
-                <a:gd name="T39" fmla="*/ 444 h 2387"/>
-                <a:gd name="T40" fmla="*/ 2890 w 4171"/>
-                <a:gd name="T41" fmla="*/ 311 h 2387"/>
-                <a:gd name="T42" fmla="*/ 2748 w 4171"/>
-                <a:gd name="T43" fmla="*/ 200 h 2387"/>
-                <a:gd name="T44" fmla="*/ 2589 w 4171"/>
-                <a:gd name="T45" fmla="*/ 111 h 2387"/>
-                <a:gd name="T46" fmla="*/ 2417 w 4171"/>
-                <a:gd name="T47" fmla="*/ 46 h 2387"/>
-                <a:gd name="T48" fmla="*/ 2232 w 4171"/>
-                <a:gd name="T49" fmla="*/ 9 h 2387"/>
-                <a:gd name="T50" fmla="*/ 2088 w 4171"/>
-                <a:gd name="T51" fmla="*/ 0 h 2387"/>
-                <a:gd name="T52" fmla="*/ 1874 w 4171"/>
-                <a:gd name="T53" fmla="*/ 19 h 2387"/>
-                <a:gd name="T54" fmla="*/ 1607 w 4171"/>
-                <a:gd name="T55" fmla="*/ 101 h 2387"/>
-                <a:gd name="T56" fmla="*/ 1372 w 4171"/>
-                <a:gd name="T57" fmla="*/ 239 h 2387"/>
-                <a:gd name="T58" fmla="*/ 1176 w 4171"/>
-                <a:gd name="T59" fmla="*/ 426 h 2387"/>
-                <a:gd name="T60" fmla="*/ 1113 w 4171"/>
-                <a:gd name="T61" fmla="*/ 507 h 2387"/>
-                <a:gd name="T62" fmla="*/ 1001 w 4171"/>
-                <a:gd name="T63" fmla="*/ 581 h 2387"/>
-                <a:gd name="T64" fmla="*/ 901 w 4171"/>
-                <a:gd name="T65" fmla="*/ 596 h 2387"/>
-                <a:gd name="T66" fmla="*/ 848 w 4171"/>
-                <a:gd name="T67" fmla="*/ 598 h 2387"/>
-                <a:gd name="T68" fmla="*/ 670 w 4171"/>
-                <a:gd name="T69" fmla="*/ 625 h 2387"/>
-                <a:gd name="T70" fmla="*/ 504 w 4171"/>
-                <a:gd name="T71" fmla="*/ 687 h 2387"/>
-                <a:gd name="T72" fmla="*/ 356 w 4171"/>
-                <a:gd name="T73" fmla="*/ 778 h 2387"/>
-                <a:gd name="T74" fmla="*/ 227 w 4171"/>
-                <a:gd name="T75" fmla="*/ 896 h 2387"/>
-                <a:gd name="T76" fmla="*/ 125 w 4171"/>
-                <a:gd name="T77" fmla="*/ 1036 h 2387"/>
-                <a:gd name="T78" fmla="*/ 50 w 4171"/>
-                <a:gd name="T79" fmla="*/ 1194 h 2387"/>
-                <a:gd name="T80" fmla="*/ 8 w 4171"/>
-                <a:gd name="T81" fmla="*/ 1368 h 2387"/>
-                <a:gd name="T82" fmla="*/ 0 w 4171"/>
-                <a:gd name="T83" fmla="*/ 1507 h 2387"/>
-                <a:gd name="T84" fmla="*/ 13 w 4171"/>
-                <a:gd name="T85" fmla="*/ 1642 h 2387"/>
-                <a:gd name="T86" fmla="*/ 60 w 4171"/>
-                <a:gd name="T87" fmla="*/ 1812 h 2387"/>
-                <a:gd name="T88" fmla="*/ 138 w 4171"/>
-                <a:gd name="T89" fmla="*/ 1966 h 2387"/>
-                <a:gd name="T90" fmla="*/ 243 w 4171"/>
-                <a:gd name="T91" fmla="*/ 2100 h 2387"/>
-                <a:gd name="T92" fmla="*/ 373 w 4171"/>
-                <a:gd name="T93" fmla="*/ 2214 h 2387"/>
-                <a:gd name="T94" fmla="*/ 521 w 4171"/>
-                <a:gd name="T95" fmla="*/ 2302 h 2387"/>
-                <a:gd name="T96" fmla="*/ 687 w 4171"/>
-                <a:gd name="T97" fmla="*/ 2359 h 2387"/>
-                <a:gd name="T98" fmla="*/ 864 w 4171"/>
-                <a:gd name="T99" fmla="*/ 2385 h 2387"/>
-                <a:gd name="T100" fmla="*/ 3428 w 4171"/>
-                <a:gd name="T101" fmla="*/ 2387 h 2387"/>
-              </a:gdLst>
-              <a:ahLst/>
-              <a:cxnLst>
-                <a:cxn ang="0">
-                  <a:pos x="T0" y="T1"/>
-                </a:cxn>
-                <a:cxn ang="0">
-                  <a:pos x="T2" y="T3"/>
-                </a:cxn>
-                <a:cxn ang="0">
-                  <a:pos x="T4" y="T5"/>
-                </a:cxn>
-                <a:cxn ang="0">
-                  <a:pos x="T6" y="T7"/>
-                </a:cxn>
-                <a:cxn ang="0">
-                  <a:pos x="T8" y="T9"/>
-                </a:cxn>
-                <a:cxn ang="0">
-                  <a:pos x="T10" y="T11"/>
-                </a:cxn>
-                <a:cxn ang="0">
-                  <a:pos x="T12" y="T13"/>
-                </a:cxn>
-                <a:cxn ang="0">
-                  <a:pos x="T14" y="T15"/>
-                </a:cxn>
-                <a:cxn ang="0">
-                  <a:pos x="T16" y="T17"/>
-                </a:cxn>
-                <a:cxn ang="0">
-                  <a:pos x="T18" y="T19"/>
-                </a:cxn>
-                <a:cxn ang="0">
-                  <a:pos x="T20" y="T21"/>
-                </a:cxn>
-                <a:cxn ang="0">
-                  <a:pos x="T22" y="T23"/>
-                </a:cxn>
-                <a:cxn ang="0">
-                  <a:pos x="T24" y="T25"/>
-                </a:cxn>
-                <a:cxn ang="0">
-                  <a:pos x="T26" y="T27"/>
-                </a:cxn>
-                <a:cxn ang="0">
-                  <a:pos x="T28" y="T29"/>
-                </a:cxn>
-                <a:cxn ang="0">
-                  <a:pos x="T30" y="T31"/>
-                </a:cxn>
-                <a:cxn ang="0">
-                  <a:pos x="T32" y="T33"/>
-                </a:cxn>
-                <a:cxn ang="0">
-                  <a:pos x="T34" y="T35"/>
-                </a:cxn>
-                <a:cxn ang="0">
-                  <a:pos x="T36" y="T37"/>
-                </a:cxn>
-                <a:cxn ang="0">
-                  <a:pos x="T38" y="T39"/>
-                </a:cxn>
-                <a:cxn ang="0">
-                  <a:pos x="T40" y="T41"/>
-                </a:cxn>
-                <a:cxn ang="0">
-                  <a:pos x="T42" y="T43"/>
-                </a:cxn>
-                <a:cxn ang="0">
-                  <a:pos x="T44" y="T45"/>
-                </a:cxn>
-                <a:cxn ang="0">
-                  <a:pos x="T46" y="T47"/>
-                </a:cxn>
-                <a:cxn ang="0">
-                  <a:pos x="T48" y="T49"/>
-                </a:cxn>
-                <a:cxn ang="0">
-                  <a:pos x="T50" y="T51"/>
-                </a:cxn>
-                <a:cxn ang="0">
-                  <a:pos x="T52" y="T53"/>
-                </a:cxn>
-                <a:cxn ang="0">
-                  <a:pos x="T54" y="T55"/>
-                </a:cxn>
-                <a:cxn ang="0">
-                  <a:pos x="T56" y="T57"/>
-                </a:cxn>
-                <a:cxn ang="0">
-                  <a:pos x="T58" y="T59"/>
-                </a:cxn>
-                <a:cxn ang="0">
-                  <a:pos x="T60" y="T61"/>
-                </a:cxn>
-                <a:cxn ang="0">
-                  <a:pos x="T62" y="T63"/>
-                </a:cxn>
-                <a:cxn ang="0">
-                  <a:pos x="T64" y="T65"/>
-                </a:cxn>
-                <a:cxn ang="0">
-                  <a:pos x="T66" y="T67"/>
-                </a:cxn>
-                <a:cxn ang="0">
-                  <a:pos x="T68" y="T69"/>
-                </a:cxn>
-                <a:cxn ang="0">
-                  <a:pos x="T70" y="T71"/>
-                </a:cxn>
-                <a:cxn ang="0">
-                  <a:pos x="T72" y="T73"/>
-                </a:cxn>
-                <a:cxn ang="0">
-                  <a:pos x="T74" y="T75"/>
-                </a:cxn>
-                <a:cxn ang="0">
-                  <a:pos x="T76" y="T77"/>
-                </a:cxn>
-                <a:cxn ang="0">
-                  <a:pos x="T78" y="T79"/>
-                </a:cxn>
-                <a:cxn ang="0">
-                  <a:pos x="T80" y="T81"/>
-                </a:cxn>
-                <a:cxn ang="0">
-                  <a:pos x="T82" y="T83"/>
-                </a:cxn>
-                <a:cxn ang="0">
-                  <a:pos x="T84" y="T85"/>
-                </a:cxn>
-                <a:cxn ang="0">
-                  <a:pos x="T86" y="T87"/>
-                </a:cxn>
-                <a:cxn ang="0">
-                  <a:pos x="T88" y="T89"/>
-                </a:cxn>
-                <a:cxn ang="0">
-                  <a:pos x="T90" y="T91"/>
-                </a:cxn>
-                <a:cxn ang="0">
-                  <a:pos x="T92" y="T93"/>
-                </a:cxn>
-                <a:cxn ang="0">
-                  <a:pos x="T94" y="T95"/>
-                </a:cxn>
-                <a:cxn ang="0">
-                  <a:pos x="T96" y="T97"/>
-                </a:cxn>
-                <a:cxn ang="0">
-                  <a:pos x="T98" y="T99"/>
-                </a:cxn>
-                <a:cxn ang="0">
-                  <a:pos x="T100" y="T101"/>
-                </a:cxn>
-              </a:cxnLst>
-              <a:rect l="0" t="0" r="r" b="b"/>
-              <a:pathLst>
-                <a:path w="4171" h="2387">
-                  <a:moveTo>
-                    <a:pt x="3428" y="2387"/>
-                  </a:moveTo>
-                  <a:lnTo>
-                    <a:pt x="3468" y="2385"/>
-                  </a:lnTo>
-                  <a:lnTo>
-                    <a:pt x="3546" y="2378"/>
-                  </a:lnTo>
-                  <a:lnTo>
-                    <a:pt x="3622" y="2361"/>
-                  </a:lnTo>
-                  <a:lnTo>
-                    <a:pt x="3694" y="2338"/>
-                  </a:lnTo>
-                  <a:lnTo>
-                    <a:pt x="3763" y="2306"/>
-                  </a:lnTo>
-                  <a:lnTo>
-                    <a:pt x="3828" y="2268"/>
-                  </a:lnTo>
-                  <a:lnTo>
-                    <a:pt x="3888" y="2225"/>
-                  </a:lnTo>
-                  <a:lnTo>
-                    <a:pt x="3945" y="2175"/>
-                  </a:lnTo>
-                  <a:lnTo>
-                    <a:pt x="3996" y="2120"/>
-                  </a:lnTo>
-                  <a:lnTo>
-                    <a:pt x="4041" y="2061"/>
-                  </a:lnTo>
-                  <a:lnTo>
-                    <a:pt x="4080" y="1996"/>
-                  </a:lnTo>
-                  <a:lnTo>
-                    <a:pt x="4113" y="1929"/>
-                  </a:lnTo>
-                  <a:lnTo>
-                    <a:pt x="4139" y="1857"/>
-                  </a:lnTo>
-                  <a:lnTo>
-                    <a:pt x="4158" y="1782"/>
-                  </a:lnTo>
-                  <a:lnTo>
-                    <a:pt x="4169" y="1704"/>
-                  </a:lnTo>
-                  <a:lnTo>
-                    <a:pt x="4171" y="1625"/>
-                  </a:lnTo>
-                  <a:lnTo>
-                    <a:pt x="4169" y="1584"/>
-                  </a:lnTo>
-                  <a:lnTo>
-                    <a:pt x="4162" y="1518"/>
-                  </a:lnTo>
-                  <a:lnTo>
-                    <a:pt x="4130" y="1391"/>
-                  </a:lnTo>
-                  <a:lnTo>
-                    <a:pt x="4077" y="1275"/>
-                  </a:lnTo>
-                  <a:lnTo>
-                    <a:pt x="4004" y="1168"/>
-                  </a:lnTo>
-                  <a:lnTo>
-                    <a:pt x="3916" y="1077"/>
-                  </a:lnTo>
-                  <a:lnTo>
-                    <a:pt x="3812" y="1001"/>
-                  </a:lnTo>
-                  <a:lnTo>
-                    <a:pt x="3697" y="945"/>
-                  </a:lnTo>
-                  <a:lnTo>
-                    <a:pt x="3572" y="907"/>
-                  </a:lnTo>
-                  <a:lnTo>
-                    <a:pt x="3505" y="899"/>
-                  </a:lnTo>
-                  <a:lnTo>
-                    <a:pt x="3468" y="896"/>
-                  </a:lnTo>
-                  <a:lnTo>
-                    <a:pt x="3394" y="896"/>
-                  </a:lnTo>
-                  <a:lnTo>
-                    <a:pt x="3358" y="899"/>
-                  </a:lnTo>
-                  <a:lnTo>
-                    <a:pt x="3334" y="899"/>
-                  </a:lnTo>
-                  <a:lnTo>
-                    <a:pt x="3288" y="887"/>
-                  </a:lnTo>
-                  <a:lnTo>
-                    <a:pt x="3249" y="861"/>
-                  </a:lnTo>
-                  <a:lnTo>
-                    <a:pt x="3220" y="824"/>
-                  </a:lnTo>
-                  <a:lnTo>
-                    <a:pt x="3212" y="801"/>
-                  </a:lnTo>
-                  <a:lnTo>
-                    <a:pt x="3196" y="758"/>
-                  </a:lnTo>
-                  <a:lnTo>
-                    <a:pt x="3160" y="674"/>
-                  </a:lnTo>
-                  <a:lnTo>
-                    <a:pt x="3116" y="593"/>
-                  </a:lnTo>
-                  <a:lnTo>
-                    <a:pt x="3068" y="516"/>
-                  </a:lnTo>
-                  <a:lnTo>
-                    <a:pt x="3014" y="444"/>
-                  </a:lnTo>
-                  <a:lnTo>
-                    <a:pt x="2954" y="376"/>
-                  </a:lnTo>
-                  <a:lnTo>
-                    <a:pt x="2890" y="311"/>
-                  </a:lnTo>
-                  <a:lnTo>
-                    <a:pt x="2821" y="254"/>
-                  </a:lnTo>
-                  <a:lnTo>
-                    <a:pt x="2748" y="200"/>
-                  </a:lnTo>
-                  <a:lnTo>
-                    <a:pt x="2670" y="153"/>
-                  </a:lnTo>
-                  <a:lnTo>
-                    <a:pt x="2589" y="111"/>
-                  </a:lnTo>
-                  <a:lnTo>
-                    <a:pt x="2504" y="75"/>
-                  </a:lnTo>
-                  <a:lnTo>
-                    <a:pt x="2417" y="46"/>
-                  </a:lnTo>
-                  <a:lnTo>
-                    <a:pt x="2326" y="25"/>
-                  </a:lnTo>
-                  <a:lnTo>
-                    <a:pt x="2232" y="9"/>
-                  </a:lnTo>
-                  <a:lnTo>
-                    <a:pt x="2137" y="2"/>
-                  </a:lnTo>
-                  <a:lnTo>
-                    <a:pt x="2088" y="0"/>
-                  </a:lnTo>
-                  <a:lnTo>
-                    <a:pt x="2015" y="2"/>
-                  </a:lnTo>
-                  <a:lnTo>
-                    <a:pt x="1874" y="19"/>
-                  </a:lnTo>
-                  <a:lnTo>
-                    <a:pt x="1737" y="52"/>
-                  </a:lnTo>
-                  <a:lnTo>
-                    <a:pt x="1607" y="101"/>
-                  </a:lnTo>
-                  <a:lnTo>
-                    <a:pt x="1486" y="164"/>
-                  </a:lnTo>
-                  <a:lnTo>
-                    <a:pt x="1372" y="239"/>
-                  </a:lnTo>
-                  <a:lnTo>
-                    <a:pt x="1269" y="327"/>
-                  </a:lnTo>
-                  <a:lnTo>
-                    <a:pt x="1176" y="426"/>
-                  </a:lnTo>
-                  <a:lnTo>
-                    <a:pt x="1135" y="480"/>
-                  </a:lnTo>
-                  <a:lnTo>
-                    <a:pt x="1113" y="507"/>
-                  </a:lnTo>
-                  <a:lnTo>
-                    <a:pt x="1061" y="550"/>
-                  </a:lnTo>
-                  <a:lnTo>
-                    <a:pt x="1001" y="581"/>
-                  </a:lnTo>
-                  <a:lnTo>
-                    <a:pt x="935" y="596"/>
-                  </a:lnTo>
-                  <a:lnTo>
-                    <a:pt x="901" y="596"/>
-                  </a:lnTo>
-                  <a:lnTo>
-                    <a:pt x="896" y="596"/>
-                  </a:lnTo>
-                  <a:lnTo>
-                    <a:pt x="848" y="598"/>
-                  </a:lnTo>
-                  <a:lnTo>
-                    <a:pt x="757" y="608"/>
-                  </a:lnTo>
-                  <a:lnTo>
-                    <a:pt x="670" y="625"/>
-                  </a:lnTo>
-                  <a:lnTo>
-                    <a:pt x="585" y="653"/>
-                  </a:lnTo>
-                  <a:lnTo>
-                    <a:pt x="504" y="687"/>
-                  </a:lnTo>
-                  <a:lnTo>
-                    <a:pt x="426" y="729"/>
-                  </a:lnTo>
-                  <a:lnTo>
-                    <a:pt x="356" y="778"/>
-                  </a:lnTo>
-                  <a:lnTo>
-                    <a:pt x="288" y="834"/>
-                  </a:lnTo>
-                  <a:lnTo>
-                    <a:pt x="227" y="896"/>
-                  </a:lnTo>
-                  <a:lnTo>
-                    <a:pt x="173" y="964"/>
-                  </a:lnTo>
-                  <a:lnTo>
-                    <a:pt x="125" y="1036"/>
-                  </a:lnTo>
-                  <a:lnTo>
-                    <a:pt x="83" y="1113"/>
-                  </a:lnTo>
-                  <a:lnTo>
-                    <a:pt x="50" y="1194"/>
-                  </a:lnTo>
-                  <a:lnTo>
-                    <a:pt x="26" y="1280"/>
-                  </a:lnTo>
-                  <a:lnTo>
-                    <a:pt x="8" y="1368"/>
-                  </a:lnTo>
-                  <a:lnTo>
-                    <a:pt x="0" y="1461"/>
-                  </a:lnTo>
-                  <a:lnTo>
-                    <a:pt x="0" y="1507"/>
-                  </a:lnTo>
-                  <a:lnTo>
-                    <a:pt x="3" y="1553"/>
-                  </a:lnTo>
-                  <a:lnTo>
-                    <a:pt x="13" y="1642"/>
-                  </a:lnTo>
-                  <a:lnTo>
-                    <a:pt x="32" y="1728"/>
-                  </a:lnTo>
-                  <a:lnTo>
-                    <a:pt x="60" y="1812"/>
-                  </a:lnTo>
-                  <a:lnTo>
-                    <a:pt x="95" y="1891"/>
-                  </a:lnTo>
-                  <a:lnTo>
-                    <a:pt x="138" y="1966"/>
-                  </a:lnTo>
-                  <a:lnTo>
-                    <a:pt x="187" y="2035"/>
-                  </a:lnTo>
-                  <a:lnTo>
-                    <a:pt x="243" y="2100"/>
-                  </a:lnTo>
-                  <a:lnTo>
-                    <a:pt x="305" y="2160"/>
-                  </a:lnTo>
-                  <a:lnTo>
-                    <a:pt x="373" y="2214"/>
-                  </a:lnTo>
-                  <a:lnTo>
-                    <a:pt x="445" y="2261"/>
-                  </a:lnTo>
-                  <a:lnTo>
-                    <a:pt x="521" y="2302"/>
-                  </a:lnTo>
-                  <a:lnTo>
-                    <a:pt x="602" y="2335"/>
-                  </a:lnTo>
-                  <a:lnTo>
-                    <a:pt x="687" y="2359"/>
-                  </a:lnTo>
-                  <a:lnTo>
-                    <a:pt x="775" y="2377"/>
-                  </a:lnTo>
-                  <a:lnTo>
-                    <a:pt x="864" y="2385"/>
-                  </a:lnTo>
-                  <a:lnTo>
-                    <a:pt x="910" y="2387"/>
-                  </a:lnTo>
-                  <a:lnTo>
-                    <a:pt x="3428" y="2387"/>
-                  </a:lnTo>
-                  <a:close/>
-                </a:path>
-              </a:pathLst>
-            </a:custGeom>
-            <a:solidFill>
-              <a:srgbClr val="ECF4FF"/>
-            </a:solidFill>
-            <a:ln>
-              <a:noFill/>
-            </a:ln>
-            <a:extLst>
-              <a:ext uri="{91240B29-F687-4F45-9708-019B960494DF}">
-                <a14:hiddenLine xmlns:a14="http://schemas.microsoft.com/office/drawing/2010/main" w="9525">
-                  <a:solidFill>
-                    <a:srgbClr val="000000"/>
-                  </a:solidFill>
-                  <a:round/>
-                  <a:headEnd/>
-                  <a:tailEnd/>
-                </a14:hiddenLine>
-              </a:ext>
-            </a:extLst>
-          </p:spPr>
-          <p:txBody>
-            <a:bodyPr vert="horz" wrap="square" lIns="91440" tIns="45720" rIns="91440" bIns="45720" numCol="1" anchor="t" anchorCtr="0" compatLnSpc="1">
-              <a:prstTxWarp prst="textNoShape">
-                <a:avLst/>
-              </a:prstTxWarp>
-            </a:bodyPr>
-            <a:lstStyle/>
-            <a:p>
-              <a:endParaRPr lang="ko-KR" altLang="en-US">
-                <a:solidFill>
-                  <a:prstClr val="black"/>
-                </a:solidFill>
-              </a:endParaRPr>
-            </a:p>
-          </p:txBody>
-        </p:sp>
-        <p:sp>
-          <p:nvSpPr>
-            <p:cNvPr id="14" name="Freeform 11"/>
-            <p:cNvSpPr>
-              <a:spLocks/>
-            </p:cNvSpPr>
-            <p:nvPr/>
-          </p:nvSpPr>
-          <p:spPr bwMode="auto">
-            <a:xfrm>
-              <a:off x="2977" y="2680"/>
-              <a:ext cx="763" cy="795"/>
-            </a:xfrm>
-            <a:custGeom>
-              <a:avLst/>
-              <a:gdLst>
-                <a:gd name="T0" fmla="*/ 2281 w 2290"/>
-                <a:gd name="T1" fmla="*/ 1518 h 2387"/>
-                <a:gd name="T2" fmla="*/ 2196 w 2290"/>
-                <a:gd name="T3" fmla="*/ 1275 h 2387"/>
-                <a:gd name="T4" fmla="*/ 2035 w 2290"/>
-                <a:gd name="T5" fmla="*/ 1077 h 2387"/>
-                <a:gd name="T6" fmla="*/ 1816 w 2290"/>
-                <a:gd name="T7" fmla="*/ 945 h 2387"/>
-                <a:gd name="T8" fmla="*/ 1624 w 2290"/>
-                <a:gd name="T9" fmla="*/ 899 h 2387"/>
-                <a:gd name="T10" fmla="*/ 1513 w 2290"/>
-                <a:gd name="T11" fmla="*/ 896 h 2387"/>
-                <a:gd name="T12" fmla="*/ 1453 w 2290"/>
-                <a:gd name="T13" fmla="*/ 899 h 2387"/>
-                <a:gd name="T14" fmla="*/ 1368 w 2290"/>
-                <a:gd name="T15" fmla="*/ 861 h 2387"/>
-                <a:gd name="T16" fmla="*/ 1331 w 2290"/>
-                <a:gd name="T17" fmla="*/ 801 h 2387"/>
-                <a:gd name="T18" fmla="*/ 1279 w 2290"/>
-                <a:gd name="T19" fmla="*/ 674 h 2387"/>
-                <a:gd name="T20" fmla="*/ 1187 w 2290"/>
-                <a:gd name="T21" fmla="*/ 516 h 2387"/>
-                <a:gd name="T22" fmla="*/ 1073 w 2290"/>
-                <a:gd name="T23" fmla="*/ 376 h 2387"/>
-                <a:gd name="T24" fmla="*/ 940 w 2290"/>
-                <a:gd name="T25" fmla="*/ 254 h 2387"/>
-                <a:gd name="T26" fmla="*/ 789 w 2290"/>
-                <a:gd name="T27" fmla="*/ 153 h 2387"/>
-                <a:gd name="T28" fmla="*/ 623 w 2290"/>
-                <a:gd name="T29" fmla="*/ 75 h 2387"/>
-                <a:gd name="T30" fmla="*/ 445 w 2290"/>
-                <a:gd name="T31" fmla="*/ 25 h 2387"/>
-                <a:gd name="T32" fmla="*/ 256 w 2290"/>
-                <a:gd name="T33" fmla="*/ 2 h 2387"/>
-                <a:gd name="T34" fmla="*/ 154 w 2290"/>
-                <a:gd name="T35" fmla="*/ 2 h 2387"/>
-                <a:gd name="T36" fmla="*/ 0 w 2290"/>
-                <a:gd name="T37" fmla="*/ 19 h 2387"/>
-                <a:gd name="T38" fmla="*/ 232 w 2290"/>
-                <a:gd name="T39" fmla="*/ 84 h 2387"/>
-                <a:gd name="T40" fmla="*/ 507 w 2290"/>
-                <a:gd name="T41" fmla="*/ 238 h 2387"/>
-                <a:gd name="T42" fmla="*/ 729 w 2290"/>
-                <a:gd name="T43" fmla="*/ 455 h 2387"/>
-                <a:gd name="T44" fmla="*/ 888 w 2290"/>
-                <a:gd name="T45" fmla="*/ 726 h 2387"/>
-                <a:gd name="T46" fmla="*/ 926 w 2290"/>
-                <a:gd name="T47" fmla="*/ 824 h 2387"/>
-                <a:gd name="T48" fmla="*/ 994 w 2290"/>
-                <a:gd name="T49" fmla="*/ 887 h 2387"/>
-                <a:gd name="T50" fmla="*/ 1063 w 2290"/>
-                <a:gd name="T51" fmla="*/ 899 h 2387"/>
-                <a:gd name="T52" fmla="*/ 1174 w 2290"/>
-                <a:gd name="T53" fmla="*/ 896 h 2387"/>
-                <a:gd name="T54" fmla="*/ 1276 w 2290"/>
-                <a:gd name="T55" fmla="*/ 907 h 2387"/>
-                <a:gd name="T56" fmla="*/ 1518 w 2290"/>
-                <a:gd name="T57" fmla="*/ 1001 h 2387"/>
-                <a:gd name="T58" fmla="*/ 1709 w 2290"/>
-                <a:gd name="T59" fmla="*/ 1168 h 2387"/>
-                <a:gd name="T60" fmla="*/ 1835 w 2290"/>
-                <a:gd name="T61" fmla="*/ 1391 h 2387"/>
-                <a:gd name="T62" fmla="*/ 1873 w 2290"/>
-                <a:gd name="T63" fmla="*/ 1584 h 2387"/>
-                <a:gd name="T64" fmla="*/ 1873 w 2290"/>
-                <a:gd name="T65" fmla="*/ 1704 h 2387"/>
-                <a:gd name="T66" fmla="*/ 1845 w 2290"/>
-                <a:gd name="T67" fmla="*/ 1857 h 2387"/>
-                <a:gd name="T68" fmla="*/ 1786 w 2290"/>
-                <a:gd name="T69" fmla="*/ 1996 h 2387"/>
-                <a:gd name="T70" fmla="*/ 1701 w 2290"/>
-                <a:gd name="T71" fmla="*/ 2120 h 2387"/>
-                <a:gd name="T72" fmla="*/ 1594 w 2290"/>
-                <a:gd name="T73" fmla="*/ 2225 h 2387"/>
-                <a:gd name="T74" fmla="*/ 1467 w 2290"/>
-                <a:gd name="T75" fmla="*/ 2306 h 2387"/>
-                <a:gd name="T76" fmla="*/ 1326 w 2290"/>
-                <a:gd name="T77" fmla="*/ 2361 h 2387"/>
-                <a:gd name="T78" fmla="*/ 1172 w 2290"/>
-                <a:gd name="T79" fmla="*/ 2385 h 2387"/>
-                <a:gd name="T80" fmla="*/ 1547 w 2290"/>
-                <a:gd name="T81" fmla="*/ 2387 h 2387"/>
-                <a:gd name="T82" fmla="*/ 1665 w 2290"/>
-                <a:gd name="T83" fmla="*/ 2378 h 2387"/>
-                <a:gd name="T84" fmla="*/ 1813 w 2290"/>
-                <a:gd name="T85" fmla="*/ 2338 h 2387"/>
-                <a:gd name="T86" fmla="*/ 1947 w 2290"/>
-                <a:gd name="T87" fmla="*/ 2268 h 2387"/>
-                <a:gd name="T88" fmla="*/ 2064 w 2290"/>
-                <a:gd name="T89" fmla="*/ 2175 h 2387"/>
-                <a:gd name="T90" fmla="*/ 2160 w 2290"/>
-                <a:gd name="T91" fmla="*/ 2061 h 2387"/>
-                <a:gd name="T92" fmla="*/ 2232 w 2290"/>
-                <a:gd name="T93" fmla="*/ 1929 h 2387"/>
-                <a:gd name="T94" fmla="*/ 2277 w 2290"/>
-                <a:gd name="T95" fmla="*/ 1782 h 2387"/>
-                <a:gd name="T96" fmla="*/ 2290 w 2290"/>
-                <a:gd name="T97" fmla="*/ 1625 h 2387"/>
-              </a:gdLst>
-              <a:ahLst/>
-              <a:cxnLst>
-                <a:cxn ang="0">
-                  <a:pos x="T0" y="T1"/>
-                </a:cxn>
-                <a:cxn ang="0">
-                  <a:pos x="T2" y="T3"/>
-                </a:cxn>
-                <a:cxn ang="0">
-                  <a:pos x="T4" y="T5"/>
-                </a:cxn>
-                <a:cxn ang="0">
-                  <a:pos x="T6" y="T7"/>
-                </a:cxn>
-                <a:cxn ang="0">
-                  <a:pos x="T8" y="T9"/>
-                </a:cxn>
-                <a:cxn ang="0">
-                  <a:pos x="T10" y="T11"/>
-                </a:cxn>
-                <a:cxn ang="0">
-                  <a:pos x="T12" y="T13"/>
-                </a:cxn>
-                <a:cxn ang="0">
-                  <a:pos x="T14" y="T15"/>
-                </a:cxn>
-                <a:cxn ang="0">
-                  <a:pos x="T16" y="T17"/>
-                </a:cxn>
-                <a:cxn ang="0">
-                  <a:pos x="T18" y="T19"/>
-                </a:cxn>
-                <a:cxn ang="0">
-                  <a:pos x="T20" y="T21"/>
-                </a:cxn>
-                <a:cxn ang="0">
-                  <a:pos x="T22" y="T23"/>
-                </a:cxn>
-                <a:cxn ang="0">
-                  <a:pos x="T24" y="T25"/>
-                </a:cxn>
-                <a:cxn ang="0">
-                  <a:pos x="T26" y="T27"/>
-                </a:cxn>
-                <a:cxn ang="0">
-                  <a:pos x="T28" y="T29"/>
-                </a:cxn>
-                <a:cxn ang="0">
-                  <a:pos x="T30" y="T31"/>
-                </a:cxn>
-                <a:cxn ang="0">
-                  <a:pos x="T32" y="T33"/>
-                </a:cxn>
-                <a:cxn ang="0">
-                  <a:pos x="T34" y="T35"/>
-                </a:cxn>
-                <a:cxn ang="0">
-                  <a:pos x="T36" y="T37"/>
-                </a:cxn>
-                <a:cxn ang="0">
-                  <a:pos x="T38" y="T39"/>
-                </a:cxn>
-                <a:cxn ang="0">
-                  <a:pos x="T40" y="T41"/>
-                </a:cxn>
-                <a:cxn ang="0">
-                  <a:pos x="T42" y="T43"/>
-                </a:cxn>
-                <a:cxn ang="0">
-                  <a:pos x="T44" y="T45"/>
-                </a:cxn>
-                <a:cxn ang="0">
-                  <a:pos x="T46" y="T47"/>
-                </a:cxn>
-                <a:cxn ang="0">
-                  <a:pos x="T48" y="T49"/>
-                </a:cxn>
-                <a:cxn ang="0">
-                  <a:pos x="T50" y="T51"/>
-                </a:cxn>
-                <a:cxn ang="0">
-                  <a:pos x="T52" y="T53"/>
-                </a:cxn>
-                <a:cxn ang="0">
-                  <a:pos x="T54" y="T55"/>
-                </a:cxn>
-                <a:cxn ang="0">
-                  <a:pos x="T56" y="T57"/>
-                </a:cxn>
-                <a:cxn ang="0">
-                  <a:pos x="T58" y="T59"/>
-                </a:cxn>
-                <a:cxn ang="0">
-                  <a:pos x="T60" y="T61"/>
-                </a:cxn>
-                <a:cxn ang="0">
-                  <a:pos x="T62" y="T63"/>
-                </a:cxn>
-                <a:cxn ang="0">
-                  <a:pos x="T64" y="T65"/>
-                </a:cxn>
-                <a:cxn ang="0">
-                  <a:pos x="T66" y="T67"/>
-                </a:cxn>
-                <a:cxn ang="0">
-                  <a:pos x="T68" y="T69"/>
-                </a:cxn>
-                <a:cxn ang="0">
-                  <a:pos x="T70" y="T71"/>
-                </a:cxn>
-                <a:cxn ang="0">
-                  <a:pos x="T72" y="T73"/>
-                </a:cxn>
-                <a:cxn ang="0">
-                  <a:pos x="T74" y="T75"/>
-                </a:cxn>
-                <a:cxn ang="0">
-                  <a:pos x="T76" y="T77"/>
-                </a:cxn>
-                <a:cxn ang="0">
-                  <a:pos x="T78" y="T79"/>
-                </a:cxn>
-                <a:cxn ang="0">
-                  <a:pos x="T80" y="T81"/>
-                </a:cxn>
-                <a:cxn ang="0">
-                  <a:pos x="T82" y="T83"/>
-                </a:cxn>
-                <a:cxn ang="0">
-                  <a:pos x="T84" y="T85"/>
-                </a:cxn>
-                <a:cxn ang="0">
-                  <a:pos x="T86" y="T87"/>
-                </a:cxn>
-                <a:cxn ang="0">
-                  <a:pos x="T88" y="T89"/>
-                </a:cxn>
-                <a:cxn ang="0">
-                  <a:pos x="T90" y="T91"/>
-                </a:cxn>
-                <a:cxn ang="0">
-                  <a:pos x="T92" y="T93"/>
-                </a:cxn>
-                <a:cxn ang="0">
-                  <a:pos x="T94" y="T95"/>
-                </a:cxn>
-                <a:cxn ang="0">
-                  <a:pos x="T96" y="T97"/>
-                </a:cxn>
-              </a:cxnLst>
-              <a:rect l="0" t="0" r="r" b="b"/>
-              <a:pathLst>
-                <a:path w="2290" h="2387">
-                  <a:moveTo>
-                    <a:pt x="2288" y="1584"/>
-                  </a:moveTo>
-                  <a:lnTo>
-                    <a:pt x="2281" y="1518"/>
-                  </a:lnTo>
-                  <a:lnTo>
-                    <a:pt x="2249" y="1391"/>
-                  </a:lnTo>
-                  <a:lnTo>
-                    <a:pt x="2196" y="1275"/>
-                  </a:lnTo>
-                  <a:lnTo>
-                    <a:pt x="2123" y="1168"/>
-                  </a:lnTo>
-                  <a:lnTo>
-                    <a:pt x="2035" y="1077"/>
-                  </a:lnTo>
-                  <a:lnTo>
-                    <a:pt x="1931" y="1001"/>
-                  </a:lnTo>
-                  <a:lnTo>
-                    <a:pt x="1816" y="945"/>
-                  </a:lnTo>
-                  <a:lnTo>
-                    <a:pt x="1691" y="907"/>
-                  </a:lnTo>
-                  <a:lnTo>
-                    <a:pt x="1624" y="899"/>
-                  </a:lnTo>
-                  <a:lnTo>
-                    <a:pt x="1587" y="896"/>
-                  </a:lnTo>
-                  <a:lnTo>
-                    <a:pt x="1513" y="896"/>
-                  </a:lnTo>
-                  <a:lnTo>
-                    <a:pt x="1477" y="899"/>
-                  </a:lnTo>
-                  <a:lnTo>
-                    <a:pt x="1453" y="899"/>
-                  </a:lnTo>
-                  <a:lnTo>
-                    <a:pt x="1407" y="887"/>
-                  </a:lnTo>
-                  <a:lnTo>
-                    <a:pt x="1368" y="861"/>
-                  </a:lnTo>
-                  <a:lnTo>
-                    <a:pt x="1339" y="824"/>
-                  </a:lnTo>
-                  <a:lnTo>
-                    <a:pt x="1331" y="801"/>
-                  </a:lnTo>
-                  <a:lnTo>
-                    <a:pt x="1315" y="758"/>
-                  </a:lnTo>
-                  <a:lnTo>
-                    <a:pt x="1279" y="674"/>
-                  </a:lnTo>
-                  <a:lnTo>
-                    <a:pt x="1235" y="593"/>
-                  </a:lnTo>
-                  <a:lnTo>
-                    <a:pt x="1187" y="516"/>
-                  </a:lnTo>
-                  <a:lnTo>
-                    <a:pt x="1133" y="444"/>
-                  </a:lnTo>
-                  <a:lnTo>
-                    <a:pt x="1073" y="376"/>
-                  </a:lnTo>
-                  <a:lnTo>
-                    <a:pt x="1009" y="311"/>
-                  </a:lnTo>
-                  <a:lnTo>
-                    <a:pt x="940" y="254"/>
-                  </a:lnTo>
-                  <a:lnTo>
-                    <a:pt x="867" y="200"/>
-                  </a:lnTo>
-                  <a:lnTo>
-                    <a:pt x="789" y="153"/>
-                  </a:lnTo>
-                  <a:lnTo>
-                    <a:pt x="708" y="111"/>
-                  </a:lnTo>
-                  <a:lnTo>
-                    <a:pt x="623" y="75"/>
-                  </a:lnTo>
-                  <a:lnTo>
-                    <a:pt x="536" y="46"/>
-                  </a:lnTo>
-                  <a:lnTo>
-                    <a:pt x="445" y="25"/>
-                  </a:lnTo>
-                  <a:lnTo>
-                    <a:pt x="351" y="9"/>
-                  </a:lnTo>
-                  <a:lnTo>
-                    <a:pt x="256" y="2"/>
-                  </a:lnTo>
-                  <a:lnTo>
-                    <a:pt x="207" y="0"/>
-                  </a:lnTo>
-                  <a:lnTo>
-                    <a:pt x="154" y="2"/>
-                  </a:lnTo>
-                  <a:lnTo>
-                    <a:pt x="50" y="10"/>
-                  </a:lnTo>
-                  <a:lnTo>
-                    <a:pt x="0" y="19"/>
-                  </a:lnTo>
-                  <a:lnTo>
-                    <a:pt x="79" y="35"/>
-                  </a:lnTo>
-                  <a:lnTo>
-                    <a:pt x="232" y="84"/>
-                  </a:lnTo>
-                  <a:lnTo>
-                    <a:pt x="374" y="151"/>
-                  </a:lnTo>
-                  <a:lnTo>
-                    <a:pt x="507" y="238"/>
-                  </a:lnTo>
-                  <a:lnTo>
-                    <a:pt x="625" y="340"/>
-                  </a:lnTo>
-                  <a:lnTo>
-                    <a:pt x="729" y="455"/>
-                  </a:lnTo>
-                  <a:lnTo>
-                    <a:pt x="818" y="585"/>
-                  </a:lnTo>
-                  <a:lnTo>
-                    <a:pt x="888" y="726"/>
-                  </a:lnTo>
-                  <a:lnTo>
-                    <a:pt x="916" y="801"/>
-                  </a:lnTo>
-                  <a:lnTo>
-                    <a:pt x="926" y="824"/>
-                  </a:lnTo>
-                  <a:lnTo>
-                    <a:pt x="955" y="861"/>
-                  </a:lnTo>
-                  <a:lnTo>
-                    <a:pt x="994" y="887"/>
-                  </a:lnTo>
-                  <a:lnTo>
-                    <a:pt x="1040" y="899"/>
-                  </a:lnTo>
-                  <a:lnTo>
-                    <a:pt x="1063" y="899"/>
-                  </a:lnTo>
-                  <a:lnTo>
-                    <a:pt x="1099" y="896"/>
-                  </a:lnTo>
-                  <a:lnTo>
-                    <a:pt x="1174" y="896"/>
-                  </a:lnTo>
-                  <a:lnTo>
-                    <a:pt x="1211" y="899"/>
-                  </a:lnTo>
-                  <a:lnTo>
-                    <a:pt x="1276" y="907"/>
-                  </a:lnTo>
-                  <a:lnTo>
-                    <a:pt x="1403" y="945"/>
-                  </a:lnTo>
-                  <a:lnTo>
-                    <a:pt x="1518" y="1001"/>
-                  </a:lnTo>
-                  <a:lnTo>
-                    <a:pt x="1620" y="1077"/>
-                  </a:lnTo>
-                  <a:lnTo>
-                    <a:pt x="1709" y="1168"/>
-                  </a:lnTo>
-                  <a:lnTo>
-                    <a:pt x="1781" y="1275"/>
-                  </a:lnTo>
-                  <a:lnTo>
-                    <a:pt x="1835" y="1391"/>
-                  </a:lnTo>
-                  <a:lnTo>
-                    <a:pt x="1868" y="1518"/>
-                  </a:lnTo>
-                  <a:lnTo>
-                    <a:pt x="1873" y="1584"/>
-                  </a:lnTo>
-                  <a:lnTo>
-                    <a:pt x="1876" y="1625"/>
-                  </a:lnTo>
-                  <a:lnTo>
-                    <a:pt x="1873" y="1704"/>
-                  </a:lnTo>
-                  <a:lnTo>
-                    <a:pt x="1862" y="1782"/>
-                  </a:lnTo>
-                  <a:lnTo>
-                    <a:pt x="1845" y="1857"/>
-                  </a:lnTo>
-                  <a:lnTo>
-                    <a:pt x="1819" y="1929"/>
-                  </a:lnTo>
-                  <a:lnTo>
-                    <a:pt x="1786" y="1996"/>
-                  </a:lnTo>
-                  <a:lnTo>
-                    <a:pt x="1745" y="2061"/>
-                  </a:lnTo>
-                  <a:lnTo>
-                    <a:pt x="1701" y="2120"/>
-                  </a:lnTo>
-                  <a:lnTo>
-                    <a:pt x="1650" y="2175"/>
-                  </a:lnTo>
-                  <a:lnTo>
-                    <a:pt x="1594" y="2225"/>
-                  </a:lnTo>
-                  <a:lnTo>
-                    <a:pt x="1534" y="2268"/>
-                  </a:lnTo>
-                  <a:lnTo>
-                    <a:pt x="1467" y="2306"/>
-                  </a:lnTo>
-                  <a:lnTo>
-                    <a:pt x="1398" y="2338"/>
-                  </a:lnTo>
-                  <a:lnTo>
-                    <a:pt x="1326" y="2361"/>
-                  </a:lnTo>
-                  <a:lnTo>
-                    <a:pt x="1251" y="2378"/>
-                  </a:lnTo>
-                  <a:lnTo>
-                    <a:pt x="1172" y="2385"/>
-                  </a:lnTo>
-                  <a:lnTo>
-                    <a:pt x="1133" y="2387"/>
-                  </a:lnTo>
-                  <a:lnTo>
-                    <a:pt x="1547" y="2387"/>
-                  </a:lnTo>
-                  <a:lnTo>
-                    <a:pt x="1587" y="2385"/>
-                  </a:lnTo>
-                  <a:lnTo>
-                    <a:pt x="1665" y="2378"/>
-                  </a:lnTo>
-                  <a:lnTo>
-                    <a:pt x="1741" y="2361"/>
-                  </a:lnTo>
-                  <a:lnTo>
-                    <a:pt x="1813" y="2338"/>
-                  </a:lnTo>
-                  <a:lnTo>
-                    <a:pt x="1882" y="2306"/>
-                  </a:lnTo>
-                  <a:lnTo>
-                    <a:pt x="1947" y="2268"/>
-                  </a:lnTo>
-                  <a:lnTo>
-                    <a:pt x="2007" y="2225"/>
-                  </a:lnTo>
-                  <a:lnTo>
-                    <a:pt x="2064" y="2175"/>
-                  </a:lnTo>
-                  <a:lnTo>
-                    <a:pt x="2115" y="2120"/>
-                  </a:lnTo>
-                  <a:lnTo>
-                    <a:pt x="2160" y="2061"/>
-                  </a:lnTo>
-                  <a:lnTo>
-                    <a:pt x="2199" y="1996"/>
-                  </a:lnTo>
-                  <a:lnTo>
-                    <a:pt x="2232" y="1929"/>
-                  </a:lnTo>
-                  <a:lnTo>
-                    <a:pt x="2258" y="1857"/>
-                  </a:lnTo>
-                  <a:lnTo>
-                    <a:pt x="2277" y="1782"/>
-                  </a:lnTo>
-                  <a:lnTo>
-                    <a:pt x="2288" y="1704"/>
-                  </a:lnTo>
-                  <a:lnTo>
-                    <a:pt x="2290" y="1625"/>
-                  </a:lnTo>
-                  <a:lnTo>
-                    <a:pt x="2288" y="1584"/>
-                  </a:lnTo>
-                  <a:close/>
-                </a:path>
-              </a:pathLst>
-            </a:custGeom>
-            <a:solidFill>
-              <a:srgbClr val="DDEAFB"/>
-            </a:solidFill>
-            <a:ln>
-              <a:noFill/>
-            </a:ln>
-            <a:extLst>
-              <a:ext uri="{91240B29-F687-4F45-9708-019B960494DF}">
-                <a14:hiddenLine xmlns:a14="http://schemas.microsoft.com/office/drawing/2010/main" w="9525">
-                  <a:solidFill>
-                    <a:srgbClr val="000000"/>
-                  </a:solidFill>
-                  <a:round/>
-                  <a:headEnd/>
-                  <a:tailEnd/>
-                </a14:hiddenLine>
-              </a:ext>
-            </a:extLst>
-          </p:spPr>
-          <p:txBody>
-            <a:bodyPr vert="horz" wrap="square" lIns="91440" tIns="45720" rIns="91440" bIns="45720" numCol="1" anchor="t" anchorCtr="0" compatLnSpc="1">
-              <a:prstTxWarp prst="textNoShape">
-                <a:avLst/>
-              </a:prstTxWarp>
-            </a:bodyPr>
-            <a:lstStyle/>
-            <a:p>
-              <a:endParaRPr lang="ko-KR" altLang="en-US">
-                <a:solidFill>
-                  <a:prstClr val="black"/>
-                </a:solidFill>
-              </a:endParaRPr>
-            </a:p>
-          </p:txBody>
-        </p:sp>
-        <p:sp>
-          <p:nvSpPr>
-            <p:cNvPr id="15" name="Freeform 12"/>
-            <p:cNvSpPr>
-              <a:spLocks/>
-            </p:cNvSpPr>
-            <p:nvPr/>
-          </p:nvSpPr>
-          <p:spPr bwMode="auto">
-            <a:xfrm>
-              <a:off x="4566" y="2680"/>
-              <a:ext cx="765" cy="795"/>
-            </a:xfrm>
-            <a:custGeom>
-              <a:avLst/>
-              <a:gdLst>
-                <a:gd name="T0" fmla="*/ 1393 w 2295"/>
-                <a:gd name="T1" fmla="*/ 596 h 2387"/>
-                <a:gd name="T2" fmla="*/ 1294 w 2295"/>
-                <a:gd name="T3" fmla="*/ 581 h 2387"/>
-                <a:gd name="T4" fmla="*/ 1181 w 2295"/>
-                <a:gd name="T5" fmla="*/ 507 h 2387"/>
-                <a:gd name="T6" fmla="*/ 1118 w 2295"/>
-                <a:gd name="T7" fmla="*/ 426 h 2387"/>
-                <a:gd name="T8" fmla="*/ 922 w 2295"/>
-                <a:gd name="T9" fmla="*/ 239 h 2387"/>
-                <a:gd name="T10" fmla="*/ 687 w 2295"/>
-                <a:gd name="T11" fmla="*/ 101 h 2387"/>
-                <a:gd name="T12" fmla="*/ 421 w 2295"/>
-                <a:gd name="T13" fmla="*/ 19 h 2387"/>
-                <a:gd name="T14" fmla="*/ 206 w 2295"/>
-                <a:gd name="T15" fmla="*/ 0 h 2387"/>
-                <a:gd name="T16" fmla="*/ 51 w 2295"/>
-                <a:gd name="T17" fmla="*/ 10 h 2387"/>
-                <a:gd name="T18" fmla="*/ 57 w 2295"/>
-                <a:gd name="T19" fmla="*/ 29 h 2387"/>
-                <a:gd name="T20" fmla="*/ 273 w 2295"/>
-                <a:gd name="T21" fmla="*/ 101 h 2387"/>
-                <a:gd name="T22" fmla="*/ 467 w 2295"/>
-                <a:gd name="T23" fmla="*/ 210 h 2387"/>
-                <a:gd name="T24" fmla="*/ 637 w 2295"/>
-                <a:gd name="T25" fmla="*/ 353 h 2387"/>
-                <a:gd name="T26" fmla="*/ 746 w 2295"/>
-                <a:gd name="T27" fmla="*/ 480 h 2387"/>
-                <a:gd name="T28" fmla="*/ 820 w 2295"/>
-                <a:gd name="T29" fmla="*/ 550 h 2387"/>
-                <a:gd name="T30" fmla="*/ 945 w 2295"/>
-                <a:gd name="T31" fmla="*/ 596 h 2387"/>
-                <a:gd name="T32" fmla="*/ 985 w 2295"/>
-                <a:gd name="T33" fmla="*/ 596 h 2387"/>
-                <a:gd name="T34" fmla="*/ 1124 w 2295"/>
-                <a:gd name="T35" fmla="*/ 608 h 2387"/>
-                <a:gd name="T36" fmla="*/ 1297 w 2295"/>
-                <a:gd name="T37" fmla="*/ 653 h 2387"/>
-                <a:gd name="T38" fmla="*/ 1454 w 2295"/>
-                <a:gd name="T39" fmla="*/ 729 h 2387"/>
-                <a:gd name="T40" fmla="*/ 1592 w 2295"/>
-                <a:gd name="T41" fmla="*/ 834 h 2387"/>
-                <a:gd name="T42" fmla="*/ 1707 w 2295"/>
-                <a:gd name="T43" fmla="*/ 964 h 2387"/>
-                <a:gd name="T44" fmla="*/ 1796 w 2295"/>
-                <a:gd name="T45" fmla="*/ 1113 h 2387"/>
-                <a:gd name="T46" fmla="*/ 1855 w 2295"/>
-                <a:gd name="T47" fmla="*/ 1280 h 2387"/>
-                <a:gd name="T48" fmla="*/ 1880 w 2295"/>
-                <a:gd name="T49" fmla="*/ 1461 h 2387"/>
-                <a:gd name="T50" fmla="*/ 1878 w 2295"/>
-                <a:gd name="T51" fmla="*/ 1553 h 2387"/>
-                <a:gd name="T52" fmla="*/ 1848 w 2295"/>
-                <a:gd name="T53" fmla="*/ 1728 h 2387"/>
-                <a:gd name="T54" fmla="*/ 1785 w 2295"/>
-                <a:gd name="T55" fmla="*/ 1891 h 2387"/>
-                <a:gd name="T56" fmla="*/ 1693 w 2295"/>
-                <a:gd name="T57" fmla="*/ 2035 h 2387"/>
-                <a:gd name="T58" fmla="*/ 1575 w 2295"/>
-                <a:gd name="T59" fmla="*/ 2160 h 2387"/>
-                <a:gd name="T60" fmla="*/ 1435 w 2295"/>
-                <a:gd name="T61" fmla="*/ 2261 h 2387"/>
-                <a:gd name="T62" fmla="*/ 1278 w 2295"/>
-                <a:gd name="T63" fmla="*/ 2333 h 2387"/>
-                <a:gd name="T64" fmla="*/ 1106 w 2295"/>
-                <a:gd name="T65" fmla="*/ 2377 h 2387"/>
-                <a:gd name="T66" fmla="*/ 971 w 2295"/>
-                <a:gd name="T67" fmla="*/ 2387 h 2387"/>
-                <a:gd name="T68" fmla="*/ 1430 w 2295"/>
-                <a:gd name="T69" fmla="*/ 2385 h 2387"/>
-                <a:gd name="T70" fmla="*/ 1608 w 2295"/>
-                <a:gd name="T71" fmla="*/ 2359 h 2387"/>
-                <a:gd name="T72" fmla="*/ 1773 w 2295"/>
-                <a:gd name="T73" fmla="*/ 2302 h 2387"/>
-                <a:gd name="T74" fmla="*/ 1922 w 2295"/>
-                <a:gd name="T75" fmla="*/ 2214 h 2387"/>
-                <a:gd name="T76" fmla="*/ 2051 w 2295"/>
-                <a:gd name="T77" fmla="*/ 2100 h 2387"/>
-                <a:gd name="T78" fmla="*/ 2156 w 2295"/>
-                <a:gd name="T79" fmla="*/ 1966 h 2387"/>
-                <a:gd name="T80" fmla="*/ 2234 w 2295"/>
-                <a:gd name="T81" fmla="*/ 1812 h 2387"/>
-                <a:gd name="T82" fmla="*/ 2282 w 2295"/>
-                <a:gd name="T83" fmla="*/ 1642 h 2387"/>
-                <a:gd name="T84" fmla="*/ 2295 w 2295"/>
-                <a:gd name="T85" fmla="*/ 1507 h 2387"/>
-                <a:gd name="T86" fmla="*/ 2286 w 2295"/>
-                <a:gd name="T87" fmla="*/ 1368 h 2387"/>
-                <a:gd name="T88" fmla="*/ 2244 w 2295"/>
-                <a:gd name="T89" fmla="*/ 1194 h 2387"/>
-                <a:gd name="T90" fmla="*/ 2169 w 2295"/>
-                <a:gd name="T91" fmla="*/ 1036 h 2387"/>
-                <a:gd name="T92" fmla="*/ 2067 w 2295"/>
-                <a:gd name="T93" fmla="*/ 896 h 2387"/>
-                <a:gd name="T94" fmla="*/ 1939 w 2295"/>
-                <a:gd name="T95" fmla="*/ 778 h 2387"/>
-                <a:gd name="T96" fmla="*/ 1791 w 2295"/>
-                <a:gd name="T97" fmla="*/ 687 h 2387"/>
-                <a:gd name="T98" fmla="*/ 1625 w 2295"/>
-                <a:gd name="T99" fmla="*/ 625 h 2387"/>
-                <a:gd name="T100" fmla="*/ 1446 w 2295"/>
-                <a:gd name="T101" fmla="*/ 598 h 2387"/>
-              </a:gdLst>
-              <a:ahLst/>
-              <a:cxnLst>
-                <a:cxn ang="0">
-                  <a:pos x="T0" y="T1"/>
-                </a:cxn>
-                <a:cxn ang="0">
-                  <a:pos x="T2" y="T3"/>
-                </a:cxn>
-                <a:cxn ang="0">
-                  <a:pos x="T4" y="T5"/>
-                </a:cxn>
-                <a:cxn ang="0">
-                  <a:pos x="T6" y="T7"/>
-                </a:cxn>
-                <a:cxn ang="0">
-                  <a:pos x="T8" y="T9"/>
-                </a:cxn>
-                <a:cxn ang="0">
-                  <a:pos x="T10" y="T11"/>
-                </a:cxn>
-                <a:cxn ang="0">
-                  <a:pos x="T12" y="T13"/>
-                </a:cxn>
-                <a:cxn ang="0">
-                  <a:pos x="T14" y="T15"/>
-                </a:cxn>
-                <a:cxn ang="0">
-                  <a:pos x="T16" y="T17"/>
-                </a:cxn>
-                <a:cxn ang="0">
-                  <a:pos x="T18" y="T19"/>
-                </a:cxn>
-                <a:cxn ang="0">
-                  <a:pos x="T20" y="T21"/>
-                </a:cxn>
-                <a:cxn ang="0">
-                  <a:pos x="T22" y="T23"/>
-                </a:cxn>
-                <a:cxn ang="0">
-                  <a:pos x="T24" y="T25"/>
-                </a:cxn>
-                <a:cxn ang="0">
-                  <a:pos x="T26" y="T27"/>
-                </a:cxn>
-                <a:cxn ang="0">
-                  <a:pos x="T28" y="T29"/>
-                </a:cxn>
-                <a:cxn ang="0">
-                  <a:pos x="T30" y="T31"/>
-                </a:cxn>
-                <a:cxn ang="0">
-                  <a:pos x="T32" y="T33"/>
-                </a:cxn>
-                <a:cxn ang="0">
-                  <a:pos x="T34" y="T35"/>
-                </a:cxn>
-                <a:cxn ang="0">
-                  <a:pos x="T36" y="T37"/>
-                </a:cxn>
-                <a:cxn ang="0">
-                  <a:pos x="T38" y="T39"/>
-                </a:cxn>
-                <a:cxn ang="0">
-                  <a:pos x="T40" y="T41"/>
-                </a:cxn>
-                <a:cxn ang="0">
-                  <a:pos x="T42" y="T43"/>
-                </a:cxn>
-                <a:cxn ang="0">
-                  <a:pos x="T44" y="T45"/>
-                </a:cxn>
-                <a:cxn ang="0">
-                  <a:pos x="T46" y="T47"/>
-                </a:cxn>
-                <a:cxn ang="0">
-                  <a:pos x="T48" y="T49"/>
-                </a:cxn>
-                <a:cxn ang="0">
-                  <a:pos x="T50" y="T51"/>
-                </a:cxn>
-                <a:cxn ang="0">
-                  <a:pos x="T52" y="T53"/>
-                </a:cxn>
-                <a:cxn ang="0">
-                  <a:pos x="T54" y="T55"/>
-                </a:cxn>
-                <a:cxn ang="0">
-                  <a:pos x="T56" y="T57"/>
-                </a:cxn>
-                <a:cxn ang="0">
-                  <a:pos x="T58" y="T59"/>
-                </a:cxn>
-                <a:cxn ang="0">
-                  <a:pos x="T60" y="T61"/>
-                </a:cxn>
-                <a:cxn ang="0">
-                  <a:pos x="T62" y="T63"/>
-                </a:cxn>
-                <a:cxn ang="0">
-                  <a:pos x="T64" y="T65"/>
-                </a:cxn>
-                <a:cxn ang="0">
-                  <a:pos x="T66" y="T67"/>
-                </a:cxn>
-                <a:cxn ang="0">
-                  <a:pos x="T68" y="T69"/>
-                </a:cxn>
-                <a:cxn ang="0">
-                  <a:pos x="T70" y="T71"/>
-                </a:cxn>
-                <a:cxn ang="0">
-                  <a:pos x="T72" y="T73"/>
-                </a:cxn>
-                <a:cxn ang="0">
-                  <a:pos x="T74" y="T75"/>
-                </a:cxn>
-                <a:cxn ang="0">
-                  <a:pos x="T76" y="T77"/>
-                </a:cxn>
-                <a:cxn ang="0">
-                  <a:pos x="T78" y="T79"/>
-                </a:cxn>
-                <a:cxn ang="0">
-                  <a:pos x="T80" y="T81"/>
-                </a:cxn>
-                <a:cxn ang="0">
-                  <a:pos x="T82" y="T83"/>
-                </a:cxn>
-                <a:cxn ang="0">
-                  <a:pos x="T84" y="T85"/>
-                </a:cxn>
-                <a:cxn ang="0">
-                  <a:pos x="T86" y="T87"/>
-                </a:cxn>
-                <a:cxn ang="0">
-                  <a:pos x="T88" y="T89"/>
-                </a:cxn>
-                <a:cxn ang="0">
-                  <a:pos x="T90" y="T91"/>
-                </a:cxn>
-                <a:cxn ang="0">
-                  <a:pos x="T92" y="T93"/>
-                </a:cxn>
-                <a:cxn ang="0">
-                  <a:pos x="T94" y="T95"/>
-                </a:cxn>
-                <a:cxn ang="0">
-                  <a:pos x="T96" y="T97"/>
-                </a:cxn>
-                <a:cxn ang="0">
-                  <a:pos x="T98" y="T99"/>
-                </a:cxn>
-                <a:cxn ang="0">
-                  <a:pos x="T100" y="T101"/>
-                </a:cxn>
-              </a:cxnLst>
-              <a:rect l="0" t="0" r="r" b="b"/>
-              <a:pathLst>
-                <a:path w="2295" h="2387">
-                  <a:moveTo>
-                    <a:pt x="1399" y="596"/>
-                  </a:moveTo>
-                  <a:lnTo>
-                    <a:pt x="1393" y="596"/>
-                  </a:lnTo>
-                  <a:lnTo>
-                    <a:pt x="1360" y="596"/>
-                  </a:lnTo>
-                  <a:lnTo>
-                    <a:pt x="1294" y="581"/>
-                  </a:lnTo>
-                  <a:lnTo>
-                    <a:pt x="1233" y="550"/>
-                  </a:lnTo>
-                  <a:lnTo>
-                    <a:pt x="1181" y="507"/>
-                  </a:lnTo>
-                  <a:lnTo>
-                    <a:pt x="1160" y="480"/>
-                  </a:lnTo>
-                  <a:lnTo>
-                    <a:pt x="1118" y="426"/>
-                  </a:lnTo>
-                  <a:lnTo>
-                    <a:pt x="1026" y="327"/>
-                  </a:lnTo>
-                  <a:lnTo>
-                    <a:pt x="922" y="239"/>
-                  </a:lnTo>
-                  <a:lnTo>
-                    <a:pt x="808" y="164"/>
-                  </a:lnTo>
-                  <a:lnTo>
-                    <a:pt x="687" y="101"/>
-                  </a:lnTo>
-                  <a:lnTo>
-                    <a:pt x="558" y="52"/>
-                  </a:lnTo>
-                  <a:lnTo>
-                    <a:pt x="421" y="19"/>
-                  </a:lnTo>
-                  <a:lnTo>
-                    <a:pt x="280" y="2"/>
-                  </a:lnTo>
-                  <a:lnTo>
-                    <a:pt x="206" y="0"/>
-                  </a:lnTo>
-                  <a:lnTo>
-                    <a:pt x="153" y="2"/>
-                  </a:lnTo>
-                  <a:lnTo>
-                    <a:pt x="51" y="10"/>
-                  </a:lnTo>
-                  <a:lnTo>
-                    <a:pt x="0" y="19"/>
-                  </a:lnTo>
-                  <a:lnTo>
-                    <a:pt x="57" y="29"/>
-                  </a:lnTo>
-                  <a:lnTo>
-                    <a:pt x="166" y="61"/>
-                  </a:lnTo>
-                  <a:lnTo>
-                    <a:pt x="273" y="101"/>
-                  </a:lnTo>
-                  <a:lnTo>
-                    <a:pt x="372" y="151"/>
-                  </a:lnTo>
-                  <a:lnTo>
-                    <a:pt x="467" y="210"/>
-                  </a:lnTo>
-                  <a:lnTo>
-                    <a:pt x="556" y="278"/>
-                  </a:lnTo>
-                  <a:lnTo>
-                    <a:pt x="637" y="353"/>
-                  </a:lnTo>
-                  <a:lnTo>
-                    <a:pt x="712" y="436"/>
-                  </a:lnTo>
-                  <a:lnTo>
-                    <a:pt x="746" y="480"/>
-                  </a:lnTo>
-                  <a:lnTo>
-                    <a:pt x="768" y="507"/>
-                  </a:lnTo>
-                  <a:lnTo>
-                    <a:pt x="820" y="550"/>
-                  </a:lnTo>
-                  <a:lnTo>
-                    <a:pt x="879" y="581"/>
-                  </a:lnTo>
-                  <a:lnTo>
-                    <a:pt x="945" y="596"/>
-                  </a:lnTo>
-                  <a:lnTo>
-                    <a:pt x="980" y="596"/>
-                  </a:lnTo>
-                  <a:lnTo>
-                    <a:pt x="985" y="596"/>
-                  </a:lnTo>
-                  <a:lnTo>
-                    <a:pt x="1032" y="598"/>
-                  </a:lnTo>
-                  <a:lnTo>
-                    <a:pt x="1124" y="608"/>
-                  </a:lnTo>
-                  <a:lnTo>
-                    <a:pt x="1212" y="625"/>
-                  </a:lnTo>
-                  <a:lnTo>
-                    <a:pt x="1297" y="653"/>
-                  </a:lnTo>
-                  <a:lnTo>
-                    <a:pt x="1377" y="687"/>
-                  </a:lnTo>
-                  <a:lnTo>
-                    <a:pt x="1454" y="729"/>
-                  </a:lnTo>
-                  <a:lnTo>
-                    <a:pt x="1526" y="778"/>
-                  </a:lnTo>
-                  <a:lnTo>
-                    <a:pt x="1592" y="834"/>
-                  </a:lnTo>
-                  <a:lnTo>
-                    <a:pt x="1652" y="896"/>
-                  </a:lnTo>
-                  <a:lnTo>
-                    <a:pt x="1707" y="964"/>
-                  </a:lnTo>
-                  <a:lnTo>
-                    <a:pt x="1756" y="1036"/>
-                  </a:lnTo>
-                  <a:lnTo>
-                    <a:pt x="1796" y="1113"/>
-                  </a:lnTo>
-                  <a:lnTo>
-                    <a:pt x="1829" y="1194"/>
-                  </a:lnTo>
-                  <a:lnTo>
-                    <a:pt x="1855" y="1280"/>
-                  </a:lnTo>
-                  <a:lnTo>
-                    <a:pt x="1873" y="1368"/>
-                  </a:lnTo>
-                  <a:lnTo>
-                    <a:pt x="1880" y="1461"/>
-                  </a:lnTo>
-                  <a:lnTo>
-                    <a:pt x="1880" y="1507"/>
-                  </a:lnTo>
-                  <a:lnTo>
-                    <a:pt x="1878" y="1553"/>
-                  </a:lnTo>
-                  <a:lnTo>
-                    <a:pt x="1868" y="1642"/>
-                  </a:lnTo>
-                  <a:lnTo>
-                    <a:pt x="1848" y="1728"/>
-                  </a:lnTo>
-                  <a:lnTo>
-                    <a:pt x="1821" y="1812"/>
-                  </a:lnTo>
-                  <a:lnTo>
-                    <a:pt x="1785" y="1891"/>
-                  </a:lnTo>
-                  <a:lnTo>
-                    <a:pt x="1742" y="1966"/>
-                  </a:lnTo>
-                  <a:lnTo>
-                    <a:pt x="1693" y="2035"/>
-                  </a:lnTo>
-                  <a:lnTo>
-                    <a:pt x="1636" y="2100"/>
-                  </a:lnTo>
-                  <a:lnTo>
-                    <a:pt x="1575" y="2160"/>
-                  </a:lnTo>
-                  <a:lnTo>
-                    <a:pt x="1507" y="2214"/>
-                  </a:lnTo>
-                  <a:lnTo>
-                    <a:pt x="1435" y="2261"/>
-                  </a:lnTo>
-                  <a:lnTo>
-                    <a:pt x="1358" y="2302"/>
-                  </a:lnTo>
-                  <a:lnTo>
-                    <a:pt x="1278" y="2333"/>
-                  </a:lnTo>
-                  <a:lnTo>
-                    <a:pt x="1194" y="2359"/>
-                  </a:lnTo>
-                  <a:lnTo>
-                    <a:pt x="1106" y="2377"/>
-                  </a:lnTo>
-                  <a:lnTo>
-                    <a:pt x="1017" y="2385"/>
-                  </a:lnTo>
-                  <a:lnTo>
-                    <a:pt x="971" y="2387"/>
-                  </a:lnTo>
-                  <a:lnTo>
-                    <a:pt x="1384" y="2387"/>
-                  </a:lnTo>
-                  <a:lnTo>
-                    <a:pt x="1430" y="2385"/>
-                  </a:lnTo>
-                  <a:lnTo>
-                    <a:pt x="1520" y="2377"/>
-                  </a:lnTo>
-                  <a:lnTo>
-                    <a:pt x="1608" y="2359"/>
-                  </a:lnTo>
-                  <a:lnTo>
-                    <a:pt x="1691" y="2333"/>
-                  </a:lnTo>
-                  <a:lnTo>
-                    <a:pt x="1773" y="2302"/>
-                  </a:lnTo>
-                  <a:lnTo>
-                    <a:pt x="1850" y="2261"/>
-                  </a:lnTo>
-                  <a:lnTo>
-                    <a:pt x="1922" y="2214"/>
-                  </a:lnTo>
-                  <a:lnTo>
-                    <a:pt x="1989" y="2160"/>
-                  </a:lnTo>
-                  <a:lnTo>
-                    <a:pt x="2051" y="2100"/>
-                  </a:lnTo>
-                  <a:lnTo>
-                    <a:pt x="2106" y="2035"/>
-                  </a:lnTo>
-                  <a:lnTo>
-                    <a:pt x="2156" y="1966"/>
-                  </a:lnTo>
-                  <a:lnTo>
-                    <a:pt x="2200" y="1891"/>
-                  </a:lnTo>
-                  <a:lnTo>
-                    <a:pt x="2234" y="1812"/>
-                  </a:lnTo>
-                  <a:lnTo>
-                    <a:pt x="2263" y="1728"/>
-                  </a:lnTo>
-                  <a:lnTo>
-                    <a:pt x="2282" y="1642"/>
-                  </a:lnTo>
-                  <a:lnTo>
-                    <a:pt x="2292" y="1553"/>
-                  </a:lnTo>
-                  <a:lnTo>
-                    <a:pt x="2295" y="1507"/>
-                  </a:lnTo>
-                  <a:lnTo>
-                    <a:pt x="2295" y="1461"/>
-                  </a:lnTo>
-                  <a:lnTo>
-                    <a:pt x="2286" y="1368"/>
-                  </a:lnTo>
-                  <a:lnTo>
-                    <a:pt x="2269" y="1280"/>
-                  </a:lnTo>
-                  <a:lnTo>
-                    <a:pt x="2244" y="1194"/>
-                  </a:lnTo>
-                  <a:lnTo>
-                    <a:pt x="2211" y="1113"/>
-                  </a:lnTo>
-                  <a:lnTo>
-                    <a:pt x="2169" y="1036"/>
-                  </a:lnTo>
-                  <a:lnTo>
-                    <a:pt x="2122" y="964"/>
-                  </a:lnTo>
-                  <a:lnTo>
-                    <a:pt x="2067" y="896"/>
-                  </a:lnTo>
-                  <a:lnTo>
-                    <a:pt x="2007" y="834"/>
-                  </a:lnTo>
-                  <a:lnTo>
-                    <a:pt x="1939" y="778"/>
-                  </a:lnTo>
-                  <a:lnTo>
-                    <a:pt x="1868" y="729"/>
-                  </a:lnTo>
-                  <a:lnTo>
-                    <a:pt x="1791" y="687"/>
-                  </a:lnTo>
-                  <a:lnTo>
-                    <a:pt x="1710" y="653"/>
-                  </a:lnTo>
-                  <a:lnTo>
-                    <a:pt x="1625" y="625"/>
-                  </a:lnTo>
-                  <a:lnTo>
-                    <a:pt x="1537" y="608"/>
-                  </a:lnTo>
-                  <a:lnTo>
-                    <a:pt x="1446" y="598"/>
-                  </a:lnTo>
-                  <a:lnTo>
-                    <a:pt x="1399" y="596"/>
-                  </a:lnTo>
-                  <a:close/>
-                </a:path>
-              </a:pathLst>
-            </a:custGeom>
-            <a:solidFill>
-              <a:srgbClr val="DDEAFB"/>
-            </a:solidFill>
-            <a:ln>
-              <a:noFill/>
-            </a:ln>
-            <a:extLst>
-              <a:ext uri="{91240B29-F687-4F45-9708-019B960494DF}">
-                <a14:hiddenLine xmlns:a14="http://schemas.microsoft.com/office/drawing/2010/main" w="9525">
-                  <a:solidFill>
-                    <a:srgbClr val="000000"/>
-                  </a:solidFill>
-                  <a:round/>
-                  <a:headEnd/>
-                  <a:tailEnd/>
-                </a14:hiddenLine>
-              </a:ext>
-            </a:extLst>
-          </p:spPr>
-          <p:txBody>
-            <a:bodyPr vert="horz" wrap="square" lIns="91440" tIns="45720" rIns="91440" bIns="45720" numCol="1" anchor="t" anchorCtr="0" compatLnSpc="1">
-              <a:prstTxWarp prst="textNoShape">
-                <a:avLst/>
-              </a:prstTxWarp>
-            </a:bodyPr>
-            <a:lstStyle/>
-            <a:p>
-              <a:endParaRPr lang="ko-KR" altLang="en-US">
-                <a:solidFill>
-                  <a:prstClr val="black"/>
-                </a:solidFill>
-              </a:endParaRPr>
-            </a:p>
-          </p:txBody>
-        </p:sp>
-        <p:sp>
-          <p:nvSpPr>
-            <p:cNvPr id="16" name="Freeform 13"/>
-            <p:cNvSpPr>
-              <a:spLocks/>
-            </p:cNvSpPr>
-            <p:nvPr/>
-          </p:nvSpPr>
-          <p:spPr bwMode="auto">
-            <a:xfrm>
-              <a:off x="4690" y="2818"/>
-              <a:ext cx="388" cy="404"/>
-            </a:xfrm>
-            <a:custGeom>
-              <a:avLst/>
-              <a:gdLst>
-                <a:gd name="T0" fmla="*/ 1165 w 1165"/>
-                <a:gd name="T1" fmla="*/ 192 h 1210"/>
-                <a:gd name="T2" fmla="*/ 1097 w 1165"/>
-                <a:gd name="T3" fmla="*/ 183 h 1210"/>
-                <a:gd name="T4" fmla="*/ 1027 w 1165"/>
-                <a:gd name="T5" fmla="*/ 180 h 1210"/>
-                <a:gd name="T6" fmla="*/ 1024 w 1165"/>
-                <a:gd name="T7" fmla="*/ 180 h 1210"/>
-                <a:gd name="T8" fmla="*/ 1021 w 1165"/>
-                <a:gd name="T9" fmla="*/ 180 h 1210"/>
-                <a:gd name="T10" fmla="*/ 986 w 1165"/>
-                <a:gd name="T11" fmla="*/ 180 h 1210"/>
-                <a:gd name="T12" fmla="*/ 922 w 1165"/>
-                <a:gd name="T13" fmla="*/ 165 h 1210"/>
-                <a:gd name="T14" fmla="*/ 861 w 1165"/>
-                <a:gd name="T15" fmla="*/ 134 h 1210"/>
-                <a:gd name="T16" fmla="*/ 809 w 1165"/>
-                <a:gd name="T17" fmla="*/ 91 h 1210"/>
-                <a:gd name="T18" fmla="*/ 788 w 1165"/>
-                <a:gd name="T19" fmla="*/ 64 h 1210"/>
-                <a:gd name="T20" fmla="*/ 763 w 1165"/>
-                <a:gd name="T21" fmla="*/ 32 h 1210"/>
-                <a:gd name="T22" fmla="*/ 737 w 1165"/>
-                <a:gd name="T23" fmla="*/ 0 h 1210"/>
-                <a:gd name="T24" fmla="*/ 657 w 1165"/>
-                <a:gd name="T25" fmla="*/ 33 h 1210"/>
-                <a:gd name="T26" fmla="*/ 508 w 1165"/>
-                <a:gd name="T27" fmla="*/ 118 h 1210"/>
-                <a:gd name="T28" fmla="*/ 374 w 1165"/>
-                <a:gd name="T29" fmla="*/ 225 h 1210"/>
-                <a:gd name="T30" fmla="*/ 258 w 1165"/>
-                <a:gd name="T31" fmla="*/ 349 h 1210"/>
-                <a:gd name="T32" fmla="*/ 160 w 1165"/>
-                <a:gd name="T33" fmla="*/ 489 h 1210"/>
-                <a:gd name="T34" fmla="*/ 83 w 1165"/>
-                <a:gd name="T35" fmla="*/ 643 h 1210"/>
-                <a:gd name="T36" fmla="*/ 42 w 1165"/>
-                <a:gd name="T37" fmla="*/ 767 h 1210"/>
-                <a:gd name="T38" fmla="*/ 22 w 1165"/>
-                <a:gd name="T39" fmla="*/ 852 h 1210"/>
-                <a:gd name="T40" fmla="*/ 7 w 1165"/>
-                <a:gd name="T41" fmla="*/ 939 h 1210"/>
-                <a:gd name="T42" fmla="*/ 0 w 1165"/>
-                <a:gd name="T43" fmla="*/ 1030 h 1210"/>
-                <a:gd name="T44" fmla="*/ 0 w 1165"/>
-                <a:gd name="T45" fmla="*/ 1076 h 1210"/>
-                <a:gd name="T46" fmla="*/ 1 w 1165"/>
-                <a:gd name="T47" fmla="*/ 1104 h 1210"/>
-                <a:gd name="T48" fmla="*/ 23 w 1165"/>
-                <a:gd name="T49" fmla="*/ 1151 h 1210"/>
-                <a:gd name="T50" fmla="*/ 59 w 1165"/>
-                <a:gd name="T51" fmla="*/ 1189 h 1210"/>
-                <a:gd name="T52" fmla="*/ 108 w 1165"/>
-                <a:gd name="T53" fmla="*/ 1209 h 1210"/>
-                <a:gd name="T54" fmla="*/ 135 w 1165"/>
-                <a:gd name="T55" fmla="*/ 1210 h 1210"/>
-                <a:gd name="T56" fmla="*/ 163 w 1165"/>
-                <a:gd name="T57" fmla="*/ 1209 h 1210"/>
-                <a:gd name="T58" fmla="*/ 210 w 1165"/>
-                <a:gd name="T59" fmla="*/ 1189 h 1210"/>
-                <a:gd name="T60" fmla="*/ 248 w 1165"/>
-                <a:gd name="T61" fmla="*/ 1151 h 1210"/>
-                <a:gd name="T62" fmla="*/ 268 w 1165"/>
-                <a:gd name="T63" fmla="*/ 1104 h 1210"/>
-                <a:gd name="T64" fmla="*/ 269 w 1165"/>
-                <a:gd name="T65" fmla="*/ 1076 h 1210"/>
-                <a:gd name="T66" fmla="*/ 271 w 1165"/>
-                <a:gd name="T67" fmla="*/ 1030 h 1210"/>
-                <a:gd name="T68" fmla="*/ 279 w 1165"/>
-                <a:gd name="T69" fmla="*/ 941 h 1210"/>
-                <a:gd name="T70" fmla="*/ 298 w 1165"/>
-                <a:gd name="T71" fmla="*/ 854 h 1210"/>
-                <a:gd name="T72" fmla="*/ 324 w 1165"/>
-                <a:gd name="T73" fmla="*/ 772 h 1210"/>
-                <a:gd name="T74" fmla="*/ 357 w 1165"/>
-                <a:gd name="T75" fmla="*/ 693 h 1210"/>
-                <a:gd name="T76" fmla="*/ 397 w 1165"/>
-                <a:gd name="T77" fmla="*/ 618 h 1210"/>
-                <a:gd name="T78" fmla="*/ 445 w 1165"/>
-                <a:gd name="T79" fmla="*/ 548 h 1210"/>
-                <a:gd name="T80" fmla="*/ 500 w 1165"/>
-                <a:gd name="T81" fmla="*/ 481 h 1210"/>
-                <a:gd name="T82" fmla="*/ 560 w 1165"/>
-                <a:gd name="T83" fmla="*/ 422 h 1210"/>
-                <a:gd name="T84" fmla="*/ 625 w 1165"/>
-                <a:gd name="T85" fmla="*/ 368 h 1210"/>
-                <a:gd name="T86" fmla="*/ 696 w 1165"/>
-                <a:gd name="T87" fmla="*/ 320 h 1210"/>
-                <a:gd name="T88" fmla="*/ 770 w 1165"/>
-                <a:gd name="T89" fmla="*/ 278 h 1210"/>
-                <a:gd name="T90" fmla="*/ 850 w 1165"/>
-                <a:gd name="T91" fmla="*/ 245 h 1210"/>
-                <a:gd name="T92" fmla="*/ 933 w 1165"/>
-                <a:gd name="T93" fmla="*/ 219 h 1210"/>
-                <a:gd name="T94" fmla="*/ 1020 w 1165"/>
-                <a:gd name="T95" fmla="*/ 202 h 1210"/>
-                <a:gd name="T96" fmla="*/ 1109 w 1165"/>
-                <a:gd name="T97" fmla="*/ 193 h 1210"/>
-                <a:gd name="T98" fmla="*/ 1154 w 1165"/>
-                <a:gd name="T99" fmla="*/ 192 h 1210"/>
-                <a:gd name="T100" fmla="*/ 1159 w 1165"/>
-                <a:gd name="T101" fmla="*/ 192 h 1210"/>
-                <a:gd name="T102" fmla="*/ 1165 w 1165"/>
-                <a:gd name="T103" fmla="*/ 192 h 1210"/>
-              </a:gdLst>
-              <a:ahLst/>
-              <a:cxnLst>
-                <a:cxn ang="0">
-                  <a:pos x="T0" y="T1"/>
-                </a:cxn>
-                <a:cxn ang="0">
-                  <a:pos x="T2" y="T3"/>
-                </a:cxn>
-                <a:cxn ang="0">
-                  <a:pos x="T4" y="T5"/>
-                </a:cxn>
-                <a:cxn ang="0">
-                  <a:pos x="T6" y="T7"/>
-                </a:cxn>
-                <a:cxn ang="0">
-                  <a:pos x="T8" y="T9"/>
-                </a:cxn>
-                <a:cxn ang="0">
-                  <a:pos x="T10" y="T11"/>
-                </a:cxn>
-                <a:cxn ang="0">
-                  <a:pos x="T12" y="T13"/>
-                </a:cxn>
-                <a:cxn ang="0">
-                  <a:pos x="T14" y="T15"/>
-                </a:cxn>
-                <a:cxn ang="0">
-                  <a:pos x="T16" y="T17"/>
-                </a:cxn>
-                <a:cxn ang="0">
-                  <a:pos x="T18" y="T19"/>
-                </a:cxn>
-                <a:cxn ang="0">
-                  <a:pos x="T20" y="T21"/>
-                </a:cxn>
-                <a:cxn ang="0">
-                  <a:pos x="T22" y="T23"/>
-                </a:cxn>
-                <a:cxn ang="0">
-                  <a:pos x="T24" y="T25"/>
-                </a:cxn>
-                <a:cxn ang="0">
-                  <a:pos x="T26" y="T27"/>
-                </a:cxn>
-                <a:cxn ang="0">
-                  <a:pos x="T28" y="T29"/>
-                </a:cxn>
-                <a:cxn ang="0">
-                  <a:pos x="T30" y="T31"/>
-                </a:cxn>
-                <a:cxn ang="0">
-                  <a:pos x="T32" y="T33"/>
-                </a:cxn>
-                <a:cxn ang="0">
-                  <a:pos x="T34" y="T35"/>
-                </a:cxn>
-                <a:cxn ang="0">
-                  <a:pos x="T36" y="T37"/>
-                </a:cxn>
-                <a:cxn ang="0">
-                  <a:pos x="T38" y="T39"/>
-                </a:cxn>
-                <a:cxn ang="0">
-                  <a:pos x="T40" y="T41"/>
-                </a:cxn>
-                <a:cxn ang="0">
-                  <a:pos x="T42" y="T43"/>
-                </a:cxn>
-                <a:cxn ang="0">
-                  <a:pos x="T44" y="T45"/>
-                </a:cxn>
-                <a:cxn ang="0">
-                  <a:pos x="T46" y="T47"/>
-                </a:cxn>
-                <a:cxn ang="0">
-                  <a:pos x="T48" y="T49"/>
-                </a:cxn>
-                <a:cxn ang="0">
-                  <a:pos x="T50" y="T51"/>
-                </a:cxn>
-                <a:cxn ang="0">
-                  <a:pos x="T52" y="T53"/>
-                </a:cxn>
-                <a:cxn ang="0">
-                  <a:pos x="T54" y="T55"/>
-                </a:cxn>
-                <a:cxn ang="0">
-                  <a:pos x="T56" y="T57"/>
-                </a:cxn>
-                <a:cxn ang="0">
-                  <a:pos x="T58" y="T59"/>
-                </a:cxn>
-                <a:cxn ang="0">
-                  <a:pos x="T60" y="T61"/>
-                </a:cxn>
-                <a:cxn ang="0">
-                  <a:pos x="T62" y="T63"/>
-                </a:cxn>
-                <a:cxn ang="0">
-                  <a:pos x="T64" y="T65"/>
-                </a:cxn>
-                <a:cxn ang="0">
-                  <a:pos x="T66" y="T67"/>
-                </a:cxn>
-                <a:cxn ang="0">
-                  <a:pos x="T68" y="T69"/>
-                </a:cxn>
-                <a:cxn ang="0">
-                  <a:pos x="T70" y="T71"/>
-                </a:cxn>
-                <a:cxn ang="0">
-                  <a:pos x="T72" y="T73"/>
-                </a:cxn>
-                <a:cxn ang="0">
-                  <a:pos x="T74" y="T75"/>
-                </a:cxn>
-                <a:cxn ang="0">
-                  <a:pos x="T76" y="T77"/>
-                </a:cxn>
-                <a:cxn ang="0">
-                  <a:pos x="T78" y="T79"/>
-                </a:cxn>
-                <a:cxn ang="0">
-                  <a:pos x="T80" y="T81"/>
-                </a:cxn>
-                <a:cxn ang="0">
-                  <a:pos x="T82" y="T83"/>
-                </a:cxn>
-                <a:cxn ang="0">
-                  <a:pos x="T84" y="T85"/>
-                </a:cxn>
-                <a:cxn ang="0">
-                  <a:pos x="T86" y="T87"/>
-                </a:cxn>
-                <a:cxn ang="0">
-                  <a:pos x="T88" y="T89"/>
-                </a:cxn>
-                <a:cxn ang="0">
-                  <a:pos x="T90" y="T91"/>
-                </a:cxn>
-                <a:cxn ang="0">
-                  <a:pos x="T92" y="T93"/>
-                </a:cxn>
-                <a:cxn ang="0">
-                  <a:pos x="T94" y="T95"/>
-                </a:cxn>
-                <a:cxn ang="0">
-                  <a:pos x="T96" y="T97"/>
-                </a:cxn>
-                <a:cxn ang="0">
-                  <a:pos x="T98" y="T99"/>
-                </a:cxn>
-                <a:cxn ang="0">
-                  <a:pos x="T100" y="T101"/>
-                </a:cxn>
-                <a:cxn ang="0">
-                  <a:pos x="T102" y="T103"/>
-                </a:cxn>
-              </a:cxnLst>
-              <a:rect l="0" t="0" r="r" b="b"/>
-              <a:pathLst>
-                <a:path w="1165" h="1210">
-                  <a:moveTo>
-                    <a:pt x="1165" y="192"/>
-                  </a:moveTo>
-                  <a:lnTo>
-                    <a:pt x="1097" y="183"/>
-                  </a:lnTo>
-                  <a:lnTo>
-                    <a:pt x="1027" y="180"/>
-                  </a:lnTo>
-                  <a:lnTo>
-                    <a:pt x="1024" y="180"/>
-                  </a:lnTo>
-                  <a:lnTo>
-                    <a:pt x="1021" y="180"/>
-                  </a:lnTo>
-                  <a:lnTo>
-                    <a:pt x="986" y="180"/>
-                  </a:lnTo>
-                  <a:lnTo>
-                    <a:pt x="922" y="165"/>
-                  </a:lnTo>
-                  <a:lnTo>
-                    <a:pt x="861" y="134"/>
-                  </a:lnTo>
-                  <a:lnTo>
-                    <a:pt x="809" y="91"/>
-                  </a:lnTo>
-                  <a:lnTo>
-                    <a:pt x="788" y="64"/>
-                  </a:lnTo>
-                  <a:lnTo>
-                    <a:pt x="763" y="32"/>
-                  </a:lnTo>
-                  <a:lnTo>
-                    <a:pt x="737" y="0"/>
-                  </a:lnTo>
-                  <a:lnTo>
-                    <a:pt x="657" y="33"/>
-                  </a:lnTo>
-                  <a:lnTo>
-                    <a:pt x="508" y="118"/>
-                  </a:lnTo>
-                  <a:lnTo>
-                    <a:pt x="374" y="225"/>
-                  </a:lnTo>
-                  <a:lnTo>
-                    <a:pt x="258" y="349"/>
-                  </a:lnTo>
-                  <a:lnTo>
-                    <a:pt x="160" y="489"/>
-                  </a:lnTo>
-                  <a:lnTo>
-                    <a:pt x="83" y="643"/>
-                  </a:lnTo>
-                  <a:lnTo>
-                    <a:pt x="42" y="767"/>
-                  </a:lnTo>
-                  <a:lnTo>
-                    <a:pt x="22" y="852"/>
-                  </a:lnTo>
-                  <a:lnTo>
-                    <a:pt x="7" y="939"/>
-                  </a:lnTo>
-                  <a:lnTo>
-                    <a:pt x="0" y="1030"/>
-                  </a:lnTo>
-                  <a:lnTo>
-                    <a:pt x="0" y="1076"/>
-                  </a:lnTo>
-                  <a:lnTo>
-                    <a:pt x="1" y="1104"/>
-                  </a:lnTo>
-                  <a:lnTo>
-                    <a:pt x="23" y="1151"/>
-                  </a:lnTo>
-                  <a:lnTo>
-                    <a:pt x="59" y="1189"/>
-                  </a:lnTo>
-                  <a:lnTo>
-                    <a:pt x="108" y="1209"/>
-                  </a:lnTo>
-                  <a:lnTo>
-                    <a:pt x="135" y="1210"/>
-                  </a:lnTo>
-                  <a:lnTo>
-                    <a:pt x="163" y="1209"/>
-                  </a:lnTo>
-                  <a:lnTo>
-                    <a:pt x="210" y="1189"/>
-                  </a:lnTo>
-                  <a:lnTo>
-                    <a:pt x="248" y="1151"/>
-                  </a:lnTo>
-                  <a:lnTo>
-                    <a:pt x="268" y="1104"/>
-                  </a:lnTo>
-                  <a:lnTo>
-                    <a:pt x="269" y="1076"/>
-                  </a:lnTo>
-                  <a:lnTo>
-                    <a:pt x="271" y="1030"/>
-                  </a:lnTo>
-                  <a:lnTo>
-                    <a:pt x="279" y="941"/>
-                  </a:lnTo>
-                  <a:lnTo>
-                    <a:pt x="298" y="854"/>
-                  </a:lnTo>
-                  <a:lnTo>
-                    <a:pt x="324" y="772"/>
-                  </a:lnTo>
-                  <a:lnTo>
-                    <a:pt x="357" y="693"/>
-                  </a:lnTo>
-                  <a:lnTo>
-                    <a:pt x="397" y="618"/>
-                  </a:lnTo>
-                  <a:lnTo>
-                    <a:pt x="445" y="548"/>
-                  </a:lnTo>
-                  <a:lnTo>
-                    <a:pt x="500" y="481"/>
-                  </a:lnTo>
-                  <a:lnTo>
-                    <a:pt x="560" y="422"/>
-                  </a:lnTo>
-                  <a:lnTo>
-                    <a:pt x="625" y="368"/>
-                  </a:lnTo>
-                  <a:lnTo>
-                    <a:pt x="696" y="320"/>
-                  </a:lnTo>
-                  <a:lnTo>
-                    <a:pt x="770" y="278"/>
-                  </a:lnTo>
-                  <a:lnTo>
-                    <a:pt x="850" y="245"/>
-                  </a:lnTo>
-                  <a:lnTo>
-                    <a:pt x="933" y="219"/>
-                  </a:lnTo>
-                  <a:lnTo>
-                    <a:pt x="1020" y="202"/>
-                  </a:lnTo>
-                  <a:lnTo>
-                    <a:pt x="1109" y="193"/>
-                  </a:lnTo>
-                  <a:lnTo>
-                    <a:pt x="1154" y="192"/>
-                  </a:lnTo>
-                  <a:lnTo>
-                    <a:pt x="1159" y="192"/>
-                  </a:lnTo>
-                  <a:lnTo>
-                    <a:pt x="1165" y="192"/>
-                  </a:lnTo>
-                  <a:close/>
-                </a:path>
-              </a:pathLst>
-            </a:custGeom>
-            <a:solidFill>
-              <a:srgbClr val="DDEAFB"/>
-            </a:solidFill>
-            <a:ln>
-              <a:noFill/>
-            </a:ln>
-            <a:extLst>
-              <a:ext uri="{91240B29-F687-4F45-9708-019B960494DF}">
-                <a14:hiddenLine xmlns:a14="http://schemas.microsoft.com/office/drawing/2010/main" w="9525">
-                  <a:solidFill>
-                    <a:srgbClr val="000000"/>
-                  </a:solidFill>
-                  <a:round/>
-                  <a:headEnd/>
-                  <a:tailEnd/>
-                </a14:hiddenLine>
-              </a:ext>
-            </a:extLst>
-          </p:spPr>
-          <p:txBody>
-            <a:bodyPr vert="horz" wrap="square" lIns="91440" tIns="45720" rIns="91440" bIns="45720" numCol="1" anchor="t" anchorCtr="0" compatLnSpc="1">
-              <a:prstTxWarp prst="textNoShape">
-                <a:avLst/>
-              </a:prstTxWarp>
-            </a:bodyPr>
-            <a:lstStyle/>
-            <a:p>
-              <a:endParaRPr lang="ko-KR" altLang="en-US">
-                <a:solidFill>
-                  <a:prstClr val="black"/>
-                </a:solidFill>
-              </a:endParaRPr>
-            </a:p>
-          </p:txBody>
-        </p:sp>
-        <p:sp>
-          <p:nvSpPr>
-            <p:cNvPr id="17" name="Freeform 14"/>
-            <p:cNvSpPr>
-              <a:spLocks/>
-            </p:cNvSpPr>
-            <p:nvPr/>
-          </p:nvSpPr>
-          <p:spPr bwMode="auto">
-            <a:xfrm>
-              <a:off x="2648" y="2815"/>
-              <a:ext cx="343" cy="407"/>
-            </a:xfrm>
-            <a:custGeom>
-              <a:avLst/>
-              <a:gdLst>
-                <a:gd name="T0" fmla="*/ 757 w 1027"/>
-                <a:gd name="T1" fmla="*/ 1087 h 1221"/>
-                <a:gd name="T2" fmla="*/ 759 w 1027"/>
-                <a:gd name="T3" fmla="*/ 1115 h 1221"/>
-                <a:gd name="T4" fmla="*/ 779 w 1027"/>
-                <a:gd name="T5" fmla="*/ 1162 h 1221"/>
-                <a:gd name="T6" fmla="*/ 816 w 1027"/>
-                <a:gd name="T7" fmla="*/ 1200 h 1221"/>
-                <a:gd name="T8" fmla="*/ 864 w 1027"/>
-                <a:gd name="T9" fmla="*/ 1220 h 1221"/>
-                <a:gd name="T10" fmla="*/ 891 w 1027"/>
-                <a:gd name="T11" fmla="*/ 1221 h 1221"/>
-                <a:gd name="T12" fmla="*/ 919 w 1027"/>
-                <a:gd name="T13" fmla="*/ 1220 h 1221"/>
-                <a:gd name="T14" fmla="*/ 967 w 1027"/>
-                <a:gd name="T15" fmla="*/ 1200 h 1221"/>
-                <a:gd name="T16" fmla="*/ 1003 w 1027"/>
-                <a:gd name="T17" fmla="*/ 1162 h 1221"/>
-                <a:gd name="T18" fmla="*/ 1025 w 1027"/>
-                <a:gd name="T19" fmla="*/ 1115 h 1221"/>
-                <a:gd name="T20" fmla="*/ 1027 w 1027"/>
-                <a:gd name="T21" fmla="*/ 1087 h 1221"/>
-                <a:gd name="T22" fmla="*/ 1027 w 1027"/>
-                <a:gd name="T23" fmla="*/ 1041 h 1221"/>
-                <a:gd name="T24" fmla="*/ 1019 w 1027"/>
-                <a:gd name="T25" fmla="*/ 950 h 1221"/>
-                <a:gd name="T26" fmla="*/ 998 w 1027"/>
-                <a:gd name="T27" fmla="*/ 819 h 1221"/>
-                <a:gd name="T28" fmla="*/ 944 w 1027"/>
-                <a:gd name="T29" fmla="*/ 652 h 1221"/>
-                <a:gd name="T30" fmla="*/ 870 w 1027"/>
-                <a:gd name="T31" fmla="*/ 498 h 1221"/>
-                <a:gd name="T32" fmla="*/ 773 w 1027"/>
-                <a:gd name="T33" fmla="*/ 357 h 1221"/>
-                <a:gd name="T34" fmla="*/ 658 w 1027"/>
-                <a:gd name="T35" fmla="*/ 230 h 1221"/>
-                <a:gd name="T36" fmla="*/ 525 w 1027"/>
-                <a:gd name="T37" fmla="*/ 122 h 1221"/>
-                <a:gd name="T38" fmla="*/ 378 w 1027"/>
-                <a:gd name="T39" fmla="*/ 34 h 1221"/>
-                <a:gd name="T40" fmla="*/ 301 w 1027"/>
-                <a:gd name="T41" fmla="*/ 0 h 1221"/>
-                <a:gd name="T42" fmla="*/ 269 w 1027"/>
-                <a:gd name="T43" fmla="*/ 36 h 1221"/>
-                <a:gd name="T44" fmla="*/ 239 w 1027"/>
-                <a:gd name="T45" fmla="*/ 75 h 1221"/>
-                <a:gd name="T46" fmla="*/ 217 w 1027"/>
-                <a:gd name="T47" fmla="*/ 102 h 1221"/>
-                <a:gd name="T48" fmla="*/ 165 w 1027"/>
-                <a:gd name="T49" fmla="*/ 145 h 1221"/>
-                <a:gd name="T50" fmla="*/ 105 w 1027"/>
-                <a:gd name="T51" fmla="*/ 176 h 1221"/>
-                <a:gd name="T52" fmla="*/ 40 w 1027"/>
-                <a:gd name="T53" fmla="*/ 191 h 1221"/>
-                <a:gd name="T54" fmla="*/ 5 w 1027"/>
-                <a:gd name="T55" fmla="*/ 191 h 1221"/>
-                <a:gd name="T56" fmla="*/ 0 w 1027"/>
-                <a:gd name="T57" fmla="*/ 191 h 1221"/>
-                <a:gd name="T58" fmla="*/ 39 w 1027"/>
-                <a:gd name="T59" fmla="*/ 200 h 1221"/>
-                <a:gd name="T60" fmla="*/ 118 w 1027"/>
-                <a:gd name="T61" fmla="*/ 220 h 1221"/>
-                <a:gd name="T62" fmla="*/ 193 w 1027"/>
-                <a:gd name="T63" fmla="*/ 246 h 1221"/>
-                <a:gd name="T64" fmla="*/ 265 w 1027"/>
-                <a:gd name="T65" fmla="*/ 279 h 1221"/>
-                <a:gd name="T66" fmla="*/ 332 w 1027"/>
-                <a:gd name="T67" fmla="*/ 320 h 1221"/>
-                <a:gd name="T68" fmla="*/ 397 w 1027"/>
-                <a:gd name="T69" fmla="*/ 364 h 1221"/>
-                <a:gd name="T70" fmla="*/ 486 w 1027"/>
-                <a:gd name="T71" fmla="*/ 441 h 1221"/>
-                <a:gd name="T72" fmla="*/ 587 w 1027"/>
-                <a:gd name="T73" fmla="*/ 559 h 1221"/>
-                <a:gd name="T74" fmla="*/ 649 w 1027"/>
-                <a:gd name="T75" fmla="*/ 659 h 1221"/>
-                <a:gd name="T76" fmla="*/ 684 w 1027"/>
-                <a:gd name="T77" fmla="*/ 730 h 1221"/>
-                <a:gd name="T78" fmla="*/ 713 w 1027"/>
-                <a:gd name="T79" fmla="*/ 805 h 1221"/>
-                <a:gd name="T80" fmla="*/ 734 w 1027"/>
-                <a:gd name="T81" fmla="*/ 883 h 1221"/>
-                <a:gd name="T82" fmla="*/ 749 w 1027"/>
-                <a:gd name="T83" fmla="*/ 962 h 1221"/>
-                <a:gd name="T84" fmla="*/ 756 w 1027"/>
-                <a:gd name="T85" fmla="*/ 1045 h 1221"/>
-                <a:gd name="T86" fmla="*/ 757 w 1027"/>
-                <a:gd name="T87" fmla="*/ 1087 h 1221"/>
-              </a:gdLst>
-              <a:ahLst/>
-              <a:cxnLst>
-                <a:cxn ang="0">
-                  <a:pos x="T0" y="T1"/>
-                </a:cxn>
-                <a:cxn ang="0">
-                  <a:pos x="T2" y="T3"/>
-                </a:cxn>
-                <a:cxn ang="0">
-                  <a:pos x="T4" y="T5"/>
-                </a:cxn>
-                <a:cxn ang="0">
-                  <a:pos x="T6" y="T7"/>
-                </a:cxn>
-                <a:cxn ang="0">
-                  <a:pos x="T8" y="T9"/>
-                </a:cxn>
-                <a:cxn ang="0">
-                  <a:pos x="T10" y="T11"/>
-                </a:cxn>
-                <a:cxn ang="0">
-                  <a:pos x="T12" y="T13"/>
-                </a:cxn>
-                <a:cxn ang="0">
-                  <a:pos x="T14" y="T15"/>
-                </a:cxn>
-                <a:cxn ang="0">
-                  <a:pos x="T16" y="T17"/>
-                </a:cxn>
-                <a:cxn ang="0">
-                  <a:pos x="T18" y="T19"/>
-                </a:cxn>
-                <a:cxn ang="0">
-                  <a:pos x="T20" y="T21"/>
-                </a:cxn>
-                <a:cxn ang="0">
-                  <a:pos x="T22" y="T23"/>
-                </a:cxn>
-                <a:cxn ang="0">
-                  <a:pos x="T24" y="T25"/>
-                </a:cxn>
-                <a:cxn ang="0">
-                  <a:pos x="T26" y="T27"/>
-                </a:cxn>
-                <a:cxn ang="0">
-                  <a:pos x="T28" y="T29"/>
-                </a:cxn>
-                <a:cxn ang="0">
-                  <a:pos x="T30" y="T31"/>
-                </a:cxn>
-                <a:cxn ang="0">
-                  <a:pos x="T32" y="T33"/>
-                </a:cxn>
-                <a:cxn ang="0">
-                  <a:pos x="T34" y="T35"/>
-                </a:cxn>
-                <a:cxn ang="0">
-                  <a:pos x="T36" y="T37"/>
-                </a:cxn>
-                <a:cxn ang="0">
-                  <a:pos x="T38" y="T39"/>
-                </a:cxn>
-                <a:cxn ang="0">
-                  <a:pos x="T40" y="T41"/>
-                </a:cxn>
-                <a:cxn ang="0">
-                  <a:pos x="T42" y="T43"/>
-                </a:cxn>
-                <a:cxn ang="0">
-                  <a:pos x="T44" y="T45"/>
-                </a:cxn>
-                <a:cxn ang="0">
-                  <a:pos x="T46" y="T47"/>
-                </a:cxn>
-                <a:cxn ang="0">
-                  <a:pos x="T48" y="T49"/>
-                </a:cxn>
-                <a:cxn ang="0">
-                  <a:pos x="T50" y="T51"/>
-                </a:cxn>
-                <a:cxn ang="0">
-                  <a:pos x="T52" y="T53"/>
-                </a:cxn>
-                <a:cxn ang="0">
-                  <a:pos x="T54" y="T55"/>
-                </a:cxn>
-                <a:cxn ang="0">
-                  <a:pos x="T56" y="T57"/>
-                </a:cxn>
-                <a:cxn ang="0">
-                  <a:pos x="T58" y="T59"/>
-                </a:cxn>
-                <a:cxn ang="0">
-                  <a:pos x="T60" y="T61"/>
-                </a:cxn>
-                <a:cxn ang="0">
-                  <a:pos x="T62" y="T63"/>
-                </a:cxn>
-                <a:cxn ang="0">
-                  <a:pos x="T64" y="T65"/>
-                </a:cxn>
-                <a:cxn ang="0">
-                  <a:pos x="T66" y="T67"/>
-                </a:cxn>
-                <a:cxn ang="0">
-                  <a:pos x="T68" y="T69"/>
-                </a:cxn>
-                <a:cxn ang="0">
-                  <a:pos x="T70" y="T71"/>
-                </a:cxn>
-                <a:cxn ang="0">
-                  <a:pos x="T72" y="T73"/>
-                </a:cxn>
-                <a:cxn ang="0">
-                  <a:pos x="T74" y="T75"/>
-                </a:cxn>
-                <a:cxn ang="0">
-                  <a:pos x="T76" y="T77"/>
-                </a:cxn>
-                <a:cxn ang="0">
-                  <a:pos x="T78" y="T79"/>
-                </a:cxn>
-                <a:cxn ang="0">
-                  <a:pos x="T80" y="T81"/>
-                </a:cxn>
-                <a:cxn ang="0">
-                  <a:pos x="T82" y="T83"/>
-                </a:cxn>
-                <a:cxn ang="0">
-                  <a:pos x="T84" y="T85"/>
-                </a:cxn>
-                <a:cxn ang="0">
-                  <a:pos x="T86" y="T87"/>
-                </a:cxn>
-              </a:cxnLst>
-              <a:rect l="0" t="0" r="r" b="b"/>
-              <a:pathLst>
-                <a:path w="1027" h="1221">
-                  <a:moveTo>
-                    <a:pt x="757" y="1087"/>
-                  </a:moveTo>
-                  <a:lnTo>
-                    <a:pt x="759" y="1115"/>
-                  </a:lnTo>
-                  <a:lnTo>
-                    <a:pt x="779" y="1162"/>
-                  </a:lnTo>
-                  <a:lnTo>
-                    <a:pt x="816" y="1200"/>
-                  </a:lnTo>
-                  <a:lnTo>
-                    <a:pt x="864" y="1220"/>
-                  </a:lnTo>
-                  <a:lnTo>
-                    <a:pt x="891" y="1221"/>
-                  </a:lnTo>
-                  <a:lnTo>
-                    <a:pt x="919" y="1220"/>
-                  </a:lnTo>
-                  <a:lnTo>
-                    <a:pt x="967" y="1200"/>
-                  </a:lnTo>
-                  <a:lnTo>
-                    <a:pt x="1003" y="1162"/>
-                  </a:lnTo>
-                  <a:lnTo>
-                    <a:pt x="1025" y="1115"/>
-                  </a:lnTo>
-                  <a:lnTo>
-                    <a:pt x="1027" y="1087"/>
-                  </a:lnTo>
-                  <a:lnTo>
-                    <a:pt x="1027" y="1041"/>
-                  </a:lnTo>
-                  <a:lnTo>
-                    <a:pt x="1019" y="950"/>
-                  </a:lnTo>
-                  <a:lnTo>
-                    <a:pt x="998" y="819"/>
-                  </a:lnTo>
-                  <a:lnTo>
-                    <a:pt x="944" y="652"/>
-                  </a:lnTo>
-                  <a:lnTo>
-                    <a:pt x="870" y="498"/>
-                  </a:lnTo>
-                  <a:lnTo>
-                    <a:pt x="773" y="357"/>
-                  </a:lnTo>
-                  <a:lnTo>
-                    <a:pt x="658" y="230"/>
-                  </a:lnTo>
-                  <a:lnTo>
-                    <a:pt x="525" y="122"/>
-                  </a:lnTo>
-                  <a:lnTo>
-                    <a:pt x="378" y="34"/>
-                  </a:lnTo>
-                  <a:lnTo>
-                    <a:pt x="301" y="0"/>
-                  </a:lnTo>
-                  <a:lnTo>
-                    <a:pt x="269" y="36"/>
-                  </a:lnTo>
-                  <a:lnTo>
-                    <a:pt x="239" y="75"/>
-                  </a:lnTo>
-                  <a:lnTo>
-                    <a:pt x="217" y="102"/>
-                  </a:lnTo>
-                  <a:lnTo>
-                    <a:pt x="165" y="145"/>
-                  </a:lnTo>
-                  <a:lnTo>
-                    <a:pt x="105" y="176"/>
-                  </a:lnTo>
-                  <a:lnTo>
-                    <a:pt x="40" y="191"/>
-                  </a:lnTo>
-                  <a:lnTo>
-                    <a:pt x="5" y="191"/>
-                  </a:lnTo>
-                  <a:lnTo>
-                    <a:pt x="0" y="191"/>
-                  </a:lnTo>
-                  <a:lnTo>
-                    <a:pt x="39" y="200"/>
-                  </a:lnTo>
-                  <a:lnTo>
-                    <a:pt x="118" y="220"/>
-                  </a:lnTo>
-                  <a:lnTo>
-                    <a:pt x="193" y="246"/>
-                  </a:lnTo>
-                  <a:lnTo>
-                    <a:pt x="265" y="279"/>
-                  </a:lnTo>
-                  <a:lnTo>
-                    <a:pt x="332" y="320"/>
-                  </a:lnTo>
-                  <a:lnTo>
-                    <a:pt x="397" y="364"/>
-                  </a:lnTo>
-                  <a:lnTo>
-                    <a:pt x="486" y="441"/>
-                  </a:lnTo>
-                  <a:lnTo>
-                    <a:pt x="587" y="559"/>
-                  </a:lnTo>
-                  <a:lnTo>
-                    <a:pt x="649" y="659"/>
-                  </a:lnTo>
-                  <a:lnTo>
-                    <a:pt x="684" y="730"/>
-                  </a:lnTo>
-                  <a:lnTo>
-                    <a:pt x="713" y="805"/>
-                  </a:lnTo>
-                  <a:lnTo>
-                    <a:pt x="734" y="883"/>
-                  </a:lnTo>
-                  <a:lnTo>
-                    <a:pt x="749" y="962"/>
-                  </a:lnTo>
-                  <a:lnTo>
-                    <a:pt x="756" y="1045"/>
-                  </a:lnTo>
-                  <a:lnTo>
-                    <a:pt x="757" y="1087"/>
-                  </a:lnTo>
-                  <a:close/>
-                </a:path>
-              </a:pathLst>
-            </a:custGeom>
-            <a:solidFill>
-              <a:srgbClr val="DDEAFB"/>
-            </a:solidFill>
-            <a:ln>
-              <a:noFill/>
-            </a:ln>
-            <a:extLst>
-              <a:ext uri="{91240B29-F687-4F45-9708-019B960494DF}">
-                <a14:hiddenLine xmlns:a14="http://schemas.microsoft.com/office/drawing/2010/main" w="9525">
-                  <a:solidFill>
-                    <a:srgbClr val="000000"/>
-                  </a:solidFill>
-                  <a:round/>
-                  <a:headEnd/>
-                  <a:tailEnd/>
-                </a14:hiddenLine>
-              </a:ext>
-            </a:extLst>
-          </p:spPr>
-          <p:txBody>
-            <a:bodyPr vert="horz" wrap="square" lIns="91440" tIns="45720" rIns="91440" bIns="45720" numCol="1" anchor="t" anchorCtr="0" compatLnSpc="1">
-              <a:prstTxWarp prst="textNoShape">
-                <a:avLst/>
-              </a:prstTxWarp>
-            </a:bodyPr>
-            <a:lstStyle/>
-            <a:p>
-              <a:endParaRPr lang="ko-KR" altLang="en-US">
-                <a:solidFill>
-                  <a:prstClr val="black"/>
-                </a:solidFill>
-              </a:endParaRPr>
-            </a:p>
-          </p:txBody>
-        </p:sp>
-      </p:grpSp>
-      <p:grpSp>
-        <p:nvGrpSpPr>
-          <p:cNvPr id="39" name="그룹 38"/>
-          <p:cNvGrpSpPr/>
-          <p:nvPr/>
-        </p:nvGrpSpPr>
-        <p:grpSpPr>
-          <a:xfrm>
-            <a:off x="335756" y="126960"/>
-            <a:ext cx="1934969" cy="411932"/>
-            <a:chOff x="772335" y="303490"/>
-            <a:chExt cx="1934969" cy="411932"/>
-          </a:xfrm>
-        </p:grpSpPr>
-        <p:cxnSp>
-          <p:nvCxnSpPr>
-            <p:cNvPr id="26" name="직선 연결선 25"/>
-            <p:cNvCxnSpPr/>
-            <p:nvPr/>
-          </p:nvCxnSpPr>
-          <p:spPr>
-            <a:xfrm rot="19800000" flipV="1">
-              <a:off x="1197465" y="509229"/>
-              <a:ext cx="107092" cy="65263"/>
-            </a:xfrm>
-            <a:prstGeom prst="line">
-              <a:avLst/>
-            </a:prstGeom>
-            <a:ln w="28575" cap="rnd">
-              <a:solidFill>
-                <a:srgbClr val="FF8086"/>
-              </a:solidFill>
-            </a:ln>
-          </p:spPr>
-          <p:style>
-            <a:lnRef idx="1">
-              <a:schemeClr val="accent1"/>
-            </a:lnRef>
-            <a:fillRef idx="0">
-              <a:schemeClr val="accent1"/>
-            </a:fillRef>
-            <a:effectRef idx="0">
-              <a:schemeClr val="accent1"/>
-            </a:effectRef>
-            <a:fontRef idx="minor">
-              <a:schemeClr val="tx1"/>
-            </a:fontRef>
-          </p:style>
-        </p:cxnSp>
-        <p:cxnSp>
-          <p:nvCxnSpPr>
-            <p:cNvPr id="27" name="직선 연결선 26"/>
-            <p:cNvCxnSpPr/>
-            <p:nvPr/>
-          </p:nvCxnSpPr>
-          <p:spPr>
-            <a:xfrm rot="14400000" flipV="1">
-              <a:off x="946001" y="377950"/>
-              <a:ext cx="107092" cy="65263"/>
-            </a:xfrm>
-            <a:prstGeom prst="line">
-              <a:avLst/>
-            </a:prstGeom>
-            <a:ln w="28575" cap="rnd">
-              <a:solidFill>
-                <a:schemeClr val="accent1"/>
-              </a:solidFill>
-            </a:ln>
-          </p:spPr>
-          <p:style>
-            <a:lnRef idx="1">
-              <a:schemeClr val="accent1"/>
-            </a:lnRef>
-            <a:fillRef idx="0">
-              <a:schemeClr val="accent1"/>
-            </a:fillRef>
-            <a:effectRef idx="0">
-              <a:schemeClr val="accent1"/>
-            </a:effectRef>
-            <a:fontRef idx="minor">
-              <a:schemeClr val="tx1"/>
-            </a:fontRef>
-          </p:style>
-        </p:cxnSp>
-        <p:cxnSp>
-          <p:nvCxnSpPr>
-            <p:cNvPr id="29" name="직선 연결선 28"/>
-            <p:cNvCxnSpPr/>
-            <p:nvPr/>
-          </p:nvCxnSpPr>
-          <p:spPr>
-            <a:xfrm flipV="1">
-              <a:off x="2600212" y="646342"/>
-              <a:ext cx="107092" cy="65263"/>
-            </a:xfrm>
-            <a:prstGeom prst="line">
-              <a:avLst/>
-            </a:prstGeom>
-            <a:ln w="28575" cap="rnd">
-              <a:solidFill>
-                <a:srgbClr val="FFC000"/>
-              </a:solidFill>
-            </a:ln>
-          </p:spPr>
-          <p:style>
-            <a:lnRef idx="1">
-              <a:schemeClr val="accent1"/>
-            </a:lnRef>
-            <a:fillRef idx="0">
-              <a:schemeClr val="accent1"/>
-            </a:fillRef>
-            <a:effectRef idx="0">
-              <a:schemeClr val="accent1"/>
-            </a:effectRef>
-            <a:fontRef idx="minor">
-              <a:schemeClr val="tx1"/>
-            </a:fontRef>
-          </p:style>
-        </p:cxnSp>
-        <p:cxnSp>
-          <p:nvCxnSpPr>
-            <p:cNvPr id="30" name="직선 연결선 29"/>
-            <p:cNvCxnSpPr/>
-            <p:nvPr/>
-          </p:nvCxnSpPr>
-          <p:spPr>
-            <a:xfrm rot="16200000" flipV="1">
-              <a:off x="2440430" y="324404"/>
-              <a:ext cx="107092" cy="65263"/>
-            </a:xfrm>
-            <a:prstGeom prst="line">
-              <a:avLst/>
-            </a:prstGeom>
-            <a:ln w="28575" cap="rnd">
-              <a:solidFill>
-                <a:srgbClr val="FF8086"/>
-              </a:solidFill>
-            </a:ln>
-          </p:spPr>
-          <p:style>
-            <a:lnRef idx="1">
-              <a:schemeClr val="accent1"/>
-            </a:lnRef>
-            <a:fillRef idx="0">
-              <a:schemeClr val="accent1"/>
-            </a:fillRef>
-            <a:effectRef idx="0">
-              <a:schemeClr val="accent1"/>
-            </a:effectRef>
-            <a:fontRef idx="minor">
-              <a:schemeClr val="tx1"/>
-            </a:fontRef>
-          </p:style>
-        </p:cxnSp>
-        <p:cxnSp>
-          <p:nvCxnSpPr>
-            <p:cNvPr id="32" name="직선 연결선 31"/>
-            <p:cNvCxnSpPr/>
-            <p:nvPr/>
-          </p:nvCxnSpPr>
-          <p:spPr>
-            <a:xfrm rot="18900000" flipV="1">
-              <a:off x="772335" y="650159"/>
-              <a:ext cx="107092" cy="65263"/>
-            </a:xfrm>
-            <a:prstGeom prst="line">
-              <a:avLst/>
-            </a:prstGeom>
-            <a:ln w="28575" cap="rnd">
-              <a:solidFill>
-                <a:srgbClr val="FFC000"/>
-              </a:solidFill>
-            </a:ln>
-          </p:spPr>
-          <p:style>
-            <a:lnRef idx="1">
-              <a:schemeClr val="accent1"/>
-            </a:lnRef>
-            <a:fillRef idx="0">
-              <a:schemeClr val="accent1"/>
-            </a:fillRef>
-            <a:effectRef idx="0">
-              <a:schemeClr val="accent1"/>
-            </a:effectRef>
-            <a:fontRef idx="minor">
-              <a:schemeClr val="tx1"/>
-            </a:fontRef>
-          </p:style>
-        </p:cxnSp>
-      </p:grpSp>
-      <p:grpSp>
-        <p:nvGrpSpPr>
-          <p:cNvPr id="40" name="그룹 39"/>
-          <p:cNvGrpSpPr/>
-          <p:nvPr/>
-        </p:nvGrpSpPr>
-        <p:grpSpPr>
-          <a:xfrm>
-            <a:off x="9136733" y="206035"/>
-            <a:ext cx="2175976" cy="372070"/>
-            <a:chOff x="8784308" y="234610"/>
-            <a:chExt cx="2175976" cy="372070"/>
-          </a:xfrm>
-        </p:grpSpPr>
-        <p:cxnSp>
-          <p:nvCxnSpPr>
-            <p:cNvPr id="28" name="직선 연결선 27"/>
-            <p:cNvCxnSpPr/>
-            <p:nvPr/>
-          </p:nvCxnSpPr>
-          <p:spPr>
-            <a:xfrm rot="4500000" flipV="1">
-              <a:off x="8763394" y="394046"/>
-              <a:ext cx="107092" cy="65263"/>
-            </a:xfrm>
-            <a:prstGeom prst="line">
-              <a:avLst/>
-            </a:prstGeom>
-            <a:ln w="28575" cap="rnd">
-              <a:solidFill>
-                <a:srgbClr val="CC0066"/>
-              </a:solidFill>
-            </a:ln>
-          </p:spPr>
-          <p:style>
-            <a:lnRef idx="1">
-              <a:schemeClr val="accent1"/>
-            </a:lnRef>
-            <a:fillRef idx="0">
-              <a:schemeClr val="accent1"/>
-            </a:fillRef>
-            <a:effectRef idx="0">
-              <a:schemeClr val="accent1"/>
-            </a:effectRef>
-            <a:fontRef idx="minor">
-              <a:schemeClr val="tx1"/>
-            </a:fontRef>
-          </p:style>
-        </p:cxnSp>
-        <p:cxnSp>
-          <p:nvCxnSpPr>
-            <p:cNvPr id="33" name="직선 연결선 32"/>
-            <p:cNvCxnSpPr/>
-            <p:nvPr/>
-          </p:nvCxnSpPr>
-          <p:spPr>
-            <a:xfrm rot="19800000" flipV="1">
-              <a:off x="9892623" y="484717"/>
-              <a:ext cx="107092" cy="65263"/>
-            </a:xfrm>
-            <a:prstGeom prst="line">
-              <a:avLst/>
-            </a:prstGeom>
-            <a:ln w="28575" cap="rnd">
-              <a:solidFill>
-                <a:srgbClr val="FF8086"/>
-              </a:solidFill>
-            </a:ln>
-          </p:spPr>
-          <p:style>
-            <a:lnRef idx="1">
-              <a:schemeClr val="accent1"/>
-            </a:lnRef>
-            <a:fillRef idx="0">
-              <a:schemeClr val="accent1"/>
-            </a:fillRef>
-            <a:effectRef idx="0">
-              <a:schemeClr val="accent1"/>
-            </a:effectRef>
-            <a:fontRef idx="minor">
-              <a:schemeClr val="tx1"/>
-            </a:fontRef>
-          </p:style>
-        </p:cxnSp>
-        <p:cxnSp>
-          <p:nvCxnSpPr>
-            <p:cNvPr id="34" name="직선 연결선 33"/>
-            <p:cNvCxnSpPr/>
-            <p:nvPr/>
-          </p:nvCxnSpPr>
-          <p:spPr>
-            <a:xfrm rot="14400000" flipV="1">
-              <a:off x="10310830" y="299893"/>
-              <a:ext cx="107092" cy="65263"/>
-            </a:xfrm>
-            <a:prstGeom prst="line">
-              <a:avLst/>
-            </a:prstGeom>
-            <a:ln w="28575" cap="rnd">
-              <a:solidFill>
-                <a:schemeClr val="accent1"/>
-              </a:solidFill>
-            </a:ln>
-          </p:spPr>
-          <p:style>
-            <a:lnRef idx="1">
-              <a:schemeClr val="accent1"/>
-            </a:lnRef>
-            <a:fillRef idx="0">
-              <a:schemeClr val="accent1"/>
-            </a:fillRef>
-            <a:effectRef idx="0">
-              <a:schemeClr val="accent1"/>
-            </a:effectRef>
-            <a:fontRef idx="minor">
-              <a:schemeClr val="tx1"/>
-            </a:fontRef>
-          </p:style>
-        </p:cxnSp>
-        <p:cxnSp>
-          <p:nvCxnSpPr>
-            <p:cNvPr id="35" name="직선 연결선 34"/>
-            <p:cNvCxnSpPr/>
-            <p:nvPr/>
-          </p:nvCxnSpPr>
-          <p:spPr>
-            <a:xfrm flipV="1">
-              <a:off x="10559087" y="541417"/>
-              <a:ext cx="107092" cy="65263"/>
-            </a:xfrm>
-            <a:prstGeom prst="line">
-              <a:avLst/>
-            </a:prstGeom>
-            <a:ln w="28575" cap="rnd">
-              <a:solidFill>
-                <a:srgbClr val="FFC000"/>
-              </a:solidFill>
-            </a:ln>
-          </p:spPr>
-          <p:style>
-            <a:lnRef idx="1">
-              <a:schemeClr val="accent1"/>
-            </a:lnRef>
-            <a:fillRef idx="0">
-              <a:schemeClr val="accent1"/>
-            </a:fillRef>
-            <a:effectRef idx="0">
-              <a:schemeClr val="accent1"/>
-            </a:effectRef>
-            <a:fontRef idx="minor">
-              <a:schemeClr val="tx1"/>
-            </a:fontRef>
-          </p:style>
-        </p:cxnSp>
-        <p:cxnSp>
-          <p:nvCxnSpPr>
-            <p:cNvPr id="36" name="직선 연결선 35"/>
-            <p:cNvCxnSpPr/>
-            <p:nvPr/>
-          </p:nvCxnSpPr>
-          <p:spPr>
-            <a:xfrm rot="16200000" flipV="1">
-              <a:off x="10874107" y="276891"/>
-              <a:ext cx="107092" cy="65263"/>
-            </a:xfrm>
-            <a:prstGeom prst="line">
-              <a:avLst/>
-            </a:prstGeom>
-            <a:ln w="28575" cap="rnd">
-              <a:solidFill>
-                <a:srgbClr val="FF8086"/>
-              </a:solidFill>
-            </a:ln>
-          </p:spPr>
-          <p:style>
-            <a:lnRef idx="1">
-              <a:schemeClr val="accent1"/>
-            </a:lnRef>
-            <a:fillRef idx="0">
-              <a:schemeClr val="accent1"/>
-            </a:fillRef>
-            <a:effectRef idx="0">
-              <a:schemeClr val="accent1"/>
-            </a:effectRef>
-            <a:fontRef idx="minor">
-              <a:schemeClr val="tx1"/>
-            </a:fontRef>
-          </p:style>
-        </p:cxnSp>
-        <p:cxnSp>
-          <p:nvCxnSpPr>
-            <p:cNvPr id="37" name="직선 연결선 36"/>
-            <p:cNvCxnSpPr/>
-            <p:nvPr/>
-          </p:nvCxnSpPr>
-          <p:spPr>
-            <a:xfrm rot="19800000" flipV="1">
-              <a:off x="9263264" y="234610"/>
-              <a:ext cx="107092" cy="65263"/>
-            </a:xfrm>
-            <a:prstGeom prst="line">
-              <a:avLst/>
-            </a:prstGeom>
-            <a:ln w="28575" cap="rnd">
-              <a:solidFill>
-                <a:schemeClr val="accent1"/>
-              </a:solidFill>
-            </a:ln>
-          </p:spPr>
-          <p:style>
-            <a:lnRef idx="1">
-              <a:schemeClr val="accent1"/>
-            </a:lnRef>
-            <a:fillRef idx="0">
-              <a:schemeClr val="accent1"/>
-            </a:fillRef>
-            <a:effectRef idx="0">
-              <a:schemeClr val="accent1"/>
-            </a:effectRef>
-            <a:fontRef idx="minor">
-              <a:schemeClr val="tx1"/>
-            </a:fontRef>
-          </p:style>
-        </p:cxnSp>
-        <p:cxnSp>
-          <p:nvCxnSpPr>
-            <p:cNvPr id="38" name="직선 연결선 37"/>
-            <p:cNvCxnSpPr/>
-            <p:nvPr/>
-          </p:nvCxnSpPr>
-          <p:spPr>
-            <a:xfrm rot="15300000" flipV="1">
-              <a:off x="9523903" y="426003"/>
-              <a:ext cx="107092" cy="65263"/>
-            </a:xfrm>
-            <a:prstGeom prst="line">
-              <a:avLst/>
-            </a:prstGeom>
-            <a:ln w="28575" cap="rnd">
-              <a:solidFill>
-                <a:srgbClr val="FFC000"/>
-              </a:solidFill>
-            </a:ln>
-          </p:spPr>
-          <p:style>
-            <a:lnRef idx="1">
-              <a:schemeClr val="accent1"/>
-            </a:lnRef>
-            <a:fillRef idx="0">
-              <a:schemeClr val="accent1"/>
-            </a:fillRef>
-            <a:effectRef idx="0">
-              <a:schemeClr val="accent1"/>
-            </a:effectRef>
-            <a:fontRef idx="minor">
-              <a:schemeClr val="tx1"/>
-            </a:fontRef>
-          </p:style>
-        </p:cxnSp>
-      </p:grpSp>
-    </p:spTree>
-    <p:extLst>
-      <p:ext uri="{BB962C8B-B14F-4D97-AF65-F5344CB8AC3E}">
-        <p14:creationId xmlns:p14="http://schemas.microsoft.com/office/powerpoint/2010/main" val="2330887192"/>
-      </p:ext>
-    </p:extLst>
-  </p:cSld>
-  <p:clrMapOvr>
-    <a:masterClrMapping/>
-  </p:clrMapOvr>
-</p:sld>
-</file>
-
-<file path=ppt/slides/slide5.xml><?xml version="1.0" encoding="utf-8"?>
 <p:sld xmlns:a="http://schemas.openxmlformats.org/drawingml/2006/main" xmlns:r="http://schemas.openxmlformats.org/officeDocument/2006/relationships" xmlns:p="http://schemas.openxmlformats.org/presentationml/2006/main">
   <p:cSld>
     <p:bg>
@@ -36310,7 +30510,7 @@
 </p:sld>
 </file>
 
-<file path=ppt/slides/slide6.xml><?xml version="1.0" encoding="utf-8"?>
+<file path=ppt/slides/slide5.xml><?xml version="1.0" encoding="utf-8"?>
 <p:sld xmlns:a="http://schemas.openxmlformats.org/drawingml/2006/main" xmlns:r="http://schemas.openxmlformats.org/officeDocument/2006/relationships" xmlns:p="http://schemas.openxmlformats.org/presentationml/2006/main">
   <p:cSld>
     <p:bg>

--- a/2021182010 노다정, 2021182019 양경원 - 스크립트언어 팀프로젝트 중간발표.pptx
+++ b/2021182010 노다정, 2021182019 양경원 - 스크립트언어 팀프로젝트 중간발표.pptx
@@ -36666,6 +36666,36 @@
           </a:p>
         </p:txBody>
       </p:sp>
+      <p:pic>
+        <p:nvPicPr>
+          <p:cNvPr id="4" name="그림 3">
+            <a:extLst>
+              <a:ext uri="{FF2B5EF4-FFF2-40B4-BE49-F238E27FC236}">
+                <a16:creationId xmlns:a16="http://schemas.microsoft.com/office/drawing/2014/main" id="{0F45370E-39EB-AE22-B6DC-2EFE7E98DF45}"/>
+              </a:ext>
+            </a:extLst>
+          </p:cNvPr>
+          <p:cNvPicPr>
+            <a:picLocks noChangeAspect="1"/>
+          </p:cNvPicPr>
+          <p:nvPr/>
+        </p:nvPicPr>
+        <p:blipFill>
+          <a:blip r:embed="rId2"/>
+          <a:stretch>
+            <a:fillRect/>
+          </a:stretch>
+        </p:blipFill>
+        <p:spPr>
+          <a:xfrm>
+            <a:off x="1713522" y="2125493"/>
+            <a:ext cx="8764956" cy="2607013"/>
+          </a:xfrm>
+          <a:prstGeom prst="rect">
+            <a:avLst/>
+          </a:prstGeom>
+        </p:spPr>
+      </p:pic>
     </p:spTree>
     <p:extLst>
       <p:ext uri="{BB962C8B-B14F-4D97-AF65-F5344CB8AC3E}">
